--- a/_Proposal/TowerOfDefense.pptx
+++ b/_Proposal/TowerOfDefense.pptx
@@ -10,7 +10,6 @@
     <p:sldId id="259" r:id="rId4"/>
     <p:sldId id="258" r:id="rId5"/>
     <p:sldId id="260" r:id="rId6"/>
-    <p:sldId id="261" r:id="rId7"/>
   </p:sldIdLst>
   <p:sldSz cx="12192000" cy="6858000"/>
   <p:notesSz cx="6858000" cy="9144000"/>
@@ -264,7 +263,7 @@
           <a:p>
             <a:fld id="{F6FF6732-C5B4-46A1-A722-3D7B59C656B8}" type="datetimeFigureOut">
               <a:rPr kumimoji="1" lang="ja-JP" altLang="en-US" smtClean="0"/>
-              <a:t>2023/7/5</a:t>
+              <a:t>2023/7/25</a:t>
             </a:fld>
             <a:endParaRPr kumimoji="1" lang="ja-JP" altLang="en-US"/>
           </a:p>
@@ -494,7 +493,7 @@
           <a:p>
             <a:fld id="{F6FF6732-C5B4-46A1-A722-3D7B59C656B8}" type="datetimeFigureOut">
               <a:rPr kumimoji="1" lang="ja-JP" altLang="en-US" smtClean="0"/>
-              <a:t>2023/7/5</a:t>
+              <a:t>2023/7/25</a:t>
             </a:fld>
             <a:endParaRPr kumimoji="1" lang="ja-JP" altLang="en-US"/>
           </a:p>
@@ -734,7 +733,7 @@
           <a:p>
             <a:fld id="{F6FF6732-C5B4-46A1-A722-3D7B59C656B8}" type="datetimeFigureOut">
               <a:rPr kumimoji="1" lang="ja-JP" altLang="en-US" smtClean="0"/>
-              <a:t>2023/7/5</a:t>
+              <a:t>2023/7/25</a:t>
             </a:fld>
             <a:endParaRPr kumimoji="1" lang="ja-JP" altLang="en-US"/>
           </a:p>
@@ -964,7 +963,7 @@
           <a:p>
             <a:fld id="{F6FF6732-C5B4-46A1-A722-3D7B59C656B8}" type="datetimeFigureOut">
               <a:rPr kumimoji="1" lang="ja-JP" altLang="en-US" smtClean="0"/>
-              <a:t>2023/7/5</a:t>
+              <a:t>2023/7/25</a:t>
             </a:fld>
             <a:endParaRPr kumimoji="1" lang="ja-JP" altLang="en-US"/>
           </a:p>
@@ -1239,7 +1238,7 @@
           <a:p>
             <a:fld id="{F6FF6732-C5B4-46A1-A722-3D7B59C656B8}" type="datetimeFigureOut">
               <a:rPr kumimoji="1" lang="ja-JP" altLang="en-US" smtClean="0"/>
-              <a:t>2023/7/5</a:t>
+              <a:t>2023/7/25</a:t>
             </a:fld>
             <a:endParaRPr kumimoji="1" lang="ja-JP" altLang="en-US"/>
           </a:p>
@@ -1568,7 +1567,7 @@
           <a:p>
             <a:fld id="{F6FF6732-C5B4-46A1-A722-3D7B59C656B8}" type="datetimeFigureOut">
               <a:rPr kumimoji="1" lang="ja-JP" altLang="en-US" smtClean="0"/>
-              <a:t>2023/7/5</a:t>
+              <a:t>2023/7/25</a:t>
             </a:fld>
             <a:endParaRPr kumimoji="1" lang="ja-JP" altLang="en-US"/>
           </a:p>
@@ -2044,7 +2043,7 @@
           <a:p>
             <a:fld id="{F6FF6732-C5B4-46A1-A722-3D7B59C656B8}" type="datetimeFigureOut">
               <a:rPr kumimoji="1" lang="ja-JP" altLang="en-US" smtClean="0"/>
-              <a:t>2023/7/5</a:t>
+              <a:t>2023/7/25</a:t>
             </a:fld>
             <a:endParaRPr kumimoji="1" lang="ja-JP" altLang="en-US"/>
           </a:p>
@@ -2185,7 +2184,7 @@
           <a:p>
             <a:fld id="{F6FF6732-C5B4-46A1-A722-3D7B59C656B8}" type="datetimeFigureOut">
               <a:rPr kumimoji="1" lang="ja-JP" altLang="en-US" smtClean="0"/>
-              <a:t>2023/7/5</a:t>
+              <a:t>2023/7/25</a:t>
             </a:fld>
             <a:endParaRPr kumimoji="1" lang="ja-JP" altLang="en-US"/>
           </a:p>
@@ -2298,7 +2297,7 @@
           <a:p>
             <a:fld id="{F6FF6732-C5B4-46A1-A722-3D7B59C656B8}" type="datetimeFigureOut">
               <a:rPr kumimoji="1" lang="ja-JP" altLang="en-US" smtClean="0"/>
-              <a:t>2023/7/5</a:t>
+              <a:t>2023/7/25</a:t>
             </a:fld>
             <a:endParaRPr kumimoji="1" lang="ja-JP" altLang="en-US"/>
           </a:p>
@@ -2641,7 +2640,7 @@
           <a:p>
             <a:fld id="{F6FF6732-C5B4-46A1-A722-3D7B59C656B8}" type="datetimeFigureOut">
               <a:rPr kumimoji="1" lang="ja-JP" altLang="en-US" smtClean="0"/>
-              <a:t>2023/7/5</a:t>
+              <a:t>2023/7/25</a:t>
             </a:fld>
             <a:endParaRPr kumimoji="1" lang="ja-JP" altLang="en-US"/>
           </a:p>
@@ -2929,7 +2928,7 @@
           <a:p>
             <a:fld id="{F6FF6732-C5B4-46A1-A722-3D7B59C656B8}" type="datetimeFigureOut">
               <a:rPr kumimoji="1" lang="ja-JP" altLang="en-US" smtClean="0"/>
-              <a:t>2023/7/5</a:t>
+              <a:t>2023/7/25</a:t>
             </a:fld>
             <a:endParaRPr kumimoji="1" lang="ja-JP" altLang="en-US"/>
           </a:p>
@@ -3202,7 +3201,7 @@
           <a:p>
             <a:fld id="{F6FF6732-C5B4-46A1-A722-3D7B59C656B8}" type="datetimeFigureOut">
               <a:rPr kumimoji="1" lang="ja-JP" altLang="en-US" smtClean="0"/>
-              <a:t>2023/7/5</a:t>
+              <a:t>2023/7/25</a:t>
             </a:fld>
             <a:endParaRPr kumimoji="1" lang="ja-JP" altLang="en-US"/>
           </a:p>
@@ -3621,10 +3620,10 @@
       </p:grpSpPr>
       <p:pic>
         <p:nvPicPr>
-          <p:cNvPr id="3" name="図 2">
-            <a:extLst>
-              <a:ext uri="{FF2B5EF4-FFF2-40B4-BE49-F238E27FC236}">
-                <a16:creationId xmlns:a16="http://schemas.microsoft.com/office/drawing/2014/main" id="{06D709C5-A0AD-4C4F-AD70-2C5AC6E5F4A1}"/>
+          <p:cNvPr id="7" name="図 6" descr="図形, 四角形&#10;&#10;自動的に生成された説明">
+            <a:extLst>
+              <a:ext uri="{FF2B5EF4-FFF2-40B4-BE49-F238E27FC236}">
+                <a16:creationId xmlns:a16="http://schemas.microsoft.com/office/drawing/2014/main" id="{90B8B681-4C6E-41D5-822A-E6C9820D0C2E}"/>
               </a:ext>
             </a:extLst>
           </p:cNvPr>
@@ -3635,6 +3634,42 @@
         </p:nvPicPr>
         <p:blipFill>
           <a:blip r:embed="rId2">
+            <a:extLst>
+              <a:ext uri="{28A0092B-C50C-407E-A947-70E740481C1C}">
+                <a14:useLocalDpi xmlns:a14="http://schemas.microsoft.com/office/drawing/2010/main" val="0"/>
+              </a:ext>
+            </a:extLst>
+          </a:blip>
+          <a:stretch>
+            <a:fillRect/>
+          </a:stretch>
+        </p:blipFill>
+        <p:spPr>
+          <a:xfrm>
+            <a:off x="0" y="0"/>
+            <a:ext cx="12192000" cy="6858000"/>
+          </a:xfrm>
+          <a:prstGeom prst="rect">
+            <a:avLst/>
+          </a:prstGeom>
+        </p:spPr>
+      </p:pic>
+      <p:pic>
+        <p:nvPicPr>
+          <p:cNvPr id="3" name="図 2">
+            <a:extLst>
+              <a:ext uri="{FF2B5EF4-FFF2-40B4-BE49-F238E27FC236}">
+                <a16:creationId xmlns:a16="http://schemas.microsoft.com/office/drawing/2014/main" id="{06D709C5-A0AD-4C4F-AD70-2C5AC6E5F4A1}"/>
+              </a:ext>
+            </a:extLst>
+          </p:cNvPr>
+          <p:cNvPicPr>
+            <a:picLocks noChangeAspect="1"/>
+          </p:cNvPicPr>
+          <p:nvPr/>
+        </p:nvPicPr>
+        <p:blipFill>
+          <a:blip r:embed="rId3">
             <a:extLst>
               <a:ext uri="{28A0092B-C50C-407E-A947-70E740481C1C}">
                 <a14:useLocalDpi xmlns:a14="http://schemas.microsoft.com/office/drawing/2010/main" val="0"/>
@@ -3866,6 +3901,42 @@
           <a:chExt cx="0" cy="0"/>
         </a:xfrm>
       </p:grpSpPr>
+      <p:pic>
+        <p:nvPicPr>
+          <p:cNvPr id="19" name="図 18" descr="図形, 四角形&#10;&#10;自動的に生成された説明">
+            <a:extLst>
+              <a:ext uri="{FF2B5EF4-FFF2-40B4-BE49-F238E27FC236}">
+                <a16:creationId xmlns:a16="http://schemas.microsoft.com/office/drawing/2014/main" id="{338C9ECA-579F-4E88-8DB0-B4156F9144E4}"/>
+              </a:ext>
+            </a:extLst>
+          </p:cNvPr>
+          <p:cNvPicPr>
+            <a:picLocks noChangeAspect="1"/>
+          </p:cNvPicPr>
+          <p:nvPr/>
+        </p:nvPicPr>
+        <p:blipFill>
+          <a:blip r:embed="rId2">
+            <a:extLst>
+              <a:ext uri="{28A0092B-C50C-407E-A947-70E740481C1C}">
+                <a14:useLocalDpi xmlns:a14="http://schemas.microsoft.com/office/drawing/2010/main" val="0"/>
+              </a:ext>
+            </a:extLst>
+          </a:blip>
+          <a:stretch>
+            <a:fillRect/>
+          </a:stretch>
+        </p:blipFill>
+        <p:spPr>
+          <a:xfrm>
+            <a:off x="0" y="0"/>
+            <a:ext cx="12192000" cy="6858000"/>
+          </a:xfrm>
+          <a:prstGeom prst="rect">
+            <a:avLst/>
+          </a:prstGeom>
+        </p:spPr>
+      </p:pic>
       <p:sp>
         <p:nvSpPr>
           <p:cNvPr id="5" name="テキスト ボックス 4">
@@ -3923,7 +3994,7 @@
         <p:spPr>
           <a:xfrm>
             <a:off x="1079242" y="3136612"/>
-            <a:ext cx="11264622" cy="584775"/>
+            <a:ext cx="10757158" cy="584775"/>
           </a:xfrm>
           <a:prstGeom prst="rect">
             <a:avLst/>
@@ -3931,7 +4002,7 @@
           <a:noFill/>
         </p:spPr>
         <p:txBody>
-          <a:bodyPr wrap="none" rtlCol="0">
+          <a:bodyPr wrap="square" rtlCol="0">
             <a:spAutoFit/>
           </a:bodyPr>
           <a:lstStyle/>
@@ -3998,7 +4069,7 @@
           <p:nvPr/>
         </p:nvPicPr>
         <p:blipFill>
-          <a:blip r:embed="rId2">
+          <a:blip r:embed="rId3">
             <a:extLst>
               <a:ext uri="{28A0092B-C50C-407E-A947-70E740481C1C}">
                 <a14:useLocalDpi xmlns:a14="http://schemas.microsoft.com/office/drawing/2010/main" val="0"/>
@@ -4045,7 +4116,7 @@
           <p:nvPr/>
         </p:nvPicPr>
         <p:blipFill>
-          <a:blip r:embed="rId2">
+          <a:blip r:embed="rId3">
             <a:extLst>
               <a:ext uri="{28A0092B-C50C-407E-A947-70E740481C1C}">
                 <a14:useLocalDpi xmlns:a14="http://schemas.microsoft.com/office/drawing/2010/main" val="0"/>
@@ -4092,7 +4163,7 @@
           <p:nvPr/>
         </p:nvPicPr>
         <p:blipFill>
-          <a:blip r:embed="rId2">
+          <a:blip r:embed="rId3">
             <a:extLst>
               <a:ext uri="{28A0092B-C50C-407E-A947-70E740481C1C}">
                 <a14:useLocalDpi xmlns:a14="http://schemas.microsoft.com/office/drawing/2010/main" val="0"/>
@@ -4139,7 +4210,7 @@
           <p:nvPr/>
         </p:nvPicPr>
         <p:blipFill>
-          <a:blip r:embed="rId2">
+          <a:blip r:embed="rId3">
             <a:extLst>
               <a:ext uri="{28A0092B-C50C-407E-A947-70E740481C1C}">
                 <a14:useLocalDpi xmlns:a14="http://schemas.microsoft.com/office/drawing/2010/main" val="0"/>
@@ -4186,7 +4257,7 @@
           <p:nvPr/>
         </p:nvPicPr>
         <p:blipFill>
-          <a:blip r:embed="rId3">
+          <a:blip r:embed="rId4">
             <a:extLst>
               <a:ext uri="{28A0092B-C50C-407E-A947-70E740481C1C}">
                 <a14:useLocalDpi xmlns:a14="http://schemas.microsoft.com/office/drawing/2010/main" val="0"/>
@@ -4325,7 +4396,7 @@
           <p:nvPr/>
         </p:nvPicPr>
         <p:blipFill>
-          <a:blip r:embed="rId4">
+          <a:blip r:embed="rId5">
             <a:extLst>
               <a:ext uri="{28A0092B-C50C-407E-A947-70E740481C1C}">
                 <a14:useLocalDpi xmlns:a14="http://schemas.microsoft.com/office/drawing/2010/main" val="0"/>
@@ -4389,6 +4460,42 @@
       </p:grpSpPr>
       <p:pic>
         <p:nvPicPr>
+          <p:cNvPr id="84" name="図 83" descr="図形, 四角形&#10;&#10;自動的に生成された説明">
+            <a:extLst>
+              <a:ext uri="{FF2B5EF4-FFF2-40B4-BE49-F238E27FC236}">
+                <a16:creationId xmlns:a16="http://schemas.microsoft.com/office/drawing/2014/main" id="{1AE84CA0-CD7E-42E7-8654-34DF15213D48}"/>
+              </a:ext>
+            </a:extLst>
+          </p:cNvPr>
+          <p:cNvPicPr>
+            <a:picLocks noChangeAspect="1"/>
+          </p:cNvPicPr>
+          <p:nvPr/>
+        </p:nvPicPr>
+        <p:blipFill>
+          <a:blip r:embed="rId2">
+            <a:extLst>
+              <a:ext uri="{28A0092B-C50C-407E-A947-70E740481C1C}">
+                <a14:useLocalDpi xmlns:a14="http://schemas.microsoft.com/office/drawing/2010/main" val="0"/>
+              </a:ext>
+            </a:extLst>
+          </a:blip>
+          <a:stretch>
+            <a:fillRect/>
+          </a:stretch>
+        </p:blipFill>
+        <p:spPr>
+          <a:xfrm>
+            <a:off x="0" y="0"/>
+            <a:ext cx="12192000" cy="6858000"/>
+          </a:xfrm>
+          <a:prstGeom prst="rect">
+            <a:avLst/>
+          </a:prstGeom>
+        </p:spPr>
+      </p:pic>
+      <p:pic>
+        <p:nvPicPr>
           <p:cNvPr id="22" name="Picture 10" descr="鉄兜と鎧を着た兵士のイラスト | かわいいフリー素材集 いらすとや">
             <a:extLst>
               <a:ext uri="{FF2B5EF4-FFF2-40B4-BE49-F238E27FC236}">
@@ -4402,7 +4509,7 @@
           <p:nvPr/>
         </p:nvPicPr>
         <p:blipFill>
-          <a:blip r:embed="rId2">
+          <a:blip r:embed="rId3">
             <a:extLst>
               <a:ext uri="{28A0092B-C50C-407E-A947-70E740481C1C}">
                 <a14:useLocalDpi xmlns:a14="http://schemas.microsoft.com/office/drawing/2010/main" val="0"/>
@@ -4449,7 +4556,7 @@
           <p:nvPr/>
         </p:nvPicPr>
         <p:blipFill>
-          <a:blip r:embed="rId2">
+          <a:blip r:embed="rId3">
             <a:extLst>
               <a:ext uri="{28A0092B-C50C-407E-A947-70E740481C1C}">
                 <a14:useLocalDpi xmlns:a14="http://schemas.microsoft.com/office/drawing/2010/main" val="0"/>
@@ -4496,7 +4603,7 @@
           <p:nvPr/>
         </p:nvPicPr>
         <p:blipFill>
-          <a:blip r:embed="rId2">
+          <a:blip r:embed="rId3">
             <a:extLst>
               <a:ext uri="{28A0092B-C50C-407E-A947-70E740481C1C}">
                 <a14:useLocalDpi xmlns:a14="http://schemas.microsoft.com/office/drawing/2010/main" val="0"/>
@@ -4543,7 +4650,7 @@
           <p:nvPr/>
         </p:nvPicPr>
         <p:blipFill>
-          <a:blip r:embed="rId2">
+          <a:blip r:embed="rId3">
             <a:extLst>
               <a:ext uri="{28A0092B-C50C-407E-A947-70E740481C1C}">
                 <a14:useLocalDpi xmlns:a14="http://schemas.microsoft.com/office/drawing/2010/main" val="0"/>
@@ -4590,7 +4697,7 @@
           <p:nvPr/>
         </p:nvPicPr>
         <p:blipFill>
-          <a:blip r:embed="rId2">
+          <a:blip r:embed="rId3">
             <a:extLst>
               <a:ext uri="{28A0092B-C50C-407E-A947-70E740481C1C}">
                 <a14:useLocalDpi xmlns:a14="http://schemas.microsoft.com/office/drawing/2010/main" val="0"/>
@@ -4637,7 +4744,7 @@
           <p:nvPr/>
         </p:nvPicPr>
         <p:blipFill>
-          <a:blip r:embed="rId2">
+          <a:blip r:embed="rId3">
             <a:extLst>
               <a:ext uri="{28A0092B-C50C-407E-A947-70E740481C1C}">
                 <a14:useLocalDpi xmlns:a14="http://schemas.microsoft.com/office/drawing/2010/main" val="0"/>
@@ -4770,7 +4877,7 @@
           <p:nvPr/>
         </p:nvPicPr>
         <p:blipFill>
-          <a:blip r:embed="rId2">
+          <a:blip r:embed="rId3">
             <a:extLst>
               <a:ext uri="{28A0092B-C50C-407E-A947-70E740481C1C}">
                 <a14:useLocalDpi xmlns:a14="http://schemas.microsoft.com/office/drawing/2010/main" val="0"/>
@@ -4817,7 +4924,7 @@
           <p:nvPr/>
         </p:nvPicPr>
         <p:blipFill>
-          <a:blip r:embed="rId2">
+          <a:blip r:embed="rId3">
             <a:extLst>
               <a:ext uri="{28A0092B-C50C-407E-A947-70E740481C1C}">
                 <a14:useLocalDpi xmlns:a14="http://schemas.microsoft.com/office/drawing/2010/main" val="0"/>
@@ -4864,7 +4971,7 @@
           <p:nvPr/>
         </p:nvPicPr>
         <p:blipFill>
-          <a:blip r:embed="rId2">
+          <a:blip r:embed="rId3">
             <a:extLst>
               <a:ext uri="{28A0092B-C50C-407E-A947-70E740481C1C}">
                 <a14:useLocalDpi xmlns:a14="http://schemas.microsoft.com/office/drawing/2010/main" val="0"/>
@@ -4911,7 +5018,7 @@
           <p:nvPr/>
         </p:nvPicPr>
         <p:blipFill>
-          <a:blip r:embed="rId2">
+          <a:blip r:embed="rId3">
             <a:extLst>
               <a:ext uri="{28A0092B-C50C-407E-A947-70E740481C1C}">
                 <a14:useLocalDpi xmlns:a14="http://schemas.microsoft.com/office/drawing/2010/main" val="0"/>
@@ -4958,7 +5065,7 @@
           <p:nvPr/>
         </p:nvPicPr>
         <p:blipFill>
-          <a:blip r:embed="rId2">
+          <a:blip r:embed="rId3">
             <a:extLst>
               <a:ext uri="{28A0092B-C50C-407E-A947-70E740481C1C}">
                 <a14:useLocalDpi xmlns:a14="http://schemas.microsoft.com/office/drawing/2010/main" val="0"/>
@@ -5005,7 +5112,7 @@
           <p:nvPr/>
         </p:nvPicPr>
         <p:blipFill>
-          <a:blip r:embed="rId2">
+          <a:blip r:embed="rId3">
             <a:extLst>
               <a:ext uri="{28A0092B-C50C-407E-A947-70E740481C1C}">
                 <a14:useLocalDpi xmlns:a14="http://schemas.microsoft.com/office/drawing/2010/main" val="0"/>
@@ -5052,7 +5159,7 @@
           <p:nvPr/>
         </p:nvPicPr>
         <p:blipFill>
-          <a:blip r:embed="rId2">
+          <a:blip r:embed="rId3">
             <a:extLst>
               <a:ext uri="{28A0092B-C50C-407E-A947-70E740481C1C}">
                 <a14:useLocalDpi xmlns:a14="http://schemas.microsoft.com/office/drawing/2010/main" val="0"/>
@@ -5099,7 +5206,7 @@
           <p:nvPr/>
         </p:nvPicPr>
         <p:blipFill>
-          <a:blip r:embed="rId2">
+          <a:blip r:embed="rId3">
             <a:extLst>
               <a:ext uri="{28A0092B-C50C-407E-A947-70E740481C1C}">
                 <a14:useLocalDpi xmlns:a14="http://schemas.microsoft.com/office/drawing/2010/main" val="0"/>
@@ -5146,7 +5253,7 @@
           <p:nvPr/>
         </p:nvPicPr>
         <p:blipFill>
-          <a:blip r:embed="rId2">
+          <a:blip r:embed="rId3">
             <a:extLst>
               <a:ext uri="{28A0092B-C50C-407E-A947-70E740481C1C}">
                 <a14:useLocalDpi xmlns:a14="http://schemas.microsoft.com/office/drawing/2010/main" val="0"/>
@@ -5193,7 +5300,7 @@
           <p:nvPr/>
         </p:nvPicPr>
         <p:blipFill>
-          <a:blip r:embed="rId2">
+          <a:blip r:embed="rId3">
             <a:extLst>
               <a:ext uri="{28A0092B-C50C-407E-A947-70E740481C1C}">
                 <a14:useLocalDpi xmlns:a14="http://schemas.microsoft.com/office/drawing/2010/main" val="0"/>
@@ -5240,7 +5347,7 @@
           <p:nvPr/>
         </p:nvPicPr>
         <p:blipFill>
-          <a:blip r:embed="rId2">
+          <a:blip r:embed="rId3">
             <a:extLst>
               <a:ext uri="{28A0092B-C50C-407E-A947-70E740481C1C}">
                 <a14:useLocalDpi xmlns:a14="http://schemas.microsoft.com/office/drawing/2010/main" val="0"/>
@@ -5287,7 +5394,7 @@
           <p:nvPr/>
         </p:nvPicPr>
         <p:blipFill>
-          <a:blip r:embed="rId2">
+          <a:blip r:embed="rId3">
             <a:extLst>
               <a:ext uri="{28A0092B-C50C-407E-A947-70E740481C1C}">
                 <a14:useLocalDpi xmlns:a14="http://schemas.microsoft.com/office/drawing/2010/main" val="0"/>
@@ -5334,7 +5441,7 @@
           <p:nvPr/>
         </p:nvPicPr>
         <p:blipFill>
-          <a:blip r:embed="rId2">
+          <a:blip r:embed="rId3">
             <a:extLst>
               <a:ext uri="{28A0092B-C50C-407E-A947-70E740481C1C}">
                 <a14:useLocalDpi xmlns:a14="http://schemas.microsoft.com/office/drawing/2010/main" val="0"/>
@@ -5381,7 +5488,7 @@
           <p:nvPr/>
         </p:nvPicPr>
         <p:blipFill>
-          <a:blip r:embed="rId2">
+          <a:blip r:embed="rId3">
             <a:extLst>
               <a:ext uri="{28A0092B-C50C-407E-A947-70E740481C1C}">
                 <a14:useLocalDpi xmlns:a14="http://schemas.microsoft.com/office/drawing/2010/main" val="0"/>
@@ -5428,7 +5535,7 @@
           <p:nvPr/>
         </p:nvPicPr>
         <p:blipFill>
-          <a:blip r:embed="rId2">
+          <a:blip r:embed="rId3">
             <a:extLst>
               <a:ext uri="{28A0092B-C50C-407E-A947-70E740481C1C}">
                 <a14:useLocalDpi xmlns:a14="http://schemas.microsoft.com/office/drawing/2010/main" val="0"/>
@@ -5475,7 +5582,7 @@
           <p:nvPr/>
         </p:nvPicPr>
         <p:blipFill>
-          <a:blip r:embed="rId2">
+          <a:blip r:embed="rId3">
             <a:extLst>
               <a:ext uri="{28A0092B-C50C-407E-A947-70E740481C1C}">
                 <a14:useLocalDpi xmlns:a14="http://schemas.microsoft.com/office/drawing/2010/main" val="0"/>
@@ -5522,7 +5629,7 @@
           <p:nvPr/>
         </p:nvPicPr>
         <p:blipFill>
-          <a:blip r:embed="rId2">
+          <a:blip r:embed="rId3">
             <a:extLst>
               <a:ext uri="{28A0092B-C50C-407E-A947-70E740481C1C}">
                 <a14:useLocalDpi xmlns:a14="http://schemas.microsoft.com/office/drawing/2010/main" val="0"/>
@@ -5569,7 +5676,7 @@
           <p:nvPr/>
         </p:nvPicPr>
         <p:blipFill>
-          <a:blip r:embed="rId2">
+          <a:blip r:embed="rId3">
             <a:extLst>
               <a:ext uri="{28A0092B-C50C-407E-A947-70E740481C1C}">
                 <a14:useLocalDpi xmlns:a14="http://schemas.microsoft.com/office/drawing/2010/main" val="0"/>
@@ -5616,7 +5723,7 @@
           <p:nvPr/>
         </p:nvPicPr>
         <p:blipFill>
-          <a:blip r:embed="rId2">
+          <a:blip r:embed="rId3">
             <a:extLst>
               <a:ext uri="{28A0092B-C50C-407E-A947-70E740481C1C}">
                 <a14:useLocalDpi xmlns:a14="http://schemas.microsoft.com/office/drawing/2010/main" val="0"/>
@@ -5663,7 +5770,7 @@
           <p:nvPr/>
         </p:nvPicPr>
         <p:blipFill>
-          <a:blip r:embed="rId2">
+          <a:blip r:embed="rId3">
             <a:extLst>
               <a:ext uri="{28A0092B-C50C-407E-A947-70E740481C1C}">
                 <a14:useLocalDpi xmlns:a14="http://schemas.microsoft.com/office/drawing/2010/main" val="0"/>
@@ -5710,7 +5817,7 @@
           <p:nvPr/>
         </p:nvPicPr>
         <p:blipFill>
-          <a:blip r:embed="rId2">
+          <a:blip r:embed="rId3">
             <a:extLst>
               <a:ext uri="{28A0092B-C50C-407E-A947-70E740481C1C}">
                 <a14:useLocalDpi xmlns:a14="http://schemas.microsoft.com/office/drawing/2010/main" val="0"/>
@@ -5757,7 +5864,7 @@
           <p:nvPr/>
         </p:nvPicPr>
         <p:blipFill>
-          <a:blip r:embed="rId2">
+          <a:blip r:embed="rId3">
             <a:extLst>
               <a:ext uri="{28A0092B-C50C-407E-A947-70E740481C1C}">
                 <a14:useLocalDpi xmlns:a14="http://schemas.microsoft.com/office/drawing/2010/main" val="0"/>
@@ -5804,7 +5911,7 @@
           <p:nvPr/>
         </p:nvPicPr>
         <p:blipFill>
-          <a:blip r:embed="rId2">
+          <a:blip r:embed="rId3">
             <a:extLst>
               <a:ext uri="{28A0092B-C50C-407E-A947-70E740481C1C}">
                 <a14:useLocalDpi xmlns:a14="http://schemas.microsoft.com/office/drawing/2010/main" val="0"/>
@@ -5851,7 +5958,7 @@
           <p:nvPr/>
         </p:nvPicPr>
         <p:blipFill>
-          <a:blip r:embed="rId2">
+          <a:blip r:embed="rId3">
             <a:extLst>
               <a:ext uri="{28A0092B-C50C-407E-A947-70E740481C1C}">
                 <a14:useLocalDpi xmlns:a14="http://schemas.microsoft.com/office/drawing/2010/main" val="0"/>
@@ -5898,7 +6005,7 @@
           <p:nvPr/>
         </p:nvPicPr>
         <p:blipFill>
-          <a:blip r:embed="rId2">
+          <a:blip r:embed="rId3">
             <a:extLst>
               <a:ext uri="{28A0092B-C50C-407E-A947-70E740481C1C}">
                 <a14:useLocalDpi xmlns:a14="http://schemas.microsoft.com/office/drawing/2010/main" val="0"/>
@@ -5945,7 +6052,7 @@
           <p:nvPr/>
         </p:nvPicPr>
         <p:blipFill>
-          <a:blip r:embed="rId3">
+          <a:blip r:embed="rId4">
             <a:extLst>
               <a:ext uri="{28A0092B-C50C-407E-A947-70E740481C1C}">
                 <a14:useLocalDpi xmlns:a14="http://schemas.microsoft.com/office/drawing/2010/main" val="0"/>
@@ -5992,7 +6099,7 @@
           <p:nvPr/>
         </p:nvPicPr>
         <p:blipFill>
-          <a:blip r:embed="rId3">
+          <a:blip r:embed="rId4">
             <a:extLst>
               <a:ext uri="{28A0092B-C50C-407E-A947-70E740481C1C}">
                 <a14:useLocalDpi xmlns:a14="http://schemas.microsoft.com/office/drawing/2010/main" val="0"/>
@@ -6039,7 +6146,7 @@
           <p:nvPr/>
         </p:nvPicPr>
         <p:blipFill>
-          <a:blip r:embed="rId3">
+          <a:blip r:embed="rId4">
             <a:extLst>
               <a:ext uri="{28A0092B-C50C-407E-A947-70E740481C1C}">
                 <a14:useLocalDpi xmlns:a14="http://schemas.microsoft.com/office/drawing/2010/main" val="0"/>
@@ -6086,7 +6193,7 @@
           <p:nvPr/>
         </p:nvPicPr>
         <p:blipFill>
-          <a:blip r:embed="rId3">
+          <a:blip r:embed="rId4">
             <a:extLst>
               <a:ext uri="{28A0092B-C50C-407E-A947-70E740481C1C}">
                 <a14:useLocalDpi xmlns:a14="http://schemas.microsoft.com/office/drawing/2010/main" val="0"/>
@@ -6133,7 +6240,7 @@
           <p:nvPr/>
         </p:nvPicPr>
         <p:blipFill>
-          <a:blip r:embed="rId3">
+          <a:blip r:embed="rId4">
             <a:extLst>
               <a:ext uri="{28A0092B-C50C-407E-A947-70E740481C1C}">
                 <a14:useLocalDpi xmlns:a14="http://schemas.microsoft.com/office/drawing/2010/main" val="0"/>
@@ -6180,7 +6287,7 @@
           <p:nvPr/>
         </p:nvPicPr>
         <p:blipFill>
-          <a:blip r:embed="rId3">
+          <a:blip r:embed="rId4">
             <a:extLst>
               <a:ext uri="{28A0092B-C50C-407E-A947-70E740481C1C}">
                 <a14:useLocalDpi xmlns:a14="http://schemas.microsoft.com/office/drawing/2010/main" val="0"/>
@@ -6227,7 +6334,7 @@
           <p:nvPr/>
         </p:nvPicPr>
         <p:blipFill>
-          <a:blip r:embed="rId3">
+          <a:blip r:embed="rId4">
             <a:extLst>
               <a:ext uri="{28A0092B-C50C-407E-A947-70E740481C1C}">
                 <a14:useLocalDpi xmlns:a14="http://schemas.microsoft.com/office/drawing/2010/main" val="0"/>
@@ -6274,7 +6381,7 @@
           <p:nvPr/>
         </p:nvPicPr>
         <p:blipFill>
-          <a:blip r:embed="rId3">
+          <a:blip r:embed="rId4">
             <a:extLst>
               <a:ext uri="{28A0092B-C50C-407E-A947-70E740481C1C}">
                 <a14:useLocalDpi xmlns:a14="http://schemas.microsoft.com/office/drawing/2010/main" val="0"/>
@@ -6321,7 +6428,7 @@
           <p:nvPr/>
         </p:nvPicPr>
         <p:blipFill>
-          <a:blip r:embed="rId3">
+          <a:blip r:embed="rId4">
             <a:extLst>
               <a:ext uri="{28A0092B-C50C-407E-A947-70E740481C1C}">
                 <a14:useLocalDpi xmlns:a14="http://schemas.microsoft.com/office/drawing/2010/main" val="0"/>
@@ -6368,7 +6475,7 @@
           <p:nvPr/>
         </p:nvPicPr>
         <p:blipFill>
-          <a:blip r:embed="rId3">
+          <a:blip r:embed="rId4">
             <a:extLst>
               <a:ext uri="{28A0092B-C50C-407E-A947-70E740481C1C}">
                 <a14:useLocalDpi xmlns:a14="http://schemas.microsoft.com/office/drawing/2010/main" val="0"/>
@@ -6415,7 +6522,7 @@
           <p:nvPr/>
         </p:nvPicPr>
         <p:blipFill>
-          <a:blip r:embed="rId3">
+          <a:blip r:embed="rId4">
             <a:extLst>
               <a:ext uri="{28A0092B-C50C-407E-A947-70E740481C1C}">
                 <a14:useLocalDpi xmlns:a14="http://schemas.microsoft.com/office/drawing/2010/main" val="0"/>
@@ -6462,7 +6569,7 @@
           <p:nvPr/>
         </p:nvPicPr>
         <p:blipFill>
-          <a:blip r:embed="rId3">
+          <a:blip r:embed="rId4">
             <a:extLst>
               <a:ext uri="{28A0092B-C50C-407E-A947-70E740481C1C}">
                 <a14:useLocalDpi xmlns:a14="http://schemas.microsoft.com/office/drawing/2010/main" val="0"/>
@@ -6509,7 +6616,7 @@
           <p:nvPr/>
         </p:nvPicPr>
         <p:blipFill>
-          <a:blip r:embed="rId3">
+          <a:blip r:embed="rId4">
             <a:extLst>
               <a:ext uri="{28A0092B-C50C-407E-A947-70E740481C1C}">
                 <a14:useLocalDpi xmlns:a14="http://schemas.microsoft.com/office/drawing/2010/main" val="0"/>
@@ -6556,7 +6663,7 @@
           <p:nvPr/>
         </p:nvPicPr>
         <p:blipFill>
-          <a:blip r:embed="rId3">
+          <a:blip r:embed="rId4">
             <a:extLst>
               <a:ext uri="{28A0092B-C50C-407E-A947-70E740481C1C}">
                 <a14:useLocalDpi xmlns:a14="http://schemas.microsoft.com/office/drawing/2010/main" val="0"/>
@@ -6603,7 +6710,7 @@
           <p:nvPr/>
         </p:nvPicPr>
         <p:blipFill>
-          <a:blip r:embed="rId3">
+          <a:blip r:embed="rId4">
             <a:extLst>
               <a:ext uri="{28A0092B-C50C-407E-A947-70E740481C1C}">
                 <a14:useLocalDpi xmlns:a14="http://schemas.microsoft.com/office/drawing/2010/main" val="0"/>
@@ -6650,7 +6757,7 @@
           <p:nvPr/>
         </p:nvPicPr>
         <p:blipFill>
-          <a:blip r:embed="rId3">
+          <a:blip r:embed="rId4">
             <a:extLst>
               <a:ext uri="{28A0092B-C50C-407E-A947-70E740481C1C}">
                 <a14:useLocalDpi xmlns:a14="http://schemas.microsoft.com/office/drawing/2010/main" val="0"/>
@@ -6697,7 +6804,7 @@
           <p:nvPr/>
         </p:nvPicPr>
         <p:blipFill>
-          <a:blip r:embed="rId3">
+          <a:blip r:embed="rId4">
             <a:extLst>
               <a:ext uri="{28A0092B-C50C-407E-A947-70E740481C1C}">
                 <a14:useLocalDpi xmlns:a14="http://schemas.microsoft.com/office/drawing/2010/main" val="0"/>
@@ -6744,7 +6851,7 @@
           <p:nvPr/>
         </p:nvPicPr>
         <p:blipFill>
-          <a:blip r:embed="rId3">
+          <a:blip r:embed="rId4">
             <a:extLst>
               <a:ext uri="{28A0092B-C50C-407E-A947-70E740481C1C}">
                 <a14:useLocalDpi xmlns:a14="http://schemas.microsoft.com/office/drawing/2010/main" val="0"/>
@@ -6791,7 +6898,7 @@
           <p:nvPr/>
         </p:nvPicPr>
         <p:blipFill>
-          <a:blip r:embed="rId3">
+          <a:blip r:embed="rId4">
             <a:extLst>
               <a:ext uri="{28A0092B-C50C-407E-A947-70E740481C1C}">
                 <a14:useLocalDpi xmlns:a14="http://schemas.microsoft.com/office/drawing/2010/main" val="0"/>
@@ -6838,7 +6945,7 @@
           <p:nvPr/>
         </p:nvPicPr>
         <p:blipFill>
-          <a:blip r:embed="rId3">
+          <a:blip r:embed="rId4">
             <a:extLst>
               <a:ext uri="{28A0092B-C50C-407E-A947-70E740481C1C}">
                 <a14:useLocalDpi xmlns:a14="http://schemas.microsoft.com/office/drawing/2010/main" val="0"/>
@@ -6885,7 +6992,7 @@
           <p:nvPr/>
         </p:nvPicPr>
         <p:blipFill>
-          <a:blip r:embed="rId3">
+          <a:blip r:embed="rId4">
             <a:extLst>
               <a:ext uri="{28A0092B-C50C-407E-A947-70E740481C1C}">
                 <a14:useLocalDpi xmlns:a14="http://schemas.microsoft.com/office/drawing/2010/main" val="0"/>
@@ -6932,7 +7039,7 @@
           <p:nvPr/>
         </p:nvPicPr>
         <p:blipFill>
-          <a:blip r:embed="rId3">
+          <a:blip r:embed="rId4">
             <a:extLst>
               <a:ext uri="{28A0092B-C50C-407E-A947-70E740481C1C}">
                 <a14:useLocalDpi xmlns:a14="http://schemas.microsoft.com/office/drawing/2010/main" val="0"/>
@@ -6979,7 +7086,7 @@
           <p:nvPr/>
         </p:nvPicPr>
         <p:blipFill>
-          <a:blip r:embed="rId3">
+          <a:blip r:embed="rId4">
             <a:extLst>
               <a:ext uri="{28A0092B-C50C-407E-A947-70E740481C1C}">
                 <a14:useLocalDpi xmlns:a14="http://schemas.microsoft.com/office/drawing/2010/main" val="0"/>
@@ -7026,7 +7133,7 @@
           <p:nvPr/>
         </p:nvPicPr>
         <p:blipFill>
-          <a:blip r:embed="rId3">
+          <a:blip r:embed="rId4">
             <a:extLst>
               <a:ext uri="{28A0092B-C50C-407E-A947-70E740481C1C}">
                 <a14:useLocalDpi xmlns:a14="http://schemas.microsoft.com/office/drawing/2010/main" val="0"/>
@@ -7088,6 +7195,42 @@
           <a:chExt cx="0" cy="0"/>
         </a:xfrm>
       </p:grpSpPr>
+      <p:pic>
+        <p:nvPicPr>
+          <p:cNvPr id="43" name="図 42" descr="図形, 四角形&#10;&#10;自動的に生成された説明">
+            <a:extLst>
+              <a:ext uri="{FF2B5EF4-FFF2-40B4-BE49-F238E27FC236}">
+                <a16:creationId xmlns:a16="http://schemas.microsoft.com/office/drawing/2014/main" id="{C85B9848-9C0A-43FA-8888-C9A026DB3E56}"/>
+              </a:ext>
+            </a:extLst>
+          </p:cNvPr>
+          <p:cNvPicPr>
+            <a:picLocks noChangeAspect="1"/>
+          </p:cNvPicPr>
+          <p:nvPr/>
+        </p:nvPicPr>
+        <p:blipFill>
+          <a:blip r:embed="rId2">
+            <a:extLst>
+              <a:ext uri="{28A0092B-C50C-407E-A947-70E740481C1C}">
+                <a14:useLocalDpi xmlns:a14="http://schemas.microsoft.com/office/drawing/2010/main" val="0"/>
+              </a:ext>
+            </a:extLst>
+          </a:blip>
+          <a:stretch>
+            <a:fillRect/>
+          </a:stretch>
+        </p:blipFill>
+        <p:spPr>
+          <a:xfrm>
+            <a:off x="0" y="0"/>
+            <a:ext cx="12192000" cy="6858000"/>
+          </a:xfrm>
+          <a:prstGeom prst="rect">
+            <a:avLst/>
+          </a:prstGeom>
+        </p:spPr>
+      </p:pic>
       <p:sp>
         <p:nvSpPr>
           <p:cNvPr id="3" name="楕円 2">
@@ -8220,7 +8363,7 @@
           <p:nvPr/>
         </p:nvPicPr>
         <p:blipFill>
-          <a:blip r:embed="rId2">
+          <a:blip r:embed="rId3">
             <a:extLst>
               <a:ext uri="{28A0092B-C50C-407E-A947-70E740481C1C}">
                 <a14:useLocalDpi xmlns:a14="http://schemas.microsoft.com/office/drawing/2010/main" val="0"/>
@@ -8267,7 +8410,7 @@
           <p:nvPr/>
         </p:nvPicPr>
         <p:blipFill>
-          <a:blip r:embed="rId2">
+          <a:blip r:embed="rId3">
             <a:extLst>
               <a:ext uri="{28A0092B-C50C-407E-A947-70E740481C1C}">
                 <a14:useLocalDpi xmlns:a14="http://schemas.microsoft.com/office/drawing/2010/main" val="0"/>
@@ -8314,7 +8457,7 @@
           <p:nvPr/>
         </p:nvPicPr>
         <p:blipFill>
-          <a:blip r:embed="rId3">
+          <a:blip r:embed="rId4">
             <a:extLst>
               <a:ext uri="{28A0092B-C50C-407E-A947-70E740481C1C}">
                 <a14:useLocalDpi xmlns:a14="http://schemas.microsoft.com/office/drawing/2010/main" val="0"/>
@@ -8361,7 +8504,7 @@
           <p:nvPr/>
         </p:nvPicPr>
         <p:blipFill>
-          <a:blip r:embed="rId3">
+          <a:blip r:embed="rId4">
             <a:extLst>
               <a:ext uri="{28A0092B-C50C-407E-A947-70E740481C1C}">
                 <a14:useLocalDpi xmlns:a14="http://schemas.microsoft.com/office/drawing/2010/main" val="0"/>
@@ -8408,7 +8551,7 @@
           <p:nvPr/>
         </p:nvPicPr>
         <p:blipFill>
-          <a:blip r:embed="rId4">
+          <a:blip r:embed="rId5">
             <a:extLst>
               <a:ext uri="{28A0092B-C50C-407E-A947-70E740481C1C}">
                 <a14:useLocalDpi xmlns:a14="http://schemas.microsoft.com/office/drawing/2010/main" val="0"/>
@@ -8455,7 +8598,7 @@
           <p:nvPr/>
         </p:nvPicPr>
         <p:blipFill>
-          <a:blip r:embed="rId4">
+          <a:blip r:embed="rId5">
             <a:extLst>
               <a:ext uri="{28A0092B-C50C-407E-A947-70E740481C1C}">
                 <a14:useLocalDpi xmlns:a14="http://schemas.microsoft.com/office/drawing/2010/main" val="0"/>
@@ -8502,7 +8645,7 @@
           <p:nvPr/>
         </p:nvPicPr>
         <p:blipFill>
-          <a:blip r:embed="rId4">
+          <a:blip r:embed="rId5">
             <a:extLst>
               <a:ext uri="{28A0092B-C50C-407E-A947-70E740481C1C}">
                 <a14:useLocalDpi xmlns:a14="http://schemas.microsoft.com/office/drawing/2010/main" val="0"/>
@@ -8549,7 +8692,7 @@
           <p:nvPr/>
         </p:nvPicPr>
         <p:blipFill>
-          <a:blip r:embed="rId4">
+          <a:blip r:embed="rId5">
             <a:extLst>
               <a:ext uri="{28A0092B-C50C-407E-A947-70E740481C1C}">
                 <a14:useLocalDpi xmlns:a14="http://schemas.microsoft.com/office/drawing/2010/main" val="0"/>
@@ -8691,7 +8834,7 @@
           <p:nvPr/>
         </p:nvPicPr>
         <p:blipFill>
-          <a:blip r:embed="rId5">
+          <a:blip r:embed="rId6">
             <a:extLst>
               <a:ext uri="{28A0092B-C50C-407E-A947-70E740481C1C}">
                 <a14:useLocalDpi xmlns:a14="http://schemas.microsoft.com/office/drawing/2010/main" val="0"/>
@@ -8738,7 +8881,7 @@
           <p:nvPr/>
         </p:nvPicPr>
         <p:blipFill>
-          <a:blip r:embed="rId3">
+          <a:blip r:embed="rId4">
             <a:extLst>
               <a:ext uri="{28A0092B-C50C-407E-A947-70E740481C1C}">
                 <a14:useLocalDpi xmlns:a14="http://schemas.microsoft.com/office/drawing/2010/main" val="0"/>
@@ -8785,7 +8928,7 @@
           <p:nvPr/>
         </p:nvPicPr>
         <p:blipFill>
-          <a:blip r:embed="rId6">
+          <a:blip r:embed="rId7">
             <a:extLst>
               <a:ext uri="{28A0092B-C50C-407E-A947-70E740481C1C}">
                 <a14:useLocalDpi xmlns:a14="http://schemas.microsoft.com/office/drawing/2010/main" val="0"/>
@@ -9074,7 +9217,7 @@
           <p:nvPr/>
         </p:nvPicPr>
         <p:blipFill>
-          <a:blip r:embed="rId7">
+          <a:blip r:embed="rId8">
             <a:extLst>
               <a:ext uri="{28A0092B-C50C-407E-A947-70E740481C1C}">
                 <a14:useLocalDpi xmlns:a14="http://schemas.microsoft.com/office/drawing/2010/main" val="0"/>
@@ -9136,6 +9279,42 @@
           <a:chExt cx="0" cy="0"/>
         </a:xfrm>
       </p:grpSpPr>
+      <p:pic>
+        <p:nvPicPr>
+          <p:cNvPr id="12" name="図 11" descr="図形, 四角形&#10;&#10;自動的に生成された説明">
+            <a:extLst>
+              <a:ext uri="{FF2B5EF4-FFF2-40B4-BE49-F238E27FC236}">
+                <a16:creationId xmlns:a16="http://schemas.microsoft.com/office/drawing/2014/main" id="{3BAD4604-AC77-4C45-8194-3957226A24DD}"/>
+              </a:ext>
+            </a:extLst>
+          </p:cNvPr>
+          <p:cNvPicPr>
+            <a:picLocks noChangeAspect="1"/>
+          </p:cNvPicPr>
+          <p:nvPr/>
+        </p:nvPicPr>
+        <p:blipFill>
+          <a:blip r:embed="rId2">
+            <a:extLst>
+              <a:ext uri="{28A0092B-C50C-407E-A947-70E740481C1C}">
+                <a14:useLocalDpi xmlns:a14="http://schemas.microsoft.com/office/drawing/2010/main" val="0"/>
+              </a:ext>
+            </a:extLst>
+          </a:blip>
+          <a:stretch>
+            <a:fillRect/>
+          </a:stretch>
+        </p:blipFill>
+        <p:spPr>
+          <a:xfrm>
+            <a:off x="0" y="0"/>
+            <a:ext cx="12192000" cy="6858000"/>
+          </a:xfrm>
+          <a:prstGeom prst="rect">
+            <a:avLst/>
+          </a:prstGeom>
+        </p:spPr>
+      </p:pic>
       <p:sp>
         <p:nvSpPr>
           <p:cNvPr id="4" name="テキスト ボックス 3">
@@ -9301,7 +9480,7 @@
           <p:nvPr/>
         </p:nvPicPr>
         <p:blipFill>
-          <a:blip r:embed="rId2">
+          <a:blip r:embed="rId3">
             <a:extLst>
               <a:ext uri="{28A0092B-C50C-407E-A947-70E740481C1C}">
                 <a14:useLocalDpi xmlns:a14="http://schemas.microsoft.com/office/drawing/2010/main" val="0"/>
@@ -9348,7 +9527,7 @@
           <p:nvPr/>
         </p:nvPicPr>
         <p:blipFill>
-          <a:blip r:embed="rId3">
+          <a:blip r:embed="rId4">
             <a:extLst>
               <a:ext uri="{28A0092B-C50C-407E-A947-70E740481C1C}">
                 <a14:useLocalDpi xmlns:a14="http://schemas.microsoft.com/office/drawing/2010/main" val="0"/>
@@ -9457,7 +9636,7 @@
           <p:nvPr/>
         </p:nvPicPr>
         <p:blipFill>
-          <a:blip r:embed="rId4">
+          <a:blip r:embed="rId5">
             <a:extLst>
               <a:ext uri="{28A0092B-C50C-407E-A947-70E740481C1C}">
                 <a14:useLocalDpi xmlns:a14="http://schemas.microsoft.com/office/drawing/2010/main" val="0"/>
@@ -9639,772 +9818,6 @@
     <p:extLst>
       <p:ext uri="{BB962C8B-B14F-4D97-AF65-F5344CB8AC3E}">
         <p14:creationId xmlns:p14="http://schemas.microsoft.com/office/powerpoint/2010/main" val="1134090514"/>
-      </p:ext>
-    </p:extLst>
-  </p:cSld>
-  <p:clrMapOvr>
-    <a:masterClrMapping/>
-  </p:clrMapOvr>
-</p:sld>
-</file>
-
-<file path=ppt/slides/slide6.xml><?xml version="1.0" encoding="utf-8"?>
-<p:sld xmlns:a="http://schemas.openxmlformats.org/drawingml/2006/main" xmlns:r="http://schemas.openxmlformats.org/officeDocument/2006/relationships" xmlns:p="http://schemas.openxmlformats.org/presentationml/2006/main">
-  <p:cSld>
-    <p:spTree>
-      <p:nvGrpSpPr>
-        <p:cNvPr id="1" name=""/>
-        <p:cNvGrpSpPr/>
-        <p:nvPr/>
-      </p:nvGrpSpPr>
-      <p:grpSpPr>
-        <a:xfrm>
-          <a:off x="0" y="0"/>
-          <a:ext cx="0" cy="0"/>
-          <a:chOff x="0" y="0"/>
-          <a:chExt cx="0" cy="0"/>
-        </a:xfrm>
-      </p:grpSpPr>
-      <p:sp>
-        <p:nvSpPr>
-          <p:cNvPr id="4" name="テキスト ボックス 3">
-            <a:extLst>
-              <a:ext uri="{FF2B5EF4-FFF2-40B4-BE49-F238E27FC236}">
-                <a16:creationId xmlns:a16="http://schemas.microsoft.com/office/drawing/2014/main" id="{9E8D1C77-975E-40F5-83A6-37D0411B7E93}"/>
-              </a:ext>
-            </a:extLst>
-          </p:cNvPr>
-          <p:cNvSpPr txBox="1"/>
-          <p:nvPr/>
-        </p:nvSpPr>
-        <p:spPr>
-          <a:xfrm>
-            <a:off x="5155678" y="497152"/>
-            <a:ext cx="1880643" cy="369332"/>
-          </a:xfrm>
-          <a:prstGeom prst="rect">
-            <a:avLst/>
-          </a:prstGeom>
-          <a:noFill/>
-        </p:spPr>
-        <p:txBody>
-          <a:bodyPr wrap="none" rtlCol="0">
-            <a:spAutoFit/>
-          </a:bodyPr>
-          <a:lstStyle/>
-          <a:p>
-            <a:r>
-              <a:rPr kumimoji="1" lang="en-US" altLang="ja-JP" dirty="0">
-                <a:solidFill>
-                  <a:srgbClr val="00B050"/>
-                </a:solidFill>
-                <a:latin typeface="せのびゴシック Bold" panose="02000600000000000000" pitchFamily="2" charset="-128"/>
-                <a:ea typeface="せのびゴシック Bold" panose="02000600000000000000" pitchFamily="2" charset="-128"/>
-              </a:rPr>
-              <a:t>SceneMain</a:t>
-            </a:r>
-            <a:r>
-              <a:rPr kumimoji="1" lang="en-US" altLang="ja-JP" dirty="0">
-                <a:latin typeface="せのびゴシック Bold" panose="02000600000000000000" pitchFamily="2" charset="-128"/>
-                <a:ea typeface="せのびゴシック Bold" panose="02000600000000000000" pitchFamily="2" charset="-128"/>
-              </a:rPr>
-              <a:t>.cpp</a:t>
-            </a:r>
-            <a:endParaRPr kumimoji="1" lang="ja-JP" altLang="en-US" dirty="0">
-              <a:latin typeface="せのびゴシック Bold" panose="02000600000000000000" pitchFamily="2" charset="-128"/>
-              <a:ea typeface="せのびゴシック Bold" panose="02000600000000000000" pitchFamily="2" charset="-128"/>
-            </a:endParaRPr>
-          </a:p>
-        </p:txBody>
-      </p:sp>
-      <p:sp>
-        <p:nvSpPr>
-          <p:cNvPr id="5" name="テキスト ボックス 4">
-            <a:extLst>
-              <a:ext uri="{FF2B5EF4-FFF2-40B4-BE49-F238E27FC236}">
-                <a16:creationId xmlns:a16="http://schemas.microsoft.com/office/drawing/2014/main" id="{8C22CF55-4132-45AF-8F88-9ECEA067F356}"/>
-              </a:ext>
-            </a:extLst>
-          </p:cNvPr>
-          <p:cNvSpPr txBox="1"/>
-          <p:nvPr/>
-        </p:nvSpPr>
-        <p:spPr>
-          <a:xfrm>
-            <a:off x="757083" y="1671483"/>
-            <a:ext cx="1396536" cy="369332"/>
-          </a:xfrm>
-          <a:prstGeom prst="rect">
-            <a:avLst/>
-          </a:prstGeom>
-          <a:noFill/>
-        </p:spPr>
-        <p:txBody>
-          <a:bodyPr wrap="none" rtlCol="0">
-            <a:spAutoFit/>
-          </a:bodyPr>
-          <a:lstStyle/>
-          <a:p>
-            <a:r>
-              <a:rPr kumimoji="1" lang="en-US" altLang="ja-JP" dirty="0">
-                <a:solidFill>
-                  <a:srgbClr val="00B050"/>
-                </a:solidFill>
-                <a:latin typeface="せのびゴシック Bold" panose="02000600000000000000" pitchFamily="2" charset="-128"/>
-                <a:ea typeface="せのびゴシック Bold" panose="02000600000000000000" pitchFamily="2" charset="-128"/>
-              </a:rPr>
-              <a:t>Player</a:t>
-            </a:r>
-            <a:r>
-              <a:rPr kumimoji="1" lang="en-US" altLang="ja-JP" dirty="0">
-                <a:latin typeface="せのびゴシック Bold" panose="02000600000000000000" pitchFamily="2" charset="-128"/>
-                <a:ea typeface="せのびゴシック Bold" panose="02000600000000000000" pitchFamily="2" charset="-128"/>
-              </a:rPr>
-              <a:t>.cpp</a:t>
-            </a:r>
-          </a:p>
-        </p:txBody>
-      </p:sp>
-      <p:sp>
-        <p:nvSpPr>
-          <p:cNvPr id="6" name="テキスト ボックス 5">
-            <a:extLst>
-              <a:ext uri="{FF2B5EF4-FFF2-40B4-BE49-F238E27FC236}">
-                <a16:creationId xmlns:a16="http://schemas.microsoft.com/office/drawing/2014/main" id="{E7574EF3-260F-4F11-A4EF-F28C49AD02A5}"/>
-              </a:ext>
-            </a:extLst>
-          </p:cNvPr>
-          <p:cNvSpPr txBox="1"/>
-          <p:nvPr/>
-        </p:nvSpPr>
-        <p:spPr>
-          <a:xfrm>
-            <a:off x="6457558" y="1671483"/>
-            <a:ext cx="2686954" cy="369332"/>
-          </a:xfrm>
-          <a:prstGeom prst="rect">
-            <a:avLst/>
-          </a:prstGeom>
-          <a:noFill/>
-        </p:spPr>
-        <p:txBody>
-          <a:bodyPr wrap="none" rtlCol="0">
-            <a:spAutoFit/>
-          </a:bodyPr>
-          <a:lstStyle/>
-          <a:p>
-            <a:r>
-              <a:rPr lang="en-US" altLang="ja-JP" sz="1800" dirty="0">
-                <a:solidFill>
-                  <a:srgbClr val="00B050"/>
-                </a:solidFill>
-                <a:latin typeface="せのびゴシック Bold" panose="02000600000000000000" pitchFamily="2" charset="-128"/>
-                <a:ea typeface="せのびゴシック Bold" panose="02000600000000000000" pitchFamily="2" charset="-128"/>
-              </a:rPr>
-              <a:t>ObstacleManager</a:t>
-            </a:r>
-            <a:r>
-              <a:rPr kumimoji="1" lang="en-US" altLang="ja-JP" dirty="0">
-                <a:latin typeface="せのびゴシック Bold" panose="02000600000000000000" pitchFamily="2" charset="-128"/>
-                <a:ea typeface="せのびゴシック Bold" panose="02000600000000000000" pitchFamily="2" charset="-128"/>
-              </a:rPr>
-              <a:t>.cpp</a:t>
-            </a:r>
-          </a:p>
-        </p:txBody>
-      </p:sp>
-      <p:sp>
-        <p:nvSpPr>
-          <p:cNvPr id="7" name="テキスト ボックス 6">
-            <a:extLst>
-              <a:ext uri="{FF2B5EF4-FFF2-40B4-BE49-F238E27FC236}">
-                <a16:creationId xmlns:a16="http://schemas.microsoft.com/office/drawing/2014/main" id="{CB7D899F-A24A-4D39-91A2-89F5EFD5E9AF}"/>
-              </a:ext>
-            </a:extLst>
-          </p:cNvPr>
-          <p:cNvSpPr txBox="1"/>
-          <p:nvPr/>
-        </p:nvSpPr>
-        <p:spPr>
-          <a:xfrm>
-            <a:off x="2772697" y="1671483"/>
-            <a:ext cx="1529586" cy="369332"/>
-          </a:xfrm>
-          <a:prstGeom prst="rect">
-            <a:avLst/>
-          </a:prstGeom>
-          <a:noFill/>
-        </p:spPr>
-        <p:txBody>
-          <a:bodyPr wrap="none" rtlCol="0">
-            <a:spAutoFit/>
-          </a:bodyPr>
-          <a:lstStyle/>
-          <a:p>
-            <a:r>
-              <a:rPr kumimoji="1" lang="en-US" altLang="ja-JP" dirty="0">
-                <a:solidFill>
-                  <a:srgbClr val="00B050"/>
-                </a:solidFill>
-                <a:latin typeface="せのびゴシック Bold" panose="02000600000000000000" pitchFamily="2" charset="-128"/>
-                <a:ea typeface="せのびゴシック Bold" panose="02000600000000000000" pitchFamily="2" charset="-128"/>
-              </a:rPr>
-              <a:t>Camera</a:t>
-            </a:r>
-            <a:r>
-              <a:rPr kumimoji="1" lang="en-US" altLang="ja-JP" dirty="0">
-                <a:latin typeface="せのびゴシック Bold" panose="02000600000000000000" pitchFamily="2" charset="-128"/>
-                <a:ea typeface="せのびゴシック Bold" panose="02000600000000000000" pitchFamily="2" charset="-128"/>
-              </a:rPr>
-              <a:t>.cpp</a:t>
-            </a:r>
-          </a:p>
-        </p:txBody>
-      </p:sp>
-      <p:sp>
-        <p:nvSpPr>
-          <p:cNvPr id="8" name="テキスト ボックス 7">
-            <a:extLst>
-              <a:ext uri="{FF2B5EF4-FFF2-40B4-BE49-F238E27FC236}">
-                <a16:creationId xmlns:a16="http://schemas.microsoft.com/office/drawing/2014/main" id="{F1B7B12D-0A06-4029-882C-59BFD5B26BAC}"/>
-              </a:ext>
-            </a:extLst>
-          </p:cNvPr>
-          <p:cNvSpPr txBox="1"/>
-          <p:nvPr/>
-        </p:nvSpPr>
-        <p:spPr>
-          <a:xfrm>
-            <a:off x="9372377" y="1671483"/>
-            <a:ext cx="2387192" cy="369332"/>
-          </a:xfrm>
-          <a:prstGeom prst="rect">
-            <a:avLst/>
-          </a:prstGeom>
-          <a:noFill/>
-        </p:spPr>
-        <p:txBody>
-          <a:bodyPr wrap="none" rtlCol="0">
-            <a:spAutoFit/>
-          </a:bodyPr>
-          <a:lstStyle/>
-          <a:p>
-            <a:r>
-              <a:rPr kumimoji="1" lang="en-US" altLang="ja-JP" dirty="0">
-                <a:solidFill>
-                  <a:srgbClr val="00B050"/>
-                </a:solidFill>
-                <a:latin typeface="せのびゴシック Bold" panose="02000600000000000000" pitchFamily="2" charset="-128"/>
-                <a:ea typeface="せのびゴシック Bold" panose="02000600000000000000" pitchFamily="2" charset="-128"/>
-              </a:rPr>
-              <a:t>EnemyManager</a:t>
-            </a:r>
-            <a:r>
-              <a:rPr kumimoji="1" lang="en-US" altLang="ja-JP" dirty="0">
-                <a:latin typeface="せのびゴシック Bold" panose="02000600000000000000" pitchFamily="2" charset="-128"/>
-                <a:ea typeface="せのびゴシック Bold" panose="02000600000000000000" pitchFamily="2" charset="-128"/>
-              </a:rPr>
-              <a:t>.cpp</a:t>
-            </a:r>
-          </a:p>
-        </p:txBody>
-      </p:sp>
-      <p:sp>
-        <p:nvSpPr>
-          <p:cNvPr id="9" name="テキスト ボックス 8">
-            <a:extLst>
-              <a:ext uri="{FF2B5EF4-FFF2-40B4-BE49-F238E27FC236}">
-                <a16:creationId xmlns:a16="http://schemas.microsoft.com/office/drawing/2014/main" id="{1B614199-232E-4894-8309-B5CFB1EAC1D0}"/>
-              </a:ext>
-            </a:extLst>
-          </p:cNvPr>
-          <p:cNvSpPr txBox="1"/>
-          <p:nvPr/>
-        </p:nvSpPr>
-        <p:spPr>
-          <a:xfrm>
-            <a:off x="4934384" y="1671483"/>
-            <a:ext cx="1136850" cy="369332"/>
-          </a:xfrm>
-          <a:prstGeom prst="rect">
-            <a:avLst/>
-          </a:prstGeom>
-          <a:noFill/>
-        </p:spPr>
-        <p:txBody>
-          <a:bodyPr wrap="none" rtlCol="0">
-            <a:spAutoFit/>
-          </a:bodyPr>
-          <a:lstStyle/>
-          <a:p>
-            <a:r>
-              <a:rPr kumimoji="1" lang="en-US" altLang="ja-JP" dirty="0">
-                <a:solidFill>
-                  <a:srgbClr val="00B050"/>
-                </a:solidFill>
-                <a:latin typeface="せのびゴシック Bold" panose="02000600000000000000" pitchFamily="2" charset="-128"/>
-                <a:ea typeface="せのびゴシック Bold" panose="02000600000000000000" pitchFamily="2" charset="-128"/>
-              </a:rPr>
-              <a:t>Map</a:t>
-            </a:r>
-            <a:r>
-              <a:rPr kumimoji="1" lang="en-US" altLang="ja-JP" dirty="0">
-                <a:latin typeface="せのびゴシック Bold" panose="02000600000000000000" pitchFamily="2" charset="-128"/>
-                <a:ea typeface="せのびゴシック Bold" panose="02000600000000000000" pitchFamily="2" charset="-128"/>
-              </a:rPr>
-              <a:t>.cpp</a:t>
-            </a:r>
-          </a:p>
-        </p:txBody>
-      </p:sp>
-      <p:sp>
-        <p:nvSpPr>
-          <p:cNvPr id="11" name="テキスト ボックス 10">
-            <a:extLst>
-              <a:ext uri="{FF2B5EF4-FFF2-40B4-BE49-F238E27FC236}">
-                <a16:creationId xmlns:a16="http://schemas.microsoft.com/office/drawing/2014/main" id="{4D178EF2-3AB8-40D8-85B6-F44BF7655C2C}"/>
-              </a:ext>
-            </a:extLst>
-          </p:cNvPr>
-          <p:cNvSpPr txBox="1"/>
-          <p:nvPr/>
-        </p:nvSpPr>
-        <p:spPr>
-          <a:xfrm>
-            <a:off x="7058844" y="2353891"/>
-            <a:ext cx="2228495" cy="369332"/>
-          </a:xfrm>
-          <a:prstGeom prst="rect">
-            <a:avLst/>
-          </a:prstGeom>
-          <a:noFill/>
-        </p:spPr>
-        <p:txBody>
-          <a:bodyPr wrap="none" rtlCol="0">
-            <a:spAutoFit/>
-          </a:bodyPr>
-          <a:lstStyle/>
-          <a:p>
-            <a:r>
-              <a:rPr lang="en-US" altLang="ja-JP" sz="1800" dirty="0">
-                <a:solidFill>
-                  <a:srgbClr val="00B050"/>
-                </a:solidFill>
-                <a:latin typeface="せのびゴシック Bold" panose="02000600000000000000" pitchFamily="2" charset="-128"/>
-                <a:ea typeface="せのびゴシック Bold" panose="02000600000000000000" pitchFamily="2" charset="-128"/>
-              </a:rPr>
-              <a:t>ObstacleBase</a:t>
-            </a:r>
-            <a:r>
-              <a:rPr kumimoji="1" lang="en-US" altLang="ja-JP" dirty="0">
-                <a:latin typeface="せのびゴシック Bold" panose="02000600000000000000" pitchFamily="2" charset="-128"/>
-                <a:ea typeface="せのびゴシック Bold" panose="02000600000000000000" pitchFamily="2" charset="-128"/>
-              </a:rPr>
-              <a:t>.cpp</a:t>
-            </a:r>
-          </a:p>
-        </p:txBody>
-      </p:sp>
-      <p:sp>
-        <p:nvSpPr>
-          <p:cNvPr id="12" name="テキスト ボックス 11">
-            <a:extLst>
-              <a:ext uri="{FF2B5EF4-FFF2-40B4-BE49-F238E27FC236}">
-                <a16:creationId xmlns:a16="http://schemas.microsoft.com/office/drawing/2014/main" id="{A8EE5F52-38EF-40E2-8A78-70D0B055A99B}"/>
-              </a:ext>
-            </a:extLst>
-          </p:cNvPr>
-          <p:cNvSpPr txBox="1"/>
-          <p:nvPr/>
-        </p:nvSpPr>
-        <p:spPr>
-          <a:xfrm>
-            <a:off x="6457558" y="2723535"/>
-            <a:ext cx="2238113" cy="369332"/>
-          </a:xfrm>
-          <a:prstGeom prst="rect">
-            <a:avLst/>
-          </a:prstGeom>
-          <a:noFill/>
-        </p:spPr>
-        <p:txBody>
-          <a:bodyPr wrap="none" rtlCol="0">
-            <a:spAutoFit/>
-          </a:bodyPr>
-          <a:lstStyle/>
-          <a:p>
-            <a:r>
-              <a:rPr lang="en-US" altLang="ja-JP" sz="1800" dirty="0">
-                <a:solidFill>
-                  <a:srgbClr val="00B050"/>
-                </a:solidFill>
-                <a:latin typeface="せのびゴシック Bold" panose="02000600000000000000" pitchFamily="2" charset="-128"/>
-                <a:ea typeface="せのびゴシック Bold" panose="02000600000000000000" pitchFamily="2" charset="-128"/>
-              </a:rPr>
-              <a:t>ObstacleShot</a:t>
-            </a:r>
-            <a:r>
-              <a:rPr kumimoji="1" lang="en-US" altLang="ja-JP" dirty="0">
-                <a:latin typeface="せのびゴシック Bold" panose="02000600000000000000" pitchFamily="2" charset="-128"/>
-                <a:ea typeface="せのびゴシック Bold" panose="02000600000000000000" pitchFamily="2" charset="-128"/>
-              </a:rPr>
-              <a:t>.cpp</a:t>
-            </a:r>
-          </a:p>
-        </p:txBody>
-      </p:sp>
-      <p:sp>
-        <p:nvSpPr>
-          <p:cNvPr id="13" name="テキスト ボックス 12">
-            <a:extLst>
-              <a:ext uri="{FF2B5EF4-FFF2-40B4-BE49-F238E27FC236}">
-                <a16:creationId xmlns:a16="http://schemas.microsoft.com/office/drawing/2014/main" id="{852C5906-5A0E-4C36-9D2B-BFD31E0684B0}"/>
-              </a:ext>
-            </a:extLst>
-          </p:cNvPr>
-          <p:cNvSpPr txBox="1"/>
-          <p:nvPr/>
-        </p:nvSpPr>
-        <p:spPr>
-          <a:xfrm>
-            <a:off x="6457558" y="3092867"/>
-            <a:ext cx="1202573" cy="369332"/>
-          </a:xfrm>
-          <a:prstGeom prst="rect">
-            <a:avLst/>
-          </a:prstGeom>
-          <a:noFill/>
-        </p:spPr>
-        <p:txBody>
-          <a:bodyPr wrap="none" rtlCol="0">
-            <a:spAutoFit/>
-          </a:bodyPr>
-          <a:lstStyle/>
-          <a:p>
-            <a:r>
-              <a:rPr lang="en-US" altLang="ja-JP" sz="1800" dirty="0">
-                <a:solidFill>
-                  <a:srgbClr val="00B050"/>
-                </a:solidFill>
-                <a:latin typeface="せのびゴシック Bold" panose="02000600000000000000" pitchFamily="2" charset="-128"/>
-                <a:ea typeface="せのびゴシック Bold" panose="02000600000000000000" pitchFamily="2" charset="-128"/>
-              </a:rPr>
-              <a:t>Shot</a:t>
-            </a:r>
-            <a:r>
-              <a:rPr kumimoji="1" lang="en-US" altLang="ja-JP" dirty="0">
-                <a:latin typeface="せのびゴシック Bold" panose="02000600000000000000" pitchFamily="2" charset="-128"/>
-                <a:ea typeface="せのびゴシック Bold" panose="02000600000000000000" pitchFamily="2" charset="-128"/>
-              </a:rPr>
-              <a:t>.cpp</a:t>
-            </a:r>
-          </a:p>
-        </p:txBody>
-      </p:sp>
-      <p:sp>
-        <p:nvSpPr>
-          <p:cNvPr id="14" name="テキスト ボックス 13">
-            <a:extLst>
-              <a:ext uri="{FF2B5EF4-FFF2-40B4-BE49-F238E27FC236}">
-                <a16:creationId xmlns:a16="http://schemas.microsoft.com/office/drawing/2014/main" id="{70BE04DC-B28B-4F73-A6CA-D8E670D435E2}"/>
-              </a:ext>
-            </a:extLst>
-          </p:cNvPr>
-          <p:cNvSpPr txBox="1"/>
-          <p:nvPr/>
-        </p:nvSpPr>
-        <p:spPr>
-          <a:xfrm>
-            <a:off x="9830836" y="2382175"/>
-            <a:ext cx="1928733" cy="369332"/>
-          </a:xfrm>
-          <a:prstGeom prst="rect">
-            <a:avLst/>
-          </a:prstGeom>
-          <a:noFill/>
-        </p:spPr>
-        <p:txBody>
-          <a:bodyPr wrap="none" rtlCol="0">
-            <a:spAutoFit/>
-          </a:bodyPr>
-          <a:lstStyle/>
-          <a:p>
-            <a:r>
-              <a:rPr kumimoji="1" lang="en-US" altLang="ja-JP" dirty="0">
-                <a:solidFill>
-                  <a:srgbClr val="00B050"/>
-                </a:solidFill>
-                <a:latin typeface="せのびゴシック Bold" panose="02000600000000000000" pitchFamily="2" charset="-128"/>
-                <a:ea typeface="せのびゴシック Bold" panose="02000600000000000000" pitchFamily="2" charset="-128"/>
-              </a:rPr>
-              <a:t>EnemyBase</a:t>
-            </a:r>
-            <a:r>
-              <a:rPr kumimoji="1" lang="en-US" altLang="ja-JP" dirty="0">
-                <a:latin typeface="せのびゴシック Bold" panose="02000600000000000000" pitchFamily="2" charset="-128"/>
-                <a:ea typeface="せのびゴシック Bold" panose="02000600000000000000" pitchFamily="2" charset="-128"/>
-              </a:rPr>
-              <a:t>.cpp</a:t>
-            </a:r>
-          </a:p>
-        </p:txBody>
-      </p:sp>
-      <p:sp>
-        <p:nvSpPr>
-          <p:cNvPr id="15" name="テキスト ボックス 14">
-            <a:extLst>
-              <a:ext uri="{FF2B5EF4-FFF2-40B4-BE49-F238E27FC236}">
-                <a16:creationId xmlns:a16="http://schemas.microsoft.com/office/drawing/2014/main" id="{D1A94765-033F-4C39-AEE5-E5064360AE38}"/>
-              </a:ext>
-            </a:extLst>
-          </p:cNvPr>
-          <p:cNvSpPr txBox="1"/>
-          <p:nvPr/>
-        </p:nvSpPr>
-        <p:spPr>
-          <a:xfrm>
-            <a:off x="9372377" y="2723535"/>
-            <a:ext cx="2220480" cy="369332"/>
-          </a:xfrm>
-          <a:prstGeom prst="rect">
-            <a:avLst/>
-          </a:prstGeom>
-          <a:noFill/>
-        </p:spPr>
-        <p:txBody>
-          <a:bodyPr wrap="none" rtlCol="0">
-            <a:spAutoFit/>
-          </a:bodyPr>
-          <a:lstStyle/>
-          <a:p>
-            <a:r>
-              <a:rPr kumimoji="1" lang="en-US" altLang="ja-JP" dirty="0">
-                <a:solidFill>
-                  <a:srgbClr val="00B050"/>
-                </a:solidFill>
-                <a:latin typeface="せのびゴシック Bold" panose="02000600000000000000" pitchFamily="2" charset="-128"/>
-                <a:ea typeface="せのびゴシック Bold" panose="02000600000000000000" pitchFamily="2" charset="-128"/>
-              </a:rPr>
-              <a:t>EnemyNormal</a:t>
-            </a:r>
-            <a:r>
-              <a:rPr kumimoji="1" lang="en-US" altLang="ja-JP" dirty="0">
-                <a:latin typeface="せのびゴシック Bold" panose="02000600000000000000" pitchFamily="2" charset="-128"/>
-                <a:ea typeface="せのびゴシック Bold" panose="02000600000000000000" pitchFamily="2" charset="-128"/>
-              </a:rPr>
-              <a:t>.cpp</a:t>
-            </a:r>
-          </a:p>
-        </p:txBody>
-      </p:sp>
-      <p:cxnSp>
-        <p:nvCxnSpPr>
-          <p:cNvPr id="18" name="直線矢印コネクタ 17">
-            <a:extLst>
-              <a:ext uri="{FF2B5EF4-FFF2-40B4-BE49-F238E27FC236}">
-                <a16:creationId xmlns:a16="http://schemas.microsoft.com/office/drawing/2014/main" id="{ACE5DA69-D982-434A-A6C8-3E6ED9F32679}"/>
-              </a:ext>
-            </a:extLst>
-          </p:cNvPr>
-          <p:cNvCxnSpPr/>
-          <p:nvPr/>
-        </p:nvCxnSpPr>
-        <p:spPr>
-          <a:xfrm flipV="1">
-            <a:off x="1455351" y="794265"/>
-            <a:ext cx="3136314" cy="759232"/>
-          </a:xfrm>
-          <a:prstGeom prst="straightConnector1">
-            <a:avLst/>
-          </a:prstGeom>
-          <a:ln>
-            <a:tailEnd type="triangle"/>
-          </a:ln>
-        </p:spPr>
-        <p:style>
-          <a:lnRef idx="1">
-            <a:schemeClr val="accent1"/>
-          </a:lnRef>
-          <a:fillRef idx="0">
-            <a:schemeClr val="accent1"/>
-          </a:fillRef>
-          <a:effectRef idx="0">
-            <a:schemeClr val="accent1"/>
-          </a:effectRef>
-          <a:fontRef idx="minor">
-            <a:schemeClr val="tx1"/>
-          </a:fontRef>
-        </p:style>
-      </p:cxnSp>
-      <p:cxnSp>
-        <p:nvCxnSpPr>
-          <p:cNvPr id="19" name="直線矢印コネクタ 18">
-            <a:extLst>
-              <a:ext uri="{FF2B5EF4-FFF2-40B4-BE49-F238E27FC236}">
-                <a16:creationId xmlns:a16="http://schemas.microsoft.com/office/drawing/2014/main" id="{1A54685A-5EE6-4A11-86D4-7E794A32231D}"/>
-              </a:ext>
-            </a:extLst>
-          </p:cNvPr>
-          <p:cNvCxnSpPr>
-            <a:cxnSpLocks/>
-          </p:cNvCxnSpPr>
-          <p:nvPr/>
-        </p:nvCxnSpPr>
-        <p:spPr>
-          <a:xfrm flipV="1">
-            <a:off x="3677265" y="978931"/>
-            <a:ext cx="1257119" cy="633560"/>
-          </a:xfrm>
-          <a:prstGeom prst="straightConnector1">
-            <a:avLst/>
-          </a:prstGeom>
-          <a:ln>
-            <a:tailEnd type="triangle"/>
-          </a:ln>
-        </p:spPr>
-        <p:style>
-          <a:lnRef idx="1">
-            <a:schemeClr val="accent1"/>
-          </a:lnRef>
-          <a:fillRef idx="0">
-            <a:schemeClr val="accent1"/>
-          </a:fillRef>
-          <a:effectRef idx="0">
-            <a:schemeClr val="accent1"/>
-          </a:effectRef>
-          <a:fontRef idx="minor">
-            <a:schemeClr val="tx1"/>
-          </a:fontRef>
-        </p:style>
-      </p:cxnSp>
-      <p:cxnSp>
-        <p:nvCxnSpPr>
-          <p:cNvPr id="22" name="直線矢印コネクタ 21">
-            <a:extLst>
-              <a:ext uri="{FF2B5EF4-FFF2-40B4-BE49-F238E27FC236}">
-                <a16:creationId xmlns:a16="http://schemas.microsoft.com/office/drawing/2014/main" id="{AB916161-A148-4484-986E-579E0A3BB139}"/>
-              </a:ext>
-            </a:extLst>
-          </p:cNvPr>
-          <p:cNvCxnSpPr>
-            <a:cxnSpLocks/>
-          </p:cNvCxnSpPr>
-          <p:nvPr/>
-        </p:nvCxnSpPr>
-        <p:spPr>
-          <a:xfrm flipV="1">
-            <a:off x="5719119" y="1002593"/>
-            <a:ext cx="0" cy="616352"/>
-          </a:xfrm>
-          <a:prstGeom prst="straightConnector1">
-            <a:avLst/>
-          </a:prstGeom>
-          <a:ln>
-            <a:tailEnd type="triangle"/>
-          </a:ln>
-        </p:spPr>
-        <p:style>
-          <a:lnRef idx="1">
-            <a:schemeClr val="accent1"/>
-          </a:lnRef>
-          <a:fillRef idx="0">
-            <a:schemeClr val="accent1"/>
-          </a:fillRef>
-          <a:effectRef idx="0">
-            <a:schemeClr val="accent1"/>
-          </a:effectRef>
-          <a:fontRef idx="minor">
-            <a:schemeClr val="tx1"/>
-          </a:fontRef>
-        </p:style>
-      </p:cxnSp>
-      <p:cxnSp>
-        <p:nvCxnSpPr>
-          <p:cNvPr id="25" name="直線矢印コネクタ 24">
-            <a:extLst>
-              <a:ext uri="{FF2B5EF4-FFF2-40B4-BE49-F238E27FC236}">
-                <a16:creationId xmlns:a16="http://schemas.microsoft.com/office/drawing/2014/main" id="{D8A4A7B3-0EFE-479A-BB09-A771B970CC6C}"/>
-              </a:ext>
-            </a:extLst>
-          </p:cNvPr>
-          <p:cNvCxnSpPr>
-            <a:cxnSpLocks/>
-            <a:stCxn id="6" idx="0"/>
-          </p:cNvCxnSpPr>
-          <p:nvPr/>
-        </p:nvCxnSpPr>
-        <p:spPr>
-          <a:xfrm flipH="1" flipV="1">
-            <a:off x="6573207" y="996139"/>
-            <a:ext cx="1227828" cy="675344"/>
-          </a:xfrm>
-          <a:prstGeom prst="straightConnector1">
-            <a:avLst/>
-          </a:prstGeom>
-          <a:ln>
-            <a:tailEnd type="triangle"/>
-          </a:ln>
-        </p:spPr>
-        <p:style>
-          <a:lnRef idx="1">
-            <a:schemeClr val="accent1"/>
-          </a:lnRef>
-          <a:fillRef idx="0">
-            <a:schemeClr val="accent1"/>
-          </a:fillRef>
-          <a:effectRef idx="0">
-            <a:schemeClr val="accent1"/>
-          </a:effectRef>
-          <a:fontRef idx="minor">
-            <a:schemeClr val="tx1"/>
-          </a:fontRef>
-        </p:style>
-      </p:cxnSp>
-      <p:cxnSp>
-        <p:nvCxnSpPr>
-          <p:cNvPr id="28" name="直線矢印コネクタ 27">
-            <a:extLst>
-              <a:ext uri="{FF2B5EF4-FFF2-40B4-BE49-F238E27FC236}">
-                <a16:creationId xmlns:a16="http://schemas.microsoft.com/office/drawing/2014/main" id="{853852F6-0ACD-4485-ACBF-73159148590D}"/>
-              </a:ext>
-            </a:extLst>
-          </p:cNvPr>
-          <p:cNvCxnSpPr>
-            <a:cxnSpLocks/>
-          </p:cNvCxnSpPr>
-          <p:nvPr/>
-        </p:nvCxnSpPr>
-        <p:spPr>
-          <a:xfrm flipH="1" flipV="1">
-            <a:off x="7222486" y="845576"/>
-            <a:ext cx="3409675" cy="766915"/>
-          </a:xfrm>
-          <a:prstGeom prst="straightConnector1">
-            <a:avLst/>
-          </a:prstGeom>
-          <a:ln>
-            <a:tailEnd type="triangle"/>
-          </a:ln>
-        </p:spPr>
-        <p:style>
-          <a:lnRef idx="1">
-            <a:schemeClr val="accent1"/>
-          </a:lnRef>
-          <a:fillRef idx="0">
-            <a:schemeClr val="accent1"/>
-          </a:fillRef>
-          <a:effectRef idx="0">
-            <a:schemeClr val="accent1"/>
-          </a:effectRef>
-          <a:fontRef idx="minor">
-            <a:schemeClr val="tx1"/>
-          </a:fontRef>
-        </p:style>
-      </p:cxnSp>
-    </p:spTree>
-    <p:extLst>
-      <p:ext uri="{BB962C8B-B14F-4D97-AF65-F5344CB8AC3E}">
-        <p14:creationId xmlns:p14="http://schemas.microsoft.com/office/powerpoint/2010/main" val="292907319"/>
       </p:ext>
     </p:extLst>
   </p:cSld>

--- a/_Proposal/TowerOfDefense.pptx
+++ b/_Proposal/TowerOfDefense.pptx
@@ -8,8 +8,12 @@
     <p:sldId id="256" r:id="rId2"/>
     <p:sldId id="257" r:id="rId3"/>
     <p:sldId id="259" r:id="rId4"/>
-    <p:sldId id="258" r:id="rId5"/>
-    <p:sldId id="260" r:id="rId6"/>
+    <p:sldId id="262" r:id="rId5"/>
+    <p:sldId id="258" r:id="rId6"/>
+    <p:sldId id="260" r:id="rId7"/>
+    <p:sldId id="261" r:id="rId8"/>
+    <p:sldId id="263" r:id="rId9"/>
+    <p:sldId id="264" r:id="rId10"/>
   </p:sldIdLst>
   <p:sldSz cx="12192000" cy="6858000"/>
   <p:notesSz cx="6858000" cy="9144000"/>
@@ -263,7 +267,7 @@
           <a:p>
             <a:fld id="{F6FF6732-C5B4-46A1-A722-3D7B59C656B8}" type="datetimeFigureOut">
               <a:rPr kumimoji="1" lang="ja-JP" altLang="en-US" smtClean="0"/>
-              <a:t>2023/7/25</a:t>
+              <a:t>2023/7/26</a:t>
             </a:fld>
             <a:endParaRPr kumimoji="1" lang="ja-JP" altLang="en-US"/>
           </a:p>
@@ -493,7 +497,7 @@
           <a:p>
             <a:fld id="{F6FF6732-C5B4-46A1-A722-3D7B59C656B8}" type="datetimeFigureOut">
               <a:rPr kumimoji="1" lang="ja-JP" altLang="en-US" smtClean="0"/>
-              <a:t>2023/7/25</a:t>
+              <a:t>2023/7/26</a:t>
             </a:fld>
             <a:endParaRPr kumimoji="1" lang="ja-JP" altLang="en-US"/>
           </a:p>
@@ -733,7 +737,7 @@
           <a:p>
             <a:fld id="{F6FF6732-C5B4-46A1-A722-3D7B59C656B8}" type="datetimeFigureOut">
               <a:rPr kumimoji="1" lang="ja-JP" altLang="en-US" smtClean="0"/>
-              <a:t>2023/7/25</a:t>
+              <a:t>2023/7/26</a:t>
             </a:fld>
             <a:endParaRPr kumimoji="1" lang="ja-JP" altLang="en-US"/>
           </a:p>
@@ -963,7 +967,7 @@
           <a:p>
             <a:fld id="{F6FF6732-C5B4-46A1-A722-3D7B59C656B8}" type="datetimeFigureOut">
               <a:rPr kumimoji="1" lang="ja-JP" altLang="en-US" smtClean="0"/>
-              <a:t>2023/7/25</a:t>
+              <a:t>2023/7/26</a:t>
             </a:fld>
             <a:endParaRPr kumimoji="1" lang="ja-JP" altLang="en-US"/>
           </a:p>
@@ -1238,7 +1242,7 @@
           <a:p>
             <a:fld id="{F6FF6732-C5B4-46A1-A722-3D7B59C656B8}" type="datetimeFigureOut">
               <a:rPr kumimoji="1" lang="ja-JP" altLang="en-US" smtClean="0"/>
-              <a:t>2023/7/25</a:t>
+              <a:t>2023/7/26</a:t>
             </a:fld>
             <a:endParaRPr kumimoji="1" lang="ja-JP" altLang="en-US"/>
           </a:p>
@@ -1567,7 +1571,7 @@
           <a:p>
             <a:fld id="{F6FF6732-C5B4-46A1-A722-3D7B59C656B8}" type="datetimeFigureOut">
               <a:rPr kumimoji="1" lang="ja-JP" altLang="en-US" smtClean="0"/>
-              <a:t>2023/7/25</a:t>
+              <a:t>2023/7/26</a:t>
             </a:fld>
             <a:endParaRPr kumimoji="1" lang="ja-JP" altLang="en-US"/>
           </a:p>
@@ -2043,7 +2047,7 @@
           <a:p>
             <a:fld id="{F6FF6732-C5B4-46A1-A722-3D7B59C656B8}" type="datetimeFigureOut">
               <a:rPr kumimoji="1" lang="ja-JP" altLang="en-US" smtClean="0"/>
-              <a:t>2023/7/25</a:t>
+              <a:t>2023/7/26</a:t>
             </a:fld>
             <a:endParaRPr kumimoji="1" lang="ja-JP" altLang="en-US"/>
           </a:p>
@@ -2184,7 +2188,7 @@
           <a:p>
             <a:fld id="{F6FF6732-C5B4-46A1-A722-3D7B59C656B8}" type="datetimeFigureOut">
               <a:rPr kumimoji="1" lang="ja-JP" altLang="en-US" smtClean="0"/>
-              <a:t>2023/7/25</a:t>
+              <a:t>2023/7/26</a:t>
             </a:fld>
             <a:endParaRPr kumimoji="1" lang="ja-JP" altLang="en-US"/>
           </a:p>
@@ -2297,7 +2301,7 @@
           <a:p>
             <a:fld id="{F6FF6732-C5B4-46A1-A722-3D7B59C656B8}" type="datetimeFigureOut">
               <a:rPr kumimoji="1" lang="ja-JP" altLang="en-US" smtClean="0"/>
-              <a:t>2023/7/25</a:t>
+              <a:t>2023/7/26</a:t>
             </a:fld>
             <a:endParaRPr kumimoji="1" lang="ja-JP" altLang="en-US"/>
           </a:p>
@@ -2640,7 +2644,7 @@
           <a:p>
             <a:fld id="{F6FF6732-C5B4-46A1-A722-3D7B59C656B8}" type="datetimeFigureOut">
               <a:rPr kumimoji="1" lang="ja-JP" altLang="en-US" smtClean="0"/>
-              <a:t>2023/7/25</a:t>
+              <a:t>2023/7/26</a:t>
             </a:fld>
             <a:endParaRPr kumimoji="1" lang="ja-JP" altLang="en-US"/>
           </a:p>
@@ -2928,7 +2932,7 @@
           <a:p>
             <a:fld id="{F6FF6732-C5B4-46A1-A722-3D7B59C656B8}" type="datetimeFigureOut">
               <a:rPr kumimoji="1" lang="ja-JP" altLang="en-US" smtClean="0"/>
-              <a:t>2023/7/25</a:t>
+              <a:t>2023/7/26</a:t>
             </a:fld>
             <a:endParaRPr kumimoji="1" lang="ja-JP" altLang="en-US"/>
           </a:p>
@@ -3201,7 +3205,7 @@
           <a:p>
             <a:fld id="{F6FF6732-C5B4-46A1-A722-3D7B59C656B8}" type="datetimeFigureOut">
               <a:rPr kumimoji="1" lang="ja-JP" altLang="en-US" smtClean="0"/>
-              <a:t>2023/7/25</a:t>
+              <a:t>2023/7/26</a:t>
             </a:fld>
             <a:endParaRPr kumimoji="1" lang="ja-JP" altLang="en-US"/>
           </a:p>
@@ -3654,12 +3658,151 @@
           </a:prstGeom>
         </p:spPr>
       </p:pic>
+      <p:sp>
+        <p:nvSpPr>
+          <p:cNvPr id="5" name="テキスト ボックス 4">
+            <a:extLst>
+              <a:ext uri="{FF2B5EF4-FFF2-40B4-BE49-F238E27FC236}">
+                <a16:creationId xmlns:a16="http://schemas.microsoft.com/office/drawing/2014/main" id="{313F91AE-D785-CCAB-FEBF-84EEF55D92A6}"/>
+              </a:ext>
+            </a:extLst>
+          </p:cNvPr>
+          <p:cNvSpPr txBox="1"/>
+          <p:nvPr/>
+        </p:nvSpPr>
+        <p:spPr>
+          <a:xfrm>
+            <a:off x="5087910" y="5563666"/>
+            <a:ext cx="6642785" cy="523220"/>
+          </a:xfrm>
+          <a:prstGeom prst="rect">
+            <a:avLst/>
+          </a:prstGeom>
+          <a:noFill/>
+        </p:spPr>
+        <p:txBody>
+          <a:bodyPr wrap="square" rtlCol="0">
+            <a:spAutoFit/>
+          </a:bodyPr>
+          <a:lstStyle/>
+          <a:p>
+            <a:r>
+              <a:rPr kumimoji="1" lang="ja-JP" altLang="en-US" sz="2800" u="sng" dirty="0">
+                <a:latin typeface="せのびゴシック Bold" panose="02000600000000000000" pitchFamily="2" charset="-128"/>
+                <a:ea typeface="せのびゴシック Bold" panose="02000600000000000000" pitchFamily="2" charset="-128"/>
+              </a:rPr>
+              <a:t>プレイ人数　        </a:t>
+            </a:r>
+            <a:r>
+              <a:rPr lang="ja-JP" altLang="en-US" sz="2800" u="sng" dirty="0">
+                <a:latin typeface="せのびゴシック Bold" panose="02000600000000000000" pitchFamily="2" charset="-128"/>
+                <a:ea typeface="せのびゴシック Bold" panose="02000600000000000000" pitchFamily="2" charset="-128"/>
+              </a:rPr>
+              <a:t> </a:t>
+            </a:r>
+            <a:r>
+              <a:rPr kumimoji="1" lang="ja-JP" altLang="en-US" sz="2800" u="sng" dirty="0">
+                <a:latin typeface="せのびゴシック Bold" panose="02000600000000000000" pitchFamily="2" charset="-128"/>
+                <a:ea typeface="せのびゴシック Bold" panose="02000600000000000000" pitchFamily="2" charset="-128"/>
+              </a:rPr>
+              <a:t>ソロ</a:t>
+            </a:r>
+          </a:p>
+        </p:txBody>
+      </p:sp>
+      <p:sp>
+        <p:nvSpPr>
+          <p:cNvPr id="6" name="テキスト ボックス 5">
+            <a:extLst>
+              <a:ext uri="{FF2B5EF4-FFF2-40B4-BE49-F238E27FC236}">
+                <a16:creationId xmlns:a16="http://schemas.microsoft.com/office/drawing/2014/main" id="{8E74BD1D-5E48-9E85-6D34-243067F5D7E1}"/>
+              </a:ext>
+            </a:extLst>
+          </p:cNvPr>
+          <p:cNvSpPr txBox="1"/>
+          <p:nvPr/>
+        </p:nvSpPr>
+        <p:spPr>
+          <a:xfrm>
+            <a:off x="5087910" y="6009942"/>
+            <a:ext cx="5703105" cy="523220"/>
+          </a:xfrm>
+          <a:prstGeom prst="rect">
+            <a:avLst/>
+          </a:prstGeom>
+          <a:noFill/>
+        </p:spPr>
+        <p:txBody>
+          <a:bodyPr wrap="square" rtlCol="0">
+            <a:spAutoFit/>
+          </a:bodyPr>
+          <a:lstStyle/>
+          <a:p>
+            <a:r>
+              <a:rPr kumimoji="1" lang="ja-JP" altLang="en-US" sz="2800" u="sng" dirty="0">
+                <a:latin typeface="せのびゴシック Bold" panose="02000600000000000000" pitchFamily="2" charset="-128"/>
+                <a:ea typeface="せのびゴシック Bold" panose="02000600000000000000" pitchFamily="2" charset="-128"/>
+              </a:rPr>
+              <a:t>プラットフォーム　</a:t>
+            </a:r>
+            <a:r>
+              <a:rPr kumimoji="1" lang="en-US" altLang="ja-JP" sz="2800" u="sng" dirty="0">
+                <a:latin typeface="せのびゴシック Bold" panose="02000600000000000000" pitchFamily="2" charset="-128"/>
+                <a:ea typeface="せのびゴシック Bold" panose="02000600000000000000" pitchFamily="2" charset="-128"/>
+              </a:rPr>
+              <a:t>PC</a:t>
+            </a:r>
+            <a:endParaRPr kumimoji="1" lang="ja-JP" altLang="en-US" sz="2800" u="sng" dirty="0">
+              <a:latin typeface="せのびゴシック Bold" panose="02000600000000000000" pitchFamily="2" charset="-128"/>
+              <a:ea typeface="せのびゴシック Bold" panose="02000600000000000000" pitchFamily="2" charset="-128"/>
+            </a:endParaRPr>
+          </a:p>
+        </p:txBody>
+      </p:sp>
+      <p:sp>
+        <p:nvSpPr>
+          <p:cNvPr id="8" name="テキスト ボックス 7">
+            <a:extLst>
+              <a:ext uri="{FF2B5EF4-FFF2-40B4-BE49-F238E27FC236}">
+                <a16:creationId xmlns:a16="http://schemas.microsoft.com/office/drawing/2014/main" id="{9A8D36CC-50C5-179A-0750-99F8E86EDD0C}"/>
+              </a:ext>
+            </a:extLst>
+          </p:cNvPr>
+          <p:cNvSpPr txBox="1"/>
+          <p:nvPr/>
+        </p:nvSpPr>
+        <p:spPr>
+          <a:xfrm>
+            <a:off x="5087910" y="5117390"/>
+            <a:ext cx="7104090" cy="523220"/>
+          </a:xfrm>
+          <a:prstGeom prst="rect">
+            <a:avLst/>
+          </a:prstGeom>
+          <a:noFill/>
+        </p:spPr>
+        <p:txBody>
+          <a:bodyPr wrap="square" rtlCol="0">
+            <a:spAutoFit/>
+          </a:bodyPr>
+          <a:lstStyle/>
+          <a:p>
+            <a:r>
+              <a:rPr kumimoji="1" lang="ja-JP" altLang="en-US" sz="2800" u="sng" dirty="0">
+                <a:latin typeface="せのびゴシック Bold" panose="02000600000000000000" pitchFamily="2" charset="-128"/>
+                <a:ea typeface="せのびゴシック Bold" panose="02000600000000000000" pitchFamily="2" charset="-128"/>
+              </a:rPr>
+              <a:t>ジャンル　　　　  タワーディフェンス</a:t>
+            </a:r>
+          </a:p>
+        </p:txBody>
+      </p:sp>
       <p:pic>
         <p:nvPicPr>
-          <p:cNvPr id="3" name="図 2">
-            <a:extLst>
-              <a:ext uri="{FF2B5EF4-FFF2-40B4-BE49-F238E27FC236}">
-                <a16:creationId xmlns:a16="http://schemas.microsoft.com/office/drawing/2014/main" id="{06D709C5-A0AD-4C4F-AD70-2C5AC6E5F4A1}"/>
+          <p:cNvPr id="9" name="図 8" descr="テキスト&#10;&#10;中程度の精度で自動的に生成された説明">
+            <a:extLst>
+              <a:ext uri="{FF2B5EF4-FFF2-40B4-BE49-F238E27FC236}">
+                <a16:creationId xmlns:a16="http://schemas.microsoft.com/office/drawing/2014/main" id="{73134829-9E1A-4653-7416-56D454326095}"/>
               </a:ext>
             </a:extLst>
           </p:cNvPr>
@@ -3682,8 +3825,8 @@
         </p:blipFill>
         <p:spPr>
           <a:xfrm>
-            <a:off x="-4858808" y="-2076449"/>
-            <a:ext cx="21909615" cy="12324158"/>
+            <a:off x="1197057" y="335446"/>
+            <a:ext cx="9797882" cy="5043554"/>
           </a:xfrm>
           <a:prstGeom prst="rect">
             <a:avLst/>
@@ -3704,7 +3847,7 @@
         </p:nvSpPr>
         <p:spPr>
           <a:xfrm>
-            <a:off x="5080337" y="519546"/>
+            <a:off x="5080336" y="811934"/>
             <a:ext cx="2031325" cy="830997"/>
           </a:xfrm>
           <a:prstGeom prst="rect">
@@ -3729,145 +3872,6 @@
               <a:latin typeface="せのびゴシック Bold" panose="02000600000000000000" pitchFamily="2" charset="-128"/>
               <a:ea typeface="せのびゴシック Bold" panose="02000600000000000000" pitchFamily="2" charset="-128"/>
             </a:endParaRPr>
-          </a:p>
-        </p:txBody>
-      </p:sp>
-      <p:sp>
-        <p:nvSpPr>
-          <p:cNvPr id="5" name="テキスト ボックス 4">
-            <a:extLst>
-              <a:ext uri="{FF2B5EF4-FFF2-40B4-BE49-F238E27FC236}">
-                <a16:creationId xmlns:a16="http://schemas.microsoft.com/office/drawing/2014/main" id="{313F91AE-D785-CCAB-FEBF-84EEF55D92A6}"/>
-              </a:ext>
-            </a:extLst>
-          </p:cNvPr>
-          <p:cNvSpPr txBox="1"/>
-          <p:nvPr/>
-        </p:nvSpPr>
-        <p:spPr>
-          <a:xfrm>
-            <a:off x="5741967" y="5522846"/>
-            <a:ext cx="6642785" cy="523220"/>
-          </a:xfrm>
-          <a:prstGeom prst="rect">
-            <a:avLst/>
-          </a:prstGeom>
-          <a:noFill/>
-        </p:spPr>
-        <p:txBody>
-          <a:bodyPr wrap="square" rtlCol="0">
-            <a:spAutoFit/>
-          </a:bodyPr>
-          <a:lstStyle/>
-          <a:p>
-            <a:r>
-              <a:rPr kumimoji="1" lang="ja-JP" altLang="en-US" sz="2800" u="sng" dirty="0">
-                <a:latin typeface="せのびゴシック Bold" panose="02000600000000000000" pitchFamily="2" charset="-128"/>
-                <a:ea typeface="せのびゴシック Bold" panose="02000600000000000000" pitchFamily="2" charset="-128"/>
-              </a:rPr>
-              <a:t>プレイ人数　        </a:t>
-            </a:r>
-            <a:r>
-              <a:rPr lang="ja-JP" altLang="en-US" sz="2800" u="sng" dirty="0">
-                <a:latin typeface="せのびゴシック Bold" panose="02000600000000000000" pitchFamily="2" charset="-128"/>
-                <a:ea typeface="せのびゴシック Bold" panose="02000600000000000000" pitchFamily="2" charset="-128"/>
-              </a:rPr>
-              <a:t> </a:t>
-            </a:r>
-            <a:r>
-              <a:rPr kumimoji="1" lang="ja-JP" altLang="en-US" sz="2800" u="sng" dirty="0">
-                <a:latin typeface="せのびゴシック Bold" panose="02000600000000000000" pitchFamily="2" charset="-128"/>
-                <a:ea typeface="せのびゴシック Bold" panose="02000600000000000000" pitchFamily="2" charset="-128"/>
-              </a:rPr>
-              <a:t>ソロ</a:t>
-            </a:r>
-          </a:p>
-        </p:txBody>
-      </p:sp>
-      <p:sp>
-        <p:nvSpPr>
-          <p:cNvPr id="6" name="テキスト ボックス 5">
-            <a:extLst>
-              <a:ext uri="{FF2B5EF4-FFF2-40B4-BE49-F238E27FC236}">
-                <a16:creationId xmlns:a16="http://schemas.microsoft.com/office/drawing/2014/main" id="{8E74BD1D-5E48-9E85-6D34-243067F5D7E1}"/>
-              </a:ext>
-            </a:extLst>
-          </p:cNvPr>
-          <p:cNvSpPr txBox="1"/>
-          <p:nvPr/>
-        </p:nvSpPr>
-        <p:spPr>
-          <a:xfrm>
-            <a:off x="5741967" y="5969122"/>
-            <a:ext cx="5703105" cy="523220"/>
-          </a:xfrm>
-          <a:prstGeom prst="rect">
-            <a:avLst/>
-          </a:prstGeom>
-          <a:noFill/>
-        </p:spPr>
-        <p:txBody>
-          <a:bodyPr wrap="square" rtlCol="0">
-            <a:spAutoFit/>
-          </a:bodyPr>
-          <a:lstStyle/>
-          <a:p>
-            <a:r>
-              <a:rPr kumimoji="1" lang="ja-JP" altLang="en-US" sz="2800" u="sng" dirty="0">
-                <a:latin typeface="せのびゴシック Bold" panose="02000600000000000000" pitchFamily="2" charset="-128"/>
-                <a:ea typeface="せのびゴシック Bold" panose="02000600000000000000" pitchFamily="2" charset="-128"/>
-              </a:rPr>
-              <a:t>プラットフォーム　</a:t>
-            </a:r>
-            <a:r>
-              <a:rPr kumimoji="1" lang="en-US" altLang="ja-JP" sz="2800" u="sng" dirty="0">
-                <a:latin typeface="せのびゴシック Bold" panose="02000600000000000000" pitchFamily="2" charset="-128"/>
-                <a:ea typeface="せのびゴシック Bold" panose="02000600000000000000" pitchFamily="2" charset="-128"/>
-              </a:rPr>
-              <a:t>PC</a:t>
-            </a:r>
-            <a:endParaRPr kumimoji="1" lang="ja-JP" altLang="en-US" sz="2800" u="sng" dirty="0">
-              <a:latin typeface="せのびゴシック Bold" panose="02000600000000000000" pitchFamily="2" charset="-128"/>
-              <a:ea typeface="せのびゴシック Bold" panose="02000600000000000000" pitchFamily="2" charset="-128"/>
-            </a:endParaRPr>
-          </a:p>
-        </p:txBody>
-      </p:sp>
-      <p:sp>
-        <p:nvSpPr>
-          <p:cNvPr id="8" name="テキスト ボックス 7">
-            <a:extLst>
-              <a:ext uri="{FF2B5EF4-FFF2-40B4-BE49-F238E27FC236}">
-                <a16:creationId xmlns:a16="http://schemas.microsoft.com/office/drawing/2014/main" id="{9A8D36CC-50C5-179A-0750-99F8E86EDD0C}"/>
-              </a:ext>
-            </a:extLst>
-          </p:cNvPr>
-          <p:cNvSpPr txBox="1"/>
-          <p:nvPr/>
-        </p:nvSpPr>
-        <p:spPr>
-          <a:xfrm>
-            <a:off x="5741967" y="5076570"/>
-            <a:ext cx="7104090" cy="523220"/>
-          </a:xfrm>
-          <a:prstGeom prst="rect">
-            <a:avLst/>
-          </a:prstGeom>
-          <a:noFill/>
-        </p:spPr>
-        <p:txBody>
-          <a:bodyPr wrap="square" rtlCol="0">
-            <a:spAutoFit/>
-          </a:bodyPr>
-          <a:lstStyle/>
-          <a:p>
-            <a:r>
-              <a:rPr kumimoji="1" lang="ja-JP" altLang="en-US" sz="2800" u="sng" dirty="0">
-                <a:latin typeface="せのびゴシック Bold" panose="02000600000000000000" pitchFamily="2" charset="-128"/>
-                <a:ea typeface="せのびゴシック Bold" panose="02000600000000000000" pitchFamily="2" charset="-128"/>
-              </a:rPr>
-              <a:t>ジャンル　　　　  タワーディフェンス</a:t>
-            </a:r>
           </a:p>
         </p:txBody>
       </p:sp>
@@ -3993,7 +3997,7 @@
         </p:nvSpPr>
         <p:spPr>
           <a:xfrm>
-            <a:off x="1079242" y="3136612"/>
+            <a:off x="876042" y="2715000"/>
             <a:ext cx="10757158" cy="584775"/>
           </a:xfrm>
           <a:prstGeom prst="rect">
@@ -4054,247 +4058,12 @@
           </a:p>
         </p:txBody>
       </p:sp>
-      <p:pic>
-        <p:nvPicPr>
-          <p:cNvPr id="11" name="Picture 10" descr="鉄兜と鎧を着た兵士のイラスト | かわいいフリー素材集 いらすとや">
-            <a:extLst>
-              <a:ext uri="{FF2B5EF4-FFF2-40B4-BE49-F238E27FC236}">
-                <a16:creationId xmlns:a16="http://schemas.microsoft.com/office/drawing/2014/main" id="{6485D33B-B347-7592-10E4-4C3A7D487FAB}"/>
-              </a:ext>
-            </a:extLst>
-          </p:cNvPr>
-          <p:cNvPicPr>
-            <a:picLocks noChangeAspect="1" noChangeArrowheads="1"/>
-          </p:cNvPicPr>
-          <p:nvPr/>
-        </p:nvPicPr>
-        <p:blipFill>
-          <a:blip r:embed="rId3">
-            <a:extLst>
-              <a:ext uri="{28A0092B-C50C-407E-A947-70E740481C1C}">
-                <a14:useLocalDpi xmlns:a14="http://schemas.microsoft.com/office/drawing/2010/main" val="0"/>
-              </a:ext>
-            </a:extLst>
-          </a:blip>
-          <a:srcRect/>
-          <a:stretch>
-            <a:fillRect/>
-          </a:stretch>
-        </p:blipFill>
-        <p:spPr bwMode="auto">
-          <a:xfrm rot="3857000">
-            <a:off x="9706637" y="4099194"/>
-            <a:ext cx="1156885" cy="1280159"/>
-          </a:xfrm>
-          <a:prstGeom prst="rect">
-            <a:avLst/>
-          </a:prstGeom>
-          <a:noFill/>
-          <a:extLst>
-            <a:ext uri="{909E8E84-426E-40DD-AFC4-6F175D3DCCD1}">
-              <a14:hiddenFill xmlns:a14="http://schemas.microsoft.com/office/drawing/2010/main">
-                <a:solidFill>
-                  <a:srgbClr val="FFFFFF"/>
-                </a:solidFill>
-              </a14:hiddenFill>
-            </a:ext>
-          </a:extLst>
-        </p:spPr>
-      </p:pic>
-      <p:pic>
-        <p:nvPicPr>
-          <p:cNvPr id="12" name="Picture 10" descr="鉄兜と鎧を着た兵士のイラスト | かわいいフリー素材集 いらすとや">
-            <a:extLst>
-              <a:ext uri="{FF2B5EF4-FFF2-40B4-BE49-F238E27FC236}">
-                <a16:creationId xmlns:a16="http://schemas.microsoft.com/office/drawing/2014/main" id="{7D76681E-6DD6-0B2D-9390-62583D1AE881}"/>
-              </a:ext>
-            </a:extLst>
-          </p:cNvPr>
-          <p:cNvPicPr>
-            <a:picLocks noChangeAspect="1" noChangeArrowheads="1"/>
-          </p:cNvPicPr>
-          <p:nvPr/>
-        </p:nvPicPr>
-        <p:blipFill>
-          <a:blip r:embed="rId3">
-            <a:extLst>
-              <a:ext uri="{28A0092B-C50C-407E-A947-70E740481C1C}">
-                <a14:useLocalDpi xmlns:a14="http://schemas.microsoft.com/office/drawing/2010/main" val="0"/>
-              </a:ext>
-            </a:extLst>
-          </a:blip>
-          <a:srcRect/>
-          <a:stretch>
-            <a:fillRect/>
-          </a:stretch>
-        </p:blipFill>
-        <p:spPr bwMode="auto">
-          <a:xfrm rot="3857000">
-            <a:off x="9418461" y="4625166"/>
-            <a:ext cx="1156885" cy="1280159"/>
-          </a:xfrm>
-          <a:prstGeom prst="rect">
-            <a:avLst/>
-          </a:prstGeom>
-          <a:noFill/>
-          <a:extLst>
-            <a:ext uri="{909E8E84-426E-40DD-AFC4-6F175D3DCCD1}">
-              <a14:hiddenFill xmlns:a14="http://schemas.microsoft.com/office/drawing/2010/main">
-                <a:solidFill>
-                  <a:srgbClr val="FFFFFF"/>
-                </a:solidFill>
-              </a14:hiddenFill>
-            </a:ext>
-          </a:extLst>
-        </p:spPr>
-      </p:pic>
-      <p:pic>
-        <p:nvPicPr>
-          <p:cNvPr id="13" name="Picture 10" descr="鉄兜と鎧を着た兵士のイラスト | かわいいフリー素材集 いらすとや">
-            <a:extLst>
-              <a:ext uri="{FF2B5EF4-FFF2-40B4-BE49-F238E27FC236}">
-                <a16:creationId xmlns:a16="http://schemas.microsoft.com/office/drawing/2014/main" id="{C374A676-E583-215A-BC0E-204B515F168C}"/>
-              </a:ext>
-            </a:extLst>
-          </p:cNvPr>
-          <p:cNvPicPr>
-            <a:picLocks noChangeAspect="1" noChangeArrowheads="1"/>
-          </p:cNvPicPr>
-          <p:nvPr/>
-        </p:nvPicPr>
-        <p:blipFill>
-          <a:blip r:embed="rId3">
-            <a:extLst>
-              <a:ext uri="{28A0092B-C50C-407E-A947-70E740481C1C}">
-                <a14:useLocalDpi xmlns:a14="http://schemas.microsoft.com/office/drawing/2010/main" val="0"/>
-              </a:ext>
-            </a:extLst>
-          </a:blip>
-          <a:srcRect/>
-          <a:stretch>
-            <a:fillRect/>
-          </a:stretch>
-        </p:blipFill>
-        <p:spPr bwMode="auto">
-          <a:xfrm rot="3857000">
-            <a:off x="9130284" y="4093757"/>
-            <a:ext cx="1156885" cy="1280159"/>
-          </a:xfrm>
-          <a:prstGeom prst="rect">
-            <a:avLst/>
-          </a:prstGeom>
-          <a:noFill/>
-          <a:extLst>
-            <a:ext uri="{909E8E84-426E-40DD-AFC4-6F175D3DCCD1}">
-              <a14:hiddenFill xmlns:a14="http://schemas.microsoft.com/office/drawing/2010/main">
-                <a:solidFill>
-                  <a:srgbClr val="FFFFFF"/>
-                </a:solidFill>
-              </a14:hiddenFill>
-            </a:ext>
-          </a:extLst>
-        </p:spPr>
-      </p:pic>
-      <p:pic>
-        <p:nvPicPr>
-          <p:cNvPr id="14" name="Picture 10" descr="鉄兜と鎧を着た兵士のイラスト | かわいいフリー素材集 いらすとや">
-            <a:extLst>
-              <a:ext uri="{FF2B5EF4-FFF2-40B4-BE49-F238E27FC236}">
-                <a16:creationId xmlns:a16="http://schemas.microsoft.com/office/drawing/2014/main" id="{4BAAFCB9-AC57-880C-FD9C-3DC197DBAF9C}"/>
-              </a:ext>
-            </a:extLst>
-          </p:cNvPr>
-          <p:cNvPicPr>
-            <a:picLocks noChangeAspect="1" noChangeArrowheads="1"/>
-          </p:cNvPicPr>
-          <p:nvPr/>
-        </p:nvPicPr>
-        <p:blipFill>
-          <a:blip r:embed="rId3">
-            <a:extLst>
-              <a:ext uri="{28A0092B-C50C-407E-A947-70E740481C1C}">
-                <a14:useLocalDpi xmlns:a14="http://schemas.microsoft.com/office/drawing/2010/main" val="0"/>
-              </a:ext>
-            </a:extLst>
-          </a:blip>
-          <a:srcRect/>
-          <a:stretch>
-            <a:fillRect/>
-          </a:stretch>
-        </p:blipFill>
-        <p:spPr bwMode="auto">
-          <a:xfrm rot="3857000">
-            <a:off x="8881748" y="4630604"/>
-            <a:ext cx="1156885" cy="1280159"/>
-          </a:xfrm>
-          <a:prstGeom prst="rect">
-            <a:avLst/>
-          </a:prstGeom>
-          <a:noFill/>
-          <a:extLst>
-            <a:ext uri="{909E8E84-426E-40DD-AFC4-6F175D3DCCD1}">
-              <a14:hiddenFill xmlns:a14="http://schemas.microsoft.com/office/drawing/2010/main">
-                <a:solidFill>
-                  <a:srgbClr val="FFFFFF"/>
-                </a:solidFill>
-              </a14:hiddenFill>
-            </a:ext>
-          </a:extLst>
-        </p:spPr>
-      </p:pic>
-      <p:pic>
-        <p:nvPicPr>
-          <p:cNvPr id="16" name="Picture 12" descr="東京タワーのイラスト | かわいいフリー素材集 いらすとや">
-            <a:extLst>
-              <a:ext uri="{FF2B5EF4-FFF2-40B4-BE49-F238E27FC236}">
-                <a16:creationId xmlns:a16="http://schemas.microsoft.com/office/drawing/2014/main" id="{665C3337-F925-BFC6-F74B-0552B2352C24}"/>
-              </a:ext>
-            </a:extLst>
-          </p:cNvPr>
-          <p:cNvPicPr>
-            <a:picLocks noChangeAspect="1" noChangeArrowheads="1"/>
-          </p:cNvPicPr>
-          <p:nvPr/>
-        </p:nvPicPr>
-        <p:blipFill>
-          <a:blip r:embed="rId4">
-            <a:extLst>
-              <a:ext uri="{28A0092B-C50C-407E-A947-70E740481C1C}">
-                <a14:useLocalDpi xmlns:a14="http://schemas.microsoft.com/office/drawing/2010/main" val="0"/>
-              </a:ext>
-            </a:extLst>
-          </a:blip>
-          <a:srcRect/>
-          <a:stretch>
-            <a:fillRect/>
-          </a:stretch>
-        </p:blipFill>
-        <p:spPr bwMode="auto">
-          <a:xfrm>
-            <a:off x="1079242" y="3973938"/>
-            <a:ext cx="1156942" cy="1609659"/>
-          </a:xfrm>
-          <a:prstGeom prst="rect">
-            <a:avLst/>
-          </a:prstGeom>
-          <a:noFill/>
-          <a:extLst>
-            <a:ext uri="{909E8E84-426E-40DD-AFC4-6F175D3DCCD1}">
-              <a14:hiddenFill xmlns:a14="http://schemas.microsoft.com/office/drawing/2010/main">
-                <a:solidFill>
-                  <a:srgbClr val="FFFFFF"/>
-                </a:solidFill>
-              </a14:hiddenFill>
-            </a:ext>
-          </a:extLst>
-        </p:spPr>
-      </p:pic>
-      <p:sp>
-        <p:nvSpPr>
-          <p:cNvPr id="17" name="フローチャート: 結合子 16">
-            <a:extLst>
-              <a:ext uri="{FF2B5EF4-FFF2-40B4-BE49-F238E27FC236}">
-                <a16:creationId xmlns:a16="http://schemas.microsoft.com/office/drawing/2014/main" id="{429F82F1-72B3-D73F-B6D0-74E81733CBEC}"/>
+      <p:sp>
+        <p:nvSpPr>
+          <p:cNvPr id="18" name="思考の吹き出し: 雲形 17">
+            <a:extLst>
+              <a:ext uri="{FF2B5EF4-FFF2-40B4-BE49-F238E27FC236}">
+                <a16:creationId xmlns:a16="http://schemas.microsoft.com/office/drawing/2014/main" id="{CEC3A201-EFAD-0A1A-E608-91BAF5CC08D2}"/>
               </a:ext>
             </a:extLst>
           </p:cNvPr>
@@ -4302,11 +4071,11 @@
           <p:nvPr/>
         </p:nvSpPr>
         <p:spPr>
-          <a:xfrm>
-            <a:off x="6698652" y="4143000"/>
-            <a:ext cx="432262" cy="432705"/>
-          </a:xfrm>
-          <a:prstGeom prst="flowChartConnector">
+          <a:xfrm rot="19868305">
+            <a:off x="5672266" y="4384290"/>
+            <a:ext cx="706582" cy="515389"/>
+          </a:xfrm>
+          <a:prstGeom prst="cloudCallout">
             <a:avLst/>
           </a:prstGeom>
         </p:spPr>
@@ -4335,52 +4104,6 @@
           </a:p>
         </p:txBody>
       </p:sp>
-      <p:sp>
-        <p:nvSpPr>
-          <p:cNvPr id="18" name="思考の吹き出し: 雲形 17">
-            <a:extLst>
-              <a:ext uri="{FF2B5EF4-FFF2-40B4-BE49-F238E27FC236}">
-                <a16:creationId xmlns:a16="http://schemas.microsoft.com/office/drawing/2014/main" id="{CEC3A201-EFAD-0A1A-E608-91BAF5CC08D2}"/>
-              </a:ext>
-            </a:extLst>
-          </p:cNvPr>
-          <p:cNvSpPr/>
-          <p:nvPr/>
-        </p:nvSpPr>
-        <p:spPr>
-          <a:xfrm rot="19868305">
-            <a:off x="5672266" y="4384290"/>
-            <a:ext cx="706582" cy="515389"/>
-          </a:xfrm>
-          <a:prstGeom prst="cloudCallout">
-            <a:avLst/>
-          </a:prstGeom>
-        </p:spPr>
-        <p:style>
-          <a:lnRef idx="2">
-            <a:schemeClr val="accent3">
-              <a:shade val="15000"/>
-            </a:schemeClr>
-          </a:lnRef>
-          <a:fillRef idx="1">
-            <a:schemeClr val="accent3"/>
-          </a:fillRef>
-          <a:effectRef idx="0">
-            <a:schemeClr val="accent3"/>
-          </a:effectRef>
-          <a:fontRef idx="minor">
-            <a:schemeClr val="lt1"/>
-          </a:fontRef>
-        </p:style>
-        <p:txBody>
-          <a:bodyPr rtlCol="0" anchor="ctr"/>
-          <a:lstStyle/>
-          <a:p>
-            <a:pPr algn="ctr"/>
-            <a:endParaRPr kumimoji="1" lang="ja-JP" altLang="en-US"/>
-          </a:p>
-        </p:txBody>
-      </p:sp>
       <p:pic>
         <p:nvPicPr>
           <p:cNvPr id="15" name="Picture 6" descr="大砲のイラスト | かわいいフリー素材集 いらすとや">
@@ -4396,7 +4119,7 @@
           <p:nvPr/>
         </p:nvPicPr>
         <p:blipFill>
-          <a:blip r:embed="rId5">
+          <a:blip r:embed="rId3">
             <a:extLst>
               <a:ext uri="{28A0092B-C50C-407E-A947-70E740481C1C}">
                 <a14:useLocalDpi xmlns:a14="http://schemas.microsoft.com/office/drawing/2010/main" val="0"/>
@@ -4412,6 +4135,335 @@
           <a:xfrm flipH="1">
             <a:off x="5147739" y="4674408"/>
             <a:ext cx="982573" cy="909189"/>
+          </a:xfrm>
+          <a:prstGeom prst="rect">
+            <a:avLst/>
+          </a:prstGeom>
+          <a:noFill/>
+          <a:extLst>
+            <a:ext uri="{909E8E84-426E-40DD-AFC4-6F175D3DCCD1}">
+              <a14:hiddenFill xmlns:a14="http://schemas.microsoft.com/office/drawing/2010/main">
+                <a:solidFill>
+                  <a:srgbClr val="FFFFFF"/>
+                </a:solidFill>
+              </a14:hiddenFill>
+            </a:ext>
+          </a:extLst>
+        </p:spPr>
+      </p:pic>
+      <p:pic>
+        <p:nvPicPr>
+          <p:cNvPr id="2" name="Picture 2" descr="ねずみのキャラクター | かわいいフリー素材集 いらすとや">
+            <a:extLst>
+              <a:ext uri="{FF2B5EF4-FFF2-40B4-BE49-F238E27FC236}">
+                <a16:creationId xmlns:a16="http://schemas.microsoft.com/office/drawing/2014/main" id="{8CDA6CC3-C453-46FC-4450-B5C7C6446462}"/>
+              </a:ext>
+            </a:extLst>
+          </p:cNvPr>
+          <p:cNvPicPr>
+            <a:picLocks noChangeAspect="1" noChangeArrowheads="1"/>
+          </p:cNvPicPr>
+          <p:nvPr/>
+        </p:nvPicPr>
+        <p:blipFill>
+          <a:blip r:embed="rId4">
+            <a:extLst>
+              <a:ext uri="{28A0092B-C50C-407E-A947-70E740481C1C}">
+                <a14:useLocalDpi xmlns:a14="http://schemas.microsoft.com/office/drawing/2010/main" val="0"/>
+              </a:ext>
+            </a:extLst>
+          </a:blip>
+          <a:srcRect/>
+          <a:stretch>
+            <a:fillRect/>
+          </a:stretch>
+        </p:blipFill>
+        <p:spPr bwMode="auto">
+          <a:xfrm rot="3806959">
+            <a:off x="9536749" y="3902811"/>
+            <a:ext cx="1500153" cy="1755802"/>
+          </a:xfrm>
+          <a:prstGeom prst="rect">
+            <a:avLst/>
+          </a:prstGeom>
+          <a:noFill/>
+          <a:extLst>
+            <a:ext uri="{909E8E84-426E-40DD-AFC4-6F175D3DCCD1}">
+              <a14:hiddenFill xmlns:a14="http://schemas.microsoft.com/office/drawing/2010/main">
+                <a:solidFill>
+                  <a:srgbClr val="FFFFFF"/>
+                </a:solidFill>
+              </a14:hiddenFill>
+            </a:ext>
+          </a:extLst>
+        </p:spPr>
+      </p:pic>
+      <p:pic>
+        <p:nvPicPr>
+          <p:cNvPr id="3" name="Picture 4" descr="猫のキャラクター | かわいいフリー素材集 いらすとや">
+            <a:extLst>
+              <a:ext uri="{FF2B5EF4-FFF2-40B4-BE49-F238E27FC236}">
+                <a16:creationId xmlns:a16="http://schemas.microsoft.com/office/drawing/2014/main" id="{E05F8CE6-868A-5A24-F5BD-F8E542729CE4}"/>
+              </a:ext>
+            </a:extLst>
+          </p:cNvPr>
+          <p:cNvPicPr>
+            <a:picLocks noChangeAspect="1" noChangeArrowheads="1"/>
+          </p:cNvPicPr>
+          <p:nvPr/>
+        </p:nvPicPr>
+        <p:blipFill>
+          <a:blip r:embed="rId5">
+            <a:extLst>
+              <a:ext uri="{28A0092B-C50C-407E-A947-70E740481C1C}">
+                <a14:useLocalDpi xmlns:a14="http://schemas.microsoft.com/office/drawing/2010/main" val="0"/>
+              </a:ext>
+            </a:extLst>
+          </a:blip>
+          <a:srcRect/>
+          <a:stretch>
+            <a:fillRect/>
+          </a:stretch>
+        </p:blipFill>
+        <p:spPr bwMode="auto">
+          <a:xfrm rot="3358979">
+            <a:off x="6155641" y="3879776"/>
+            <a:ext cx="1053851" cy="1245250"/>
+          </a:xfrm>
+          <a:prstGeom prst="rect">
+            <a:avLst/>
+          </a:prstGeom>
+          <a:noFill/>
+          <a:extLst>
+            <a:ext uri="{909E8E84-426E-40DD-AFC4-6F175D3DCCD1}">
+              <a14:hiddenFill xmlns:a14="http://schemas.microsoft.com/office/drawing/2010/main">
+                <a:solidFill>
+                  <a:srgbClr val="FFFFFF"/>
+                </a:solidFill>
+              </a14:hiddenFill>
+            </a:ext>
+          </a:extLst>
+        </p:spPr>
+      </p:pic>
+      <p:pic>
+        <p:nvPicPr>
+          <p:cNvPr id="4" name="Picture 6" descr="チーズのイラスト（薫製） | かわいいフリー素材集 いらすとや">
+            <a:extLst>
+              <a:ext uri="{FF2B5EF4-FFF2-40B4-BE49-F238E27FC236}">
+                <a16:creationId xmlns:a16="http://schemas.microsoft.com/office/drawing/2014/main" id="{38E0FCF7-A501-B0C3-9B95-02B9C267CFCA}"/>
+              </a:ext>
+            </a:extLst>
+          </p:cNvPr>
+          <p:cNvPicPr>
+            <a:picLocks noChangeAspect="1" noChangeArrowheads="1"/>
+          </p:cNvPicPr>
+          <p:nvPr/>
+        </p:nvPicPr>
+        <p:blipFill>
+          <a:blip r:embed="rId6">
+            <a:extLst>
+              <a:ext uri="{28A0092B-C50C-407E-A947-70E740481C1C}">
+                <a14:useLocalDpi xmlns:a14="http://schemas.microsoft.com/office/drawing/2010/main" val="0"/>
+              </a:ext>
+            </a:extLst>
+          </a:blip>
+          <a:srcRect/>
+          <a:stretch>
+            <a:fillRect/>
+          </a:stretch>
+        </p:blipFill>
+        <p:spPr bwMode="auto">
+          <a:xfrm>
+            <a:off x="867527" y="4963152"/>
+            <a:ext cx="771613" cy="556622"/>
+          </a:xfrm>
+          <a:prstGeom prst="rect">
+            <a:avLst/>
+          </a:prstGeom>
+          <a:noFill/>
+          <a:extLst>
+            <a:ext uri="{909E8E84-426E-40DD-AFC4-6F175D3DCCD1}">
+              <a14:hiddenFill xmlns:a14="http://schemas.microsoft.com/office/drawing/2010/main">
+                <a:solidFill>
+                  <a:srgbClr val="FFFFFF"/>
+                </a:solidFill>
+              </a14:hiddenFill>
+            </a:ext>
+          </a:extLst>
+        </p:spPr>
+      </p:pic>
+      <p:pic>
+        <p:nvPicPr>
+          <p:cNvPr id="7" name="Picture 2" descr="ねずみのキャラクター | かわいいフリー素材集 いらすとや">
+            <a:extLst>
+              <a:ext uri="{FF2B5EF4-FFF2-40B4-BE49-F238E27FC236}">
+                <a16:creationId xmlns:a16="http://schemas.microsoft.com/office/drawing/2014/main" id="{70304A2C-2114-170A-3304-FBCBCE0EE3B2}"/>
+              </a:ext>
+            </a:extLst>
+          </p:cNvPr>
+          <p:cNvPicPr>
+            <a:picLocks noChangeAspect="1" noChangeArrowheads="1"/>
+          </p:cNvPicPr>
+          <p:nvPr/>
+        </p:nvPicPr>
+        <p:blipFill>
+          <a:blip r:embed="rId4">
+            <a:extLst>
+              <a:ext uri="{28A0092B-C50C-407E-A947-70E740481C1C}">
+                <a14:useLocalDpi xmlns:a14="http://schemas.microsoft.com/office/drawing/2010/main" val="0"/>
+              </a:ext>
+            </a:extLst>
+          </a:blip>
+          <a:srcRect/>
+          <a:stretch>
+            <a:fillRect/>
+          </a:stretch>
+        </p:blipFill>
+        <p:spPr bwMode="auto">
+          <a:xfrm rot="3806959">
+            <a:off x="8978565" y="3743711"/>
+            <a:ext cx="1500153" cy="1755802"/>
+          </a:xfrm>
+          <a:prstGeom prst="rect">
+            <a:avLst/>
+          </a:prstGeom>
+          <a:noFill/>
+          <a:extLst>
+            <a:ext uri="{909E8E84-426E-40DD-AFC4-6F175D3DCCD1}">
+              <a14:hiddenFill xmlns:a14="http://schemas.microsoft.com/office/drawing/2010/main">
+                <a:solidFill>
+                  <a:srgbClr val="FFFFFF"/>
+                </a:solidFill>
+              </a14:hiddenFill>
+            </a:ext>
+          </a:extLst>
+        </p:spPr>
+      </p:pic>
+      <p:pic>
+        <p:nvPicPr>
+          <p:cNvPr id="10" name="Picture 2" descr="ねずみのキャラクター | かわいいフリー素材集 いらすとや">
+            <a:extLst>
+              <a:ext uri="{FF2B5EF4-FFF2-40B4-BE49-F238E27FC236}">
+                <a16:creationId xmlns:a16="http://schemas.microsoft.com/office/drawing/2014/main" id="{630AB664-AFDA-D7AF-0070-B123F104C0A7}"/>
+              </a:ext>
+            </a:extLst>
+          </p:cNvPr>
+          <p:cNvPicPr>
+            <a:picLocks noChangeAspect="1" noChangeArrowheads="1"/>
+          </p:cNvPicPr>
+          <p:nvPr/>
+        </p:nvPicPr>
+        <p:blipFill>
+          <a:blip r:embed="rId4">
+            <a:extLst>
+              <a:ext uri="{28A0092B-C50C-407E-A947-70E740481C1C}">
+                <a14:useLocalDpi xmlns:a14="http://schemas.microsoft.com/office/drawing/2010/main" val="0"/>
+              </a:ext>
+            </a:extLst>
+          </a:blip>
+          <a:srcRect/>
+          <a:stretch>
+            <a:fillRect/>
+          </a:stretch>
+        </p:blipFill>
+        <p:spPr bwMode="auto">
+          <a:xfrm rot="3806959">
+            <a:off x="9313537" y="4363562"/>
+            <a:ext cx="1500153" cy="1755802"/>
+          </a:xfrm>
+          <a:prstGeom prst="rect">
+            <a:avLst/>
+          </a:prstGeom>
+          <a:noFill/>
+          <a:extLst>
+            <a:ext uri="{909E8E84-426E-40DD-AFC4-6F175D3DCCD1}">
+              <a14:hiddenFill xmlns:a14="http://schemas.microsoft.com/office/drawing/2010/main">
+                <a:solidFill>
+                  <a:srgbClr val="FFFFFF"/>
+                </a:solidFill>
+              </a14:hiddenFill>
+            </a:ext>
+          </a:extLst>
+        </p:spPr>
+      </p:pic>
+      <p:pic>
+        <p:nvPicPr>
+          <p:cNvPr id="20" name="Picture 2" descr="ねずみのキャラクター | かわいいフリー素材集 いらすとや">
+            <a:extLst>
+              <a:ext uri="{FF2B5EF4-FFF2-40B4-BE49-F238E27FC236}">
+                <a16:creationId xmlns:a16="http://schemas.microsoft.com/office/drawing/2014/main" id="{BB2346C7-80FD-59D7-8C99-4C8DFD7D7A65}"/>
+              </a:ext>
+            </a:extLst>
+          </p:cNvPr>
+          <p:cNvPicPr>
+            <a:picLocks noChangeAspect="1" noChangeArrowheads="1"/>
+          </p:cNvPicPr>
+          <p:nvPr/>
+        </p:nvPicPr>
+        <p:blipFill>
+          <a:blip r:embed="rId4">
+            <a:extLst>
+              <a:ext uri="{28A0092B-C50C-407E-A947-70E740481C1C}">
+                <a14:useLocalDpi xmlns:a14="http://schemas.microsoft.com/office/drawing/2010/main" val="0"/>
+              </a:ext>
+            </a:extLst>
+          </a:blip>
+          <a:srcRect/>
+          <a:stretch>
+            <a:fillRect/>
+          </a:stretch>
+        </p:blipFill>
+        <p:spPr bwMode="auto">
+          <a:xfrm rot="3806959">
+            <a:off x="8755353" y="4204462"/>
+            <a:ext cx="1500153" cy="1755802"/>
+          </a:xfrm>
+          <a:prstGeom prst="rect">
+            <a:avLst/>
+          </a:prstGeom>
+          <a:noFill/>
+          <a:extLst>
+            <a:ext uri="{909E8E84-426E-40DD-AFC4-6F175D3DCCD1}">
+              <a14:hiddenFill xmlns:a14="http://schemas.microsoft.com/office/drawing/2010/main">
+                <a:solidFill>
+                  <a:srgbClr val="FFFFFF"/>
+                </a:solidFill>
+              </a14:hiddenFill>
+            </a:ext>
+          </a:extLst>
+        </p:spPr>
+      </p:pic>
+      <p:pic>
+        <p:nvPicPr>
+          <p:cNvPr id="16" name="Picture 12" descr="東京タワーのイラスト | かわいいフリー素材集 いらすとや">
+            <a:extLst>
+              <a:ext uri="{FF2B5EF4-FFF2-40B4-BE49-F238E27FC236}">
+                <a16:creationId xmlns:a16="http://schemas.microsoft.com/office/drawing/2014/main" id="{665C3337-F925-BFC6-F74B-0552B2352C24}"/>
+              </a:ext>
+            </a:extLst>
+          </p:cNvPr>
+          <p:cNvPicPr>
+            <a:picLocks noChangeAspect="1" noChangeArrowheads="1"/>
+          </p:cNvPicPr>
+          <p:nvPr/>
+        </p:nvPicPr>
+        <p:blipFill>
+          <a:blip r:embed="rId7">
+            <a:extLst>
+              <a:ext uri="{28A0092B-C50C-407E-A947-70E740481C1C}">
+                <a14:useLocalDpi xmlns:a14="http://schemas.microsoft.com/office/drawing/2010/main" val="0"/>
+              </a:ext>
+            </a:extLst>
+          </a:blip>
+          <a:srcRect/>
+          <a:stretch>
+            <a:fillRect/>
+          </a:stretch>
+        </p:blipFill>
+        <p:spPr bwMode="auto">
+          <a:xfrm>
+            <a:off x="1079242" y="3973938"/>
+            <a:ext cx="1156942" cy="1609659"/>
           </a:xfrm>
           <a:prstGeom prst="rect">
             <a:avLst/>
@@ -4790,7 +4842,7 @@
         </p:nvSpPr>
         <p:spPr>
           <a:xfrm>
-            <a:off x="5388114" y="285463"/>
+            <a:off x="5388114" y="497029"/>
             <a:ext cx="1415772" cy="830997"/>
           </a:xfrm>
           <a:prstGeom prst="rect">
@@ -7197,10 +7249,10 @@
       </p:grpSpPr>
       <p:pic>
         <p:nvPicPr>
-          <p:cNvPr id="43" name="図 42" descr="図形, 四角形&#10;&#10;自動的に生成された説明">
-            <a:extLst>
-              <a:ext uri="{FF2B5EF4-FFF2-40B4-BE49-F238E27FC236}">
-                <a16:creationId xmlns:a16="http://schemas.microsoft.com/office/drawing/2014/main" id="{C85B9848-9C0A-43FA-8888-C9A026DB3E56}"/>
+          <p:cNvPr id="6" name="図 5" descr="図形, 四角形&#10;&#10;自動的に生成された説明">
+            <a:extLst>
+              <a:ext uri="{FF2B5EF4-FFF2-40B4-BE49-F238E27FC236}">
+                <a16:creationId xmlns:a16="http://schemas.microsoft.com/office/drawing/2014/main" id="{33D55B0D-0C2B-4CD7-4BB9-00ED27A3368E}"/>
               </a:ext>
             </a:extLst>
           </p:cNvPr>
@@ -7233,10 +7285,244 @@
       </p:pic>
       <p:sp>
         <p:nvSpPr>
-          <p:cNvPr id="3" name="楕円 2">
-            <a:extLst>
-              <a:ext uri="{FF2B5EF4-FFF2-40B4-BE49-F238E27FC236}">
-                <a16:creationId xmlns:a16="http://schemas.microsoft.com/office/drawing/2014/main" id="{97F7ABA8-6B94-4BFA-9B20-4C3D39556A7F}"/>
+          <p:cNvPr id="5" name="テキスト ボックス 4">
+            <a:extLst>
+              <a:ext uri="{FF2B5EF4-FFF2-40B4-BE49-F238E27FC236}">
+                <a16:creationId xmlns:a16="http://schemas.microsoft.com/office/drawing/2014/main" id="{7D3348D7-A740-1F3F-C2EA-FC3825DC6962}"/>
+              </a:ext>
+            </a:extLst>
+          </p:cNvPr>
+          <p:cNvSpPr txBox="1"/>
+          <p:nvPr/>
+        </p:nvSpPr>
+        <p:spPr>
+          <a:xfrm>
+            <a:off x="1171055" y="1613816"/>
+            <a:ext cx="4324696" cy="1938992"/>
+          </a:xfrm>
+          <a:prstGeom prst="rect">
+            <a:avLst/>
+          </a:prstGeom>
+          <a:noFill/>
+        </p:spPr>
+        <p:txBody>
+          <a:bodyPr wrap="square">
+            <a:spAutoFit/>
+          </a:bodyPr>
+          <a:lstStyle/>
+          <a:p>
+            <a:r>
+              <a:rPr lang="ja-JP" altLang="en-US" sz="4000" dirty="0">
+                <a:solidFill>
+                  <a:schemeClr val="accent4"/>
+                </a:solidFill>
+                <a:latin typeface="せのびゴシック Bold" panose="02000600000000000000" pitchFamily="2" charset="-128"/>
+                <a:ea typeface="せのびゴシック Bold" panose="02000600000000000000" pitchFamily="2" charset="-128"/>
+              </a:rPr>
+              <a:t>障害物</a:t>
+            </a:r>
+            <a:r>
+              <a:rPr lang="ja-JP" altLang="en-US" sz="4000" dirty="0">
+                <a:latin typeface="せのびゴシック Bold" panose="02000600000000000000" pitchFamily="2" charset="-128"/>
+                <a:ea typeface="せのびゴシック Bold" panose="02000600000000000000" pitchFamily="2" charset="-128"/>
+              </a:rPr>
+              <a:t>　動物大砲</a:t>
+            </a:r>
+            <a:endParaRPr lang="en-US" altLang="ja-JP" sz="4000" dirty="0">
+              <a:solidFill>
+                <a:srgbClr val="FF0000"/>
+              </a:solidFill>
+              <a:latin typeface="せのびゴシック Bold" panose="02000600000000000000" pitchFamily="2" charset="-128"/>
+              <a:ea typeface="せのびゴシック Bold" panose="02000600000000000000" pitchFamily="2" charset="-128"/>
+            </a:endParaRPr>
+          </a:p>
+          <a:p>
+            <a:r>
+              <a:rPr lang="ja-JP" altLang="en-US" sz="4000" dirty="0">
+                <a:solidFill>
+                  <a:srgbClr val="FF0000"/>
+                </a:solidFill>
+                <a:latin typeface="せのびゴシック Bold" panose="02000600000000000000" pitchFamily="2" charset="-128"/>
+                <a:ea typeface="せのびゴシック Bold" panose="02000600000000000000" pitchFamily="2" charset="-128"/>
+              </a:rPr>
+              <a:t>敵</a:t>
+            </a:r>
+            <a:r>
+              <a:rPr lang="ja-JP" altLang="en-US" sz="4000" dirty="0">
+                <a:latin typeface="せのびゴシック Bold" panose="02000600000000000000" pitchFamily="2" charset="-128"/>
+                <a:ea typeface="せのびゴシック Bold" panose="02000600000000000000" pitchFamily="2" charset="-128"/>
+              </a:rPr>
+              <a:t>　　　ネズミ</a:t>
+            </a:r>
+          </a:p>
+          <a:p>
+            <a:r>
+              <a:rPr lang="ja-JP" altLang="en-US" sz="4000" dirty="0">
+                <a:solidFill>
+                  <a:schemeClr val="accent1"/>
+                </a:solidFill>
+                <a:latin typeface="せのびゴシック Bold" panose="02000600000000000000" pitchFamily="2" charset="-128"/>
+                <a:ea typeface="せのびゴシック Bold" panose="02000600000000000000" pitchFamily="2" charset="-128"/>
+              </a:rPr>
+              <a:t>タワー</a:t>
+            </a:r>
+            <a:r>
+              <a:rPr lang="ja-JP" altLang="en-US" sz="4000" dirty="0">
+                <a:latin typeface="せのびゴシック Bold" panose="02000600000000000000" pitchFamily="2" charset="-128"/>
+                <a:ea typeface="せのびゴシック Bold" panose="02000600000000000000" pitchFamily="2" charset="-128"/>
+              </a:rPr>
+              <a:t>　チーズ</a:t>
+            </a:r>
+          </a:p>
+        </p:txBody>
+      </p:sp>
+      <p:pic>
+        <p:nvPicPr>
+          <p:cNvPr id="1026" name="Picture 2" descr="ねずみのキャラクター | かわいいフリー素材集 いらすとや">
+            <a:extLst>
+              <a:ext uri="{FF2B5EF4-FFF2-40B4-BE49-F238E27FC236}">
+                <a16:creationId xmlns:a16="http://schemas.microsoft.com/office/drawing/2014/main" id="{9E2C4416-CC88-2FE8-9D63-C40B893E5CB3}"/>
+              </a:ext>
+            </a:extLst>
+          </p:cNvPr>
+          <p:cNvPicPr>
+            <a:picLocks noChangeAspect="1" noChangeArrowheads="1"/>
+          </p:cNvPicPr>
+          <p:nvPr/>
+        </p:nvPicPr>
+        <p:blipFill>
+          <a:blip r:embed="rId3">
+            <a:extLst>
+              <a:ext uri="{28A0092B-C50C-407E-A947-70E740481C1C}">
+                <a14:useLocalDpi xmlns:a14="http://schemas.microsoft.com/office/drawing/2010/main" val="0"/>
+              </a:ext>
+            </a:extLst>
+          </a:blip>
+          <a:srcRect/>
+          <a:stretch>
+            <a:fillRect/>
+          </a:stretch>
+        </p:blipFill>
+        <p:spPr bwMode="auto">
+          <a:xfrm>
+            <a:off x="5210154" y="1267594"/>
+            <a:ext cx="2027058" cy="2372499"/>
+          </a:xfrm>
+          <a:prstGeom prst="rect">
+            <a:avLst/>
+          </a:prstGeom>
+          <a:noFill/>
+          <a:extLst>
+            <a:ext uri="{909E8E84-426E-40DD-AFC4-6F175D3DCCD1}">
+              <a14:hiddenFill xmlns:a14="http://schemas.microsoft.com/office/drawing/2010/main">
+                <a:solidFill>
+                  <a:srgbClr val="FFFFFF"/>
+                </a:solidFill>
+              </a14:hiddenFill>
+            </a:ext>
+          </a:extLst>
+        </p:spPr>
+      </p:pic>
+      <p:pic>
+        <p:nvPicPr>
+          <p:cNvPr id="1028" name="Picture 4" descr="猫のキャラクター | かわいいフリー素材集 いらすとや">
+            <a:extLst>
+              <a:ext uri="{FF2B5EF4-FFF2-40B4-BE49-F238E27FC236}">
+                <a16:creationId xmlns:a16="http://schemas.microsoft.com/office/drawing/2014/main" id="{A84805BA-7450-DE23-8C00-54FDB4F7B3A1}"/>
+              </a:ext>
+            </a:extLst>
+          </p:cNvPr>
+          <p:cNvPicPr>
+            <a:picLocks noChangeAspect="1" noChangeArrowheads="1"/>
+          </p:cNvPicPr>
+          <p:nvPr/>
+        </p:nvPicPr>
+        <p:blipFill>
+          <a:blip r:embed="rId4">
+            <a:extLst>
+              <a:ext uri="{28A0092B-C50C-407E-A947-70E740481C1C}">
+                <a14:useLocalDpi xmlns:a14="http://schemas.microsoft.com/office/drawing/2010/main" val="0"/>
+              </a:ext>
+            </a:extLst>
+          </a:blip>
+          <a:srcRect/>
+          <a:stretch>
+            <a:fillRect/>
+          </a:stretch>
+        </p:blipFill>
+        <p:spPr bwMode="auto">
+          <a:xfrm>
+            <a:off x="7237212" y="1429789"/>
+            <a:ext cx="1824622" cy="2156007"/>
+          </a:xfrm>
+          <a:prstGeom prst="rect">
+            <a:avLst/>
+          </a:prstGeom>
+          <a:noFill/>
+          <a:extLst>
+            <a:ext uri="{909E8E84-426E-40DD-AFC4-6F175D3DCCD1}">
+              <a14:hiddenFill xmlns:a14="http://schemas.microsoft.com/office/drawing/2010/main">
+                <a:solidFill>
+                  <a:srgbClr val="FFFFFF"/>
+                </a:solidFill>
+              </a14:hiddenFill>
+            </a:ext>
+          </a:extLst>
+        </p:spPr>
+      </p:pic>
+      <p:pic>
+        <p:nvPicPr>
+          <p:cNvPr id="1030" name="Picture 6" descr="チーズのイラスト（薫製） | かわいいフリー素材集 いらすとや">
+            <a:extLst>
+              <a:ext uri="{FF2B5EF4-FFF2-40B4-BE49-F238E27FC236}">
+                <a16:creationId xmlns:a16="http://schemas.microsoft.com/office/drawing/2014/main" id="{5549CDCC-A11A-E592-0668-87DF9A5FB8E0}"/>
+              </a:ext>
+            </a:extLst>
+          </p:cNvPr>
+          <p:cNvPicPr>
+            <a:picLocks noChangeAspect="1" noChangeArrowheads="1"/>
+          </p:cNvPicPr>
+          <p:nvPr/>
+        </p:nvPicPr>
+        <p:blipFill>
+          <a:blip r:embed="rId5">
+            <a:extLst>
+              <a:ext uri="{28A0092B-C50C-407E-A947-70E740481C1C}">
+                <a14:useLocalDpi xmlns:a14="http://schemas.microsoft.com/office/drawing/2010/main" val="0"/>
+              </a:ext>
+            </a:extLst>
+          </a:blip>
+          <a:srcRect/>
+          <a:stretch>
+            <a:fillRect/>
+          </a:stretch>
+        </p:blipFill>
+        <p:spPr bwMode="auto">
+          <a:xfrm>
+            <a:off x="9179834" y="2323857"/>
+            <a:ext cx="1824622" cy="1316236"/>
+          </a:xfrm>
+          <a:prstGeom prst="rect">
+            <a:avLst/>
+          </a:prstGeom>
+          <a:noFill/>
+          <a:extLst>
+            <a:ext uri="{909E8E84-426E-40DD-AFC4-6F175D3DCCD1}">
+              <a14:hiddenFill xmlns:a14="http://schemas.microsoft.com/office/drawing/2010/main">
+                <a:solidFill>
+                  <a:srgbClr val="FFFFFF"/>
+                </a:solidFill>
+              </a14:hiddenFill>
+            </a:ext>
+          </a:extLst>
+        </p:spPr>
+      </p:pic>
+      <p:sp>
+        <p:nvSpPr>
+          <p:cNvPr id="9" name="正方形/長方形 8">
+            <a:extLst>
+              <a:ext uri="{FF2B5EF4-FFF2-40B4-BE49-F238E27FC236}">
+                <a16:creationId xmlns:a16="http://schemas.microsoft.com/office/drawing/2014/main" id="{7270E11A-1A01-59E2-0907-81D18D437A1D}"/>
               </a:ext>
             </a:extLst>
           </p:cNvPr>
@@ -7245,22 +7531,23 @@
         </p:nvSpPr>
         <p:spPr>
           <a:xfrm>
-            <a:off x="7225263" y="2299651"/>
-            <a:ext cx="778841" cy="585217"/>
-          </a:xfrm>
-          <a:prstGeom prst="ellipse">
+            <a:off x="1171055" y="3863734"/>
+            <a:ext cx="9981854" cy="2372499"/>
+          </a:xfrm>
+          <a:prstGeom prst="rect">
             <a:avLst/>
           </a:prstGeom>
           <a:solidFill>
-            <a:schemeClr val="bg1">
-              <a:lumMod val="75000"/>
+            <a:schemeClr val="accent1">
+              <a:lumMod val="20000"/>
+              <a:lumOff val="80000"/>
             </a:schemeClr>
           </a:solidFill>
         </p:spPr>
         <p:style>
           <a:lnRef idx="2">
             <a:schemeClr val="accent1">
-              <a:shade val="50000"/>
+              <a:shade val="15000"/>
             </a:schemeClr>
           </a:lnRef>
           <a:fillRef idx="1">
@@ -7278,22 +7565,16 @@
           <a:lstStyle/>
           <a:p>
             <a:pPr algn="ctr"/>
-            <a:endParaRPr kumimoji="1" lang="ja-JP" altLang="en-US">
-              <a:solidFill>
-                <a:schemeClr val="bg1">
-                  <a:lumMod val="50000"/>
-                </a:schemeClr>
-              </a:solidFill>
-            </a:endParaRPr>
-          </a:p>
-        </p:txBody>
-      </p:sp>
-      <p:sp>
-        <p:nvSpPr>
-          <p:cNvPr id="4" name="テキスト ボックス 3">
-            <a:extLst>
-              <a:ext uri="{FF2B5EF4-FFF2-40B4-BE49-F238E27FC236}">
-                <a16:creationId xmlns:a16="http://schemas.microsoft.com/office/drawing/2014/main" id="{F7A31392-2204-AF7B-5DA6-A4A48AE5EE50}"/>
+            <a:endParaRPr kumimoji="1" lang="ja-JP" altLang="en-US"/>
+          </a:p>
+        </p:txBody>
+      </p:sp>
+      <p:sp>
+        <p:nvSpPr>
+          <p:cNvPr id="7" name="テキスト ボックス 6">
+            <a:extLst>
+              <a:ext uri="{FF2B5EF4-FFF2-40B4-BE49-F238E27FC236}">
+                <a16:creationId xmlns:a16="http://schemas.microsoft.com/office/drawing/2014/main" id="{02F871E7-2015-5993-283E-D8689A9F8687}"/>
               </a:ext>
             </a:extLst>
           </p:cNvPr>
@@ -7302,1957 +7583,181 @@
         </p:nvSpPr>
         <p:spPr>
           <a:xfrm>
-            <a:off x="4464784" y="302089"/>
-            <a:ext cx="3262432" cy="830997"/>
-          </a:xfrm>
-          <a:prstGeom prst="rect">
-            <a:avLst/>
-          </a:prstGeom>
-          <a:noFill/>
-        </p:spPr>
-        <p:txBody>
-          <a:bodyPr wrap="none" rtlCol="0">
+            <a:off x="1171055" y="3965172"/>
+            <a:ext cx="9849890" cy="707886"/>
+          </a:xfrm>
+          <a:prstGeom prst="rect">
+            <a:avLst/>
+          </a:prstGeom>
+          <a:noFill/>
+        </p:spPr>
+        <p:txBody>
+          <a:bodyPr wrap="square">
             <a:spAutoFit/>
           </a:bodyPr>
           <a:lstStyle/>
           <a:p>
             <a:r>
-              <a:rPr kumimoji="1" lang="ja-JP" altLang="en-US" sz="4800" dirty="0">
-                <a:latin typeface="せのびゴシック Bold" panose="02000600000000000000" pitchFamily="2" charset="-128"/>
-                <a:ea typeface="せのびゴシック Bold" panose="02000600000000000000" pitchFamily="2" charset="-128"/>
-              </a:rPr>
-              <a:t>プレイ内容</a:t>
-            </a:r>
-          </a:p>
-        </p:txBody>
-      </p:sp>
-      <p:sp>
-        <p:nvSpPr>
-          <p:cNvPr id="5" name="テキスト ボックス 4">
-            <a:extLst>
-              <a:ext uri="{FF2B5EF4-FFF2-40B4-BE49-F238E27FC236}">
-                <a16:creationId xmlns:a16="http://schemas.microsoft.com/office/drawing/2014/main" id="{F9107647-A6D3-3B45-AD5E-5E97A1785069}"/>
-              </a:ext>
-            </a:extLst>
-          </p:cNvPr>
-          <p:cNvSpPr txBox="1"/>
-          <p:nvPr/>
-        </p:nvSpPr>
-        <p:spPr>
-          <a:xfrm>
-            <a:off x="525244" y="1346111"/>
-            <a:ext cx="8135560" cy="400110"/>
-          </a:xfrm>
-          <a:prstGeom prst="rect">
-            <a:avLst/>
-          </a:prstGeom>
-          <a:noFill/>
-        </p:spPr>
-        <p:txBody>
-          <a:bodyPr wrap="none" rtlCol="0">
-            <a:spAutoFit/>
-          </a:bodyPr>
-          <a:lstStyle/>
-          <a:p>
-            <a:r>
-              <a:rPr kumimoji="1" lang="ja-JP" altLang="en-US" sz="2000" dirty="0">
+              <a:rPr lang="ja-JP" altLang="en-US" sz="4000" dirty="0">
                 <a:solidFill>
-                  <a:srgbClr val="FF0000"/>
+                  <a:srgbClr val="C00000"/>
                 </a:solidFill>
                 <a:latin typeface="せのびゴシック Bold" panose="02000600000000000000" pitchFamily="2" charset="-128"/>
                 <a:ea typeface="せのびゴシック Bold" panose="02000600000000000000" pitchFamily="2" charset="-128"/>
               </a:rPr>
-              <a:t>敵</a:t>
-            </a:r>
-            <a:r>
-              <a:rPr kumimoji="1" lang="ja-JP" altLang="en-US" sz="2000" dirty="0">
+              <a:t>ネズミ</a:t>
+            </a:r>
+            <a:r>
+              <a:rPr lang="ja-JP" altLang="en-US" sz="4000" dirty="0">
                 <a:latin typeface="せのびゴシック Bold" panose="02000600000000000000" pitchFamily="2" charset="-128"/>
                 <a:ea typeface="せのびゴシック Bold" panose="02000600000000000000" pitchFamily="2" charset="-128"/>
               </a:rPr>
-              <a:t>が</a:t>
-            </a:r>
-            <a:r>
-              <a:rPr kumimoji="1" lang="ja-JP" altLang="en-US" sz="2000" dirty="0">
+              <a:t>は</a:t>
+            </a:r>
+            <a:r>
+              <a:rPr lang="ja-JP" altLang="en-US" sz="4000" dirty="0">
+                <a:solidFill>
+                  <a:schemeClr val="accent1"/>
+                </a:solidFill>
+                <a:latin typeface="せのびゴシック Bold" panose="02000600000000000000" pitchFamily="2" charset="-128"/>
+                <a:ea typeface="せのびゴシック Bold" panose="02000600000000000000" pitchFamily="2" charset="-128"/>
+              </a:rPr>
+              <a:t>チーズ</a:t>
+            </a:r>
+            <a:r>
+              <a:rPr lang="ja-JP" altLang="en-US" sz="4000" dirty="0">
+                <a:latin typeface="せのびゴシック Bold" panose="02000600000000000000" pitchFamily="2" charset="-128"/>
+                <a:ea typeface="せのびゴシック Bold" panose="02000600000000000000" pitchFamily="2" charset="-128"/>
+              </a:rPr>
+              <a:t>を奪いに来る！！！</a:t>
+            </a:r>
+          </a:p>
+        </p:txBody>
+      </p:sp>
+      <p:sp>
+        <p:nvSpPr>
+          <p:cNvPr id="8" name="テキスト ボックス 7">
+            <a:extLst>
+              <a:ext uri="{FF2B5EF4-FFF2-40B4-BE49-F238E27FC236}">
+                <a16:creationId xmlns:a16="http://schemas.microsoft.com/office/drawing/2014/main" id="{7965A67A-4D0D-07A9-E2C6-8495520E7F39}"/>
+              </a:ext>
+            </a:extLst>
+          </p:cNvPr>
+          <p:cNvSpPr txBox="1"/>
+          <p:nvPr/>
+        </p:nvSpPr>
+        <p:spPr>
+          <a:xfrm>
+            <a:off x="1171055" y="4689153"/>
+            <a:ext cx="9849890" cy="1323439"/>
+          </a:xfrm>
+          <a:prstGeom prst="rect">
+            <a:avLst/>
+          </a:prstGeom>
+          <a:noFill/>
+        </p:spPr>
+        <p:txBody>
+          <a:bodyPr wrap="square">
+            <a:spAutoFit/>
+          </a:bodyPr>
+          <a:lstStyle/>
+          <a:p>
+            <a:r>
+              <a:rPr lang="ja-JP" altLang="en-US" sz="4000" dirty="0">
                 <a:solidFill>
                   <a:schemeClr val="accent4"/>
                 </a:solidFill>
                 <a:latin typeface="せのびゴシック Bold" panose="02000600000000000000" pitchFamily="2" charset="-128"/>
                 <a:ea typeface="せのびゴシック Bold" panose="02000600000000000000" pitchFamily="2" charset="-128"/>
               </a:rPr>
-              <a:t>通る道</a:t>
-            </a:r>
-            <a:r>
-              <a:rPr kumimoji="1" lang="ja-JP" altLang="en-US" sz="2000" dirty="0">
+              <a:t>動物大砲</a:t>
+            </a:r>
+            <a:r>
+              <a:rPr lang="ja-JP" altLang="en-US" sz="4000" dirty="0">
                 <a:latin typeface="せのびゴシック Bold" panose="02000600000000000000" pitchFamily="2" charset="-128"/>
                 <a:ea typeface="せのびゴシック Bold" panose="02000600000000000000" pitchFamily="2" charset="-128"/>
               </a:rPr>
-              <a:t>の周りに</a:t>
-            </a:r>
-            <a:r>
-              <a:rPr kumimoji="1" lang="ja-JP" altLang="en-US" sz="2000" dirty="0">
+              <a:t>は</a:t>
+            </a:r>
+            <a:r>
+              <a:rPr lang="ja-JP" altLang="en-US" sz="4000" dirty="0">
                 <a:solidFill>
-                  <a:schemeClr val="accent2"/>
+                  <a:srgbClr val="C00000"/>
                 </a:solidFill>
                 <a:latin typeface="せのびゴシック Bold" panose="02000600000000000000" pitchFamily="2" charset="-128"/>
                 <a:ea typeface="せのびゴシック Bold" panose="02000600000000000000" pitchFamily="2" charset="-128"/>
               </a:rPr>
-              <a:t>障害物</a:t>
-            </a:r>
-            <a:r>
-              <a:rPr kumimoji="1" lang="ja-JP" altLang="en-US" sz="2000" dirty="0">
+              <a:t>ネズミ</a:t>
+            </a:r>
+            <a:r>
+              <a:rPr lang="ja-JP" altLang="en-US" sz="4000" dirty="0">
                 <a:latin typeface="せのびゴシック Bold" panose="02000600000000000000" pitchFamily="2" charset="-128"/>
                 <a:ea typeface="せのびゴシック Bold" panose="02000600000000000000" pitchFamily="2" charset="-128"/>
               </a:rPr>
-              <a:t>を置き</a:t>
-            </a:r>
-            <a:r>
-              <a:rPr kumimoji="1" lang="ja-JP" altLang="en-US" sz="2000" dirty="0">
+              <a:t>に向け発射して</a:t>
+            </a:r>
+            <a:r>
+              <a:rPr lang="ja-JP" altLang="en-US" sz="4000" dirty="0">
                 <a:solidFill>
-                  <a:srgbClr val="FF0000"/>
+                  <a:srgbClr val="C00000"/>
                 </a:solidFill>
                 <a:latin typeface="せのびゴシック Bold" panose="02000600000000000000" pitchFamily="2" charset="-128"/>
                 <a:ea typeface="せのびゴシック Bold" panose="02000600000000000000" pitchFamily="2" charset="-128"/>
               </a:rPr>
-              <a:t>敵</a:t>
-            </a:r>
-            <a:r>
-              <a:rPr kumimoji="1" lang="ja-JP" altLang="en-US" sz="2000" dirty="0">
+              <a:t>ネズミ</a:t>
+            </a:r>
+            <a:r>
+              <a:rPr lang="ja-JP" altLang="en-US" sz="4000" dirty="0">
                 <a:latin typeface="せのびゴシック Bold" panose="02000600000000000000" pitchFamily="2" charset="-128"/>
                 <a:ea typeface="せのびゴシック Bold" panose="02000600000000000000" pitchFamily="2" charset="-128"/>
               </a:rPr>
-              <a:t>に</a:t>
-            </a:r>
-            <a:r>
-              <a:rPr kumimoji="1" lang="ja-JP" altLang="en-US" sz="2000" dirty="0">
-                <a:solidFill>
-                  <a:schemeClr val="accent1"/>
-                </a:solidFill>
+              <a:t>を食い殺す</a:t>
+            </a:r>
+          </a:p>
+        </p:txBody>
+      </p:sp>
+      <p:sp>
+        <p:nvSpPr>
+          <p:cNvPr id="10" name="テキスト ボックス 9">
+            <a:extLst>
+              <a:ext uri="{FF2B5EF4-FFF2-40B4-BE49-F238E27FC236}">
+                <a16:creationId xmlns:a16="http://schemas.microsoft.com/office/drawing/2014/main" id="{08E277C6-9975-0493-0986-69A1C558B980}"/>
+              </a:ext>
+            </a:extLst>
+          </p:cNvPr>
+          <p:cNvSpPr txBox="1"/>
+          <p:nvPr/>
+        </p:nvSpPr>
+        <p:spPr>
+          <a:xfrm>
+            <a:off x="4592467" y="511507"/>
+            <a:ext cx="3262432" cy="830997"/>
+          </a:xfrm>
+          <a:prstGeom prst="rect">
+            <a:avLst/>
+          </a:prstGeom>
+          <a:noFill/>
+        </p:spPr>
+        <p:txBody>
+          <a:bodyPr wrap="none" rtlCol="0">
+            <a:spAutoFit/>
+          </a:bodyPr>
+          <a:lstStyle/>
+          <a:p>
+            <a:r>
+              <a:rPr kumimoji="1" lang="ja-JP" altLang="en-US" sz="4800" dirty="0">
                 <a:latin typeface="せのびゴシック Bold" panose="02000600000000000000" pitchFamily="2" charset="-128"/>
                 <a:ea typeface="せのびゴシック Bold" panose="02000600000000000000" pitchFamily="2" charset="-128"/>
               </a:rPr>
-              <a:t>タワー</a:t>
-            </a:r>
-            <a:r>
-              <a:rPr kumimoji="1" lang="ja-JP" altLang="en-US" sz="2000" dirty="0">
-                <a:latin typeface="せのびゴシック Bold" panose="02000600000000000000" pitchFamily="2" charset="-128"/>
-                <a:ea typeface="せのびゴシック Bold" panose="02000600000000000000" pitchFamily="2" charset="-128"/>
-              </a:rPr>
-              <a:t>を壊されないようにする</a:t>
-            </a:r>
-          </a:p>
-        </p:txBody>
-      </p:sp>
-      <p:sp>
-        <p:nvSpPr>
-          <p:cNvPr id="6" name="正方形/長方形 5">
-            <a:extLst>
-              <a:ext uri="{FF2B5EF4-FFF2-40B4-BE49-F238E27FC236}">
-                <a16:creationId xmlns:a16="http://schemas.microsoft.com/office/drawing/2014/main" id="{84BFE7F8-66C7-B5A6-81D6-AEAD77CA8BD7}"/>
-              </a:ext>
-            </a:extLst>
-          </p:cNvPr>
-          <p:cNvSpPr/>
-          <p:nvPr/>
-        </p:nvSpPr>
-        <p:spPr>
-          <a:xfrm>
-            <a:off x="7016091" y="5307368"/>
-            <a:ext cx="4314305" cy="861603"/>
-          </a:xfrm>
-          <a:prstGeom prst="rect">
-            <a:avLst/>
-          </a:prstGeom>
-        </p:spPr>
-        <p:style>
-          <a:lnRef idx="2">
-            <a:schemeClr val="accent4">
-              <a:shade val="15000"/>
-            </a:schemeClr>
-          </a:lnRef>
-          <a:fillRef idx="1">
-            <a:schemeClr val="accent4"/>
-          </a:fillRef>
-          <a:effectRef idx="0">
-            <a:schemeClr val="accent4"/>
-          </a:effectRef>
-          <a:fontRef idx="minor">
-            <a:schemeClr val="lt1"/>
-          </a:fontRef>
-        </p:style>
-        <p:txBody>
-          <a:bodyPr rtlCol="0" anchor="ctr"/>
-          <a:lstStyle/>
-          <a:p>
-            <a:pPr algn="ctr"/>
-            <a:endParaRPr kumimoji="1" lang="ja-JP" altLang="en-US"/>
-          </a:p>
-        </p:txBody>
-      </p:sp>
-      <p:sp>
-        <p:nvSpPr>
-          <p:cNvPr id="7" name="正方形/長方形 6">
-            <a:extLst>
-              <a:ext uri="{FF2B5EF4-FFF2-40B4-BE49-F238E27FC236}">
-                <a16:creationId xmlns:a16="http://schemas.microsoft.com/office/drawing/2014/main" id="{C11B489F-65C6-28EE-0AEE-617003CA8C43}"/>
-              </a:ext>
-            </a:extLst>
-          </p:cNvPr>
-          <p:cNvSpPr/>
-          <p:nvPr/>
-        </p:nvSpPr>
-        <p:spPr>
-          <a:xfrm rot="5400000">
-            <a:off x="6359311" y="3793450"/>
-            <a:ext cx="2175164" cy="861603"/>
-          </a:xfrm>
-          <a:prstGeom prst="rect">
-            <a:avLst/>
-          </a:prstGeom>
-        </p:spPr>
-        <p:style>
-          <a:lnRef idx="2">
-            <a:schemeClr val="accent4">
-              <a:shade val="15000"/>
-            </a:schemeClr>
-          </a:lnRef>
-          <a:fillRef idx="1">
-            <a:schemeClr val="accent4"/>
-          </a:fillRef>
-          <a:effectRef idx="0">
-            <a:schemeClr val="accent4"/>
-          </a:effectRef>
-          <a:fontRef idx="minor">
-            <a:schemeClr val="lt1"/>
-          </a:fontRef>
-        </p:style>
-        <p:txBody>
-          <a:bodyPr rtlCol="0" anchor="ctr"/>
-          <a:lstStyle/>
-          <a:p>
-            <a:pPr algn="ctr"/>
-            <a:endParaRPr kumimoji="1" lang="ja-JP" altLang="en-US"/>
-          </a:p>
-        </p:txBody>
-      </p:sp>
-      <p:sp>
-        <p:nvSpPr>
-          <p:cNvPr id="8" name="正方形/長方形 7">
-            <a:extLst>
-              <a:ext uri="{FF2B5EF4-FFF2-40B4-BE49-F238E27FC236}">
-                <a16:creationId xmlns:a16="http://schemas.microsoft.com/office/drawing/2014/main" id="{EF70C494-98B5-AEE6-7B01-6C1A76307D6F}"/>
-              </a:ext>
-            </a:extLst>
-          </p:cNvPr>
-          <p:cNvSpPr/>
-          <p:nvPr/>
-        </p:nvSpPr>
-        <p:spPr>
-          <a:xfrm>
-            <a:off x="4123113" y="3136669"/>
-            <a:ext cx="2892978" cy="861603"/>
-          </a:xfrm>
-          <a:prstGeom prst="rect">
-            <a:avLst/>
-          </a:prstGeom>
-        </p:spPr>
-        <p:style>
-          <a:lnRef idx="2">
-            <a:schemeClr val="accent4">
-              <a:shade val="15000"/>
-            </a:schemeClr>
-          </a:lnRef>
-          <a:fillRef idx="1">
-            <a:schemeClr val="accent4"/>
-          </a:fillRef>
-          <a:effectRef idx="0">
-            <a:schemeClr val="accent4"/>
-          </a:effectRef>
-          <a:fontRef idx="minor">
-            <a:schemeClr val="lt1"/>
-          </a:fontRef>
-        </p:style>
-        <p:txBody>
-          <a:bodyPr rtlCol="0" anchor="ctr"/>
-          <a:lstStyle/>
-          <a:p>
-            <a:pPr algn="ctr"/>
-            <a:endParaRPr kumimoji="1" lang="ja-JP" altLang="en-US"/>
-          </a:p>
-        </p:txBody>
-      </p:sp>
-      <p:sp>
-        <p:nvSpPr>
-          <p:cNvPr id="9" name="正方形/長方形 8">
-            <a:extLst>
-              <a:ext uri="{FF2B5EF4-FFF2-40B4-BE49-F238E27FC236}">
-                <a16:creationId xmlns:a16="http://schemas.microsoft.com/office/drawing/2014/main" id="{376AC4AA-5F2B-653D-D29B-1D9E11A48F3F}"/>
-              </a:ext>
-            </a:extLst>
-          </p:cNvPr>
-          <p:cNvSpPr/>
-          <p:nvPr/>
-        </p:nvSpPr>
-        <p:spPr>
-          <a:xfrm rot="5400000">
-            <a:off x="2248891" y="4152358"/>
-            <a:ext cx="2892978" cy="861603"/>
-          </a:xfrm>
-          <a:prstGeom prst="rect">
-            <a:avLst/>
-          </a:prstGeom>
-        </p:spPr>
-        <p:style>
-          <a:lnRef idx="2">
-            <a:schemeClr val="accent4">
-              <a:shade val="15000"/>
-            </a:schemeClr>
-          </a:lnRef>
-          <a:fillRef idx="1">
-            <a:schemeClr val="accent4"/>
-          </a:fillRef>
-          <a:effectRef idx="0">
-            <a:schemeClr val="accent4"/>
-          </a:effectRef>
-          <a:fontRef idx="minor">
-            <a:schemeClr val="lt1"/>
-          </a:fontRef>
-        </p:style>
-        <p:txBody>
-          <a:bodyPr rtlCol="0" anchor="ctr"/>
-          <a:lstStyle/>
-          <a:p>
-            <a:pPr algn="ctr"/>
-            <a:endParaRPr kumimoji="1" lang="ja-JP" altLang="en-US"/>
-          </a:p>
-        </p:txBody>
-      </p:sp>
-      <p:sp>
-        <p:nvSpPr>
-          <p:cNvPr id="10" name="正方形/長方形 9">
-            <a:extLst>
-              <a:ext uri="{FF2B5EF4-FFF2-40B4-BE49-F238E27FC236}">
-                <a16:creationId xmlns:a16="http://schemas.microsoft.com/office/drawing/2014/main" id="{1AEF0C75-ACB6-DD01-9020-F92470894EF9}"/>
-              </a:ext>
-            </a:extLst>
-          </p:cNvPr>
-          <p:cNvSpPr/>
-          <p:nvPr/>
-        </p:nvSpPr>
-        <p:spPr>
-          <a:xfrm rot="10800000">
-            <a:off x="0" y="5168045"/>
-            <a:ext cx="3264578" cy="861603"/>
-          </a:xfrm>
-          <a:prstGeom prst="rect">
-            <a:avLst/>
-          </a:prstGeom>
-        </p:spPr>
-        <p:style>
-          <a:lnRef idx="2">
-            <a:schemeClr val="accent4">
-              <a:shade val="15000"/>
-            </a:schemeClr>
-          </a:lnRef>
-          <a:fillRef idx="1">
-            <a:schemeClr val="accent4"/>
-          </a:fillRef>
-          <a:effectRef idx="0">
-            <a:schemeClr val="accent4"/>
-          </a:effectRef>
-          <a:fontRef idx="minor">
-            <a:schemeClr val="lt1"/>
-          </a:fontRef>
-        </p:style>
-        <p:txBody>
-          <a:bodyPr rtlCol="0" anchor="ctr"/>
-          <a:lstStyle/>
-          <a:p>
-            <a:pPr algn="ctr"/>
-            <a:endParaRPr kumimoji="1" lang="ja-JP" altLang="en-US"/>
-          </a:p>
-        </p:txBody>
-      </p:sp>
-      <p:sp>
-        <p:nvSpPr>
-          <p:cNvPr id="11" name="正方形/長方形 10">
-            <a:extLst>
-              <a:ext uri="{FF2B5EF4-FFF2-40B4-BE49-F238E27FC236}">
-                <a16:creationId xmlns:a16="http://schemas.microsoft.com/office/drawing/2014/main" id="{BBDD81B2-02A5-CEB8-A7A5-F50DF69AC5ED}"/>
-              </a:ext>
-            </a:extLst>
-          </p:cNvPr>
-          <p:cNvSpPr/>
-          <p:nvPr/>
-        </p:nvSpPr>
-        <p:spPr>
-          <a:xfrm>
-            <a:off x="6151418" y="5296197"/>
-            <a:ext cx="861604" cy="861603"/>
-          </a:xfrm>
-          <a:prstGeom prst="rect">
-            <a:avLst/>
-          </a:prstGeom>
-        </p:spPr>
-        <p:style>
-          <a:lnRef idx="0">
-            <a:schemeClr val="accent2"/>
-          </a:lnRef>
-          <a:fillRef idx="3">
-            <a:schemeClr val="accent2"/>
-          </a:fillRef>
-          <a:effectRef idx="3">
-            <a:schemeClr val="accent2"/>
-          </a:effectRef>
-          <a:fontRef idx="minor">
-            <a:schemeClr val="lt1"/>
-          </a:fontRef>
-        </p:style>
-        <p:txBody>
-          <a:bodyPr rtlCol="0" anchor="ctr"/>
-          <a:lstStyle/>
-          <a:p>
-            <a:pPr algn="ctr"/>
-            <a:endParaRPr kumimoji="1" lang="ja-JP" altLang="en-US"/>
-          </a:p>
-        </p:txBody>
-      </p:sp>
-      <p:sp>
-        <p:nvSpPr>
-          <p:cNvPr id="12" name="正方形/長方形 11">
-            <a:extLst>
-              <a:ext uri="{FF2B5EF4-FFF2-40B4-BE49-F238E27FC236}">
-                <a16:creationId xmlns:a16="http://schemas.microsoft.com/office/drawing/2014/main" id="{8033940C-9C61-FE66-1563-34762D76BD04}"/>
-              </a:ext>
-            </a:extLst>
-          </p:cNvPr>
-          <p:cNvSpPr/>
-          <p:nvPr/>
-        </p:nvSpPr>
-        <p:spPr>
-          <a:xfrm>
-            <a:off x="-20767" y="5168044"/>
-            <a:ext cx="861604" cy="861603"/>
-          </a:xfrm>
-          <a:prstGeom prst="rect">
-            <a:avLst/>
-          </a:prstGeom>
-        </p:spPr>
-        <p:style>
-          <a:lnRef idx="0">
-            <a:schemeClr val="accent1"/>
-          </a:lnRef>
-          <a:fillRef idx="3">
-            <a:schemeClr val="accent1"/>
-          </a:fillRef>
-          <a:effectRef idx="3">
-            <a:schemeClr val="accent1"/>
-          </a:effectRef>
-          <a:fontRef idx="minor">
-            <a:schemeClr val="lt1"/>
-          </a:fontRef>
-        </p:style>
-        <p:txBody>
-          <a:bodyPr rtlCol="0" anchor="ctr"/>
-          <a:lstStyle/>
-          <a:p>
-            <a:pPr algn="ctr"/>
-            <a:endParaRPr kumimoji="1" lang="ja-JP" altLang="en-US"/>
-          </a:p>
-        </p:txBody>
-      </p:sp>
-      <p:sp>
-        <p:nvSpPr>
-          <p:cNvPr id="13" name="正方形/長方形 12">
-            <a:extLst>
-              <a:ext uri="{FF2B5EF4-FFF2-40B4-BE49-F238E27FC236}">
-                <a16:creationId xmlns:a16="http://schemas.microsoft.com/office/drawing/2014/main" id="{A0FCCB72-451E-2692-2214-65EF9B0660FA}"/>
-              </a:ext>
-            </a:extLst>
-          </p:cNvPr>
-          <p:cNvSpPr/>
-          <p:nvPr/>
-        </p:nvSpPr>
-        <p:spPr>
-          <a:xfrm>
-            <a:off x="11338953" y="5307368"/>
-            <a:ext cx="861604" cy="861603"/>
-          </a:xfrm>
-          <a:prstGeom prst="rect">
-            <a:avLst/>
-          </a:prstGeom>
-          <a:solidFill>
-            <a:srgbClr val="C00000"/>
-          </a:solidFill>
-        </p:spPr>
-        <p:style>
-          <a:lnRef idx="0">
-            <a:schemeClr val="accent2"/>
-          </a:lnRef>
-          <a:fillRef idx="3">
-            <a:schemeClr val="accent2"/>
-          </a:fillRef>
-          <a:effectRef idx="3">
-            <a:schemeClr val="accent2"/>
-          </a:effectRef>
-          <a:fontRef idx="minor">
-            <a:schemeClr val="lt1"/>
-          </a:fontRef>
-        </p:style>
-        <p:txBody>
-          <a:bodyPr rtlCol="0" anchor="ctr"/>
-          <a:lstStyle/>
-          <a:p>
-            <a:pPr algn="ctr"/>
-            <a:endParaRPr kumimoji="1" lang="ja-JP" altLang="en-US"/>
-          </a:p>
-        </p:txBody>
-      </p:sp>
-      <p:sp>
-        <p:nvSpPr>
-          <p:cNvPr id="14" name="正方形/長方形 13">
-            <a:extLst>
-              <a:ext uri="{FF2B5EF4-FFF2-40B4-BE49-F238E27FC236}">
-                <a16:creationId xmlns:a16="http://schemas.microsoft.com/office/drawing/2014/main" id="{1CEE8855-B6A5-DC69-03DC-A0629CC3684E}"/>
-              </a:ext>
-            </a:extLst>
-          </p:cNvPr>
-          <p:cNvSpPr/>
-          <p:nvPr/>
-        </p:nvSpPr>
-        <p:spPr>
-          <a:xfrm>
-            <a:off x="6154487" y="3998271"/>
-            <a:ext cx="861604" cy="861603"/>
-          </a:xfrm>
-          <a:prstGeom prst="rect">
-            <a:avLst/>
-          </a:prstGeom>
-        </p:spPr>
-        <p:style>
-          <a:lnRef idx="0">
-            <a:schemeClr val="accent2"/>
-          </a:lnRef>
-          <a:fillRef idx="3">
-            <a:schemeClr val="accent2"/>
-          </a:fillRef>
-          <a:effectRef idx="3">
-            <a:schemeClr val="accent2"/>
-          </a:effectRef>
-          <a:fontRef idx="minor">
-            <a:schemeClr val="lt1"/>
-          </a:fontRef>
-        </p:style>
-        <p:txBody>
-          <a:bodyPr rtlCol="0" anchor="ctr"/>
-          <a:lstStyle/>
-          <a:p>
-            <a:pPr algn="ctr"/>
-            <a:endParaRPr kumimoji="1" lang="ja-JP" altLang="en-US"/>
-          </a:p>
-        </p:txBody>
-      </p:sp>
-      <p:sp>
-        <p:nvSpPr>
-          <p:cNvPr id="15" name="正方形/長方形 14">
-            <a:extLst>
-              <a:ext uri="{FF2B5EF4-FFF2-40B4-BE49-F238E27FC236}">
-                <a16:creationId xmlns:a16="http://schemas.microsoft.com/office/drawing/2014/main" id="{772368CB-5680-40B7-1652-16430A12326E}"/>
-              </a:ext>
-            </a:extLst>
-          </p:cNvPr>
-          <p:cNvSpPr/>
-          <p:nvPr/>
-        </p:nvSpPr>
-        <p:spPr>
-          <a:xfrm>
-            <a:off x="4123113" y="3993756"/>
-            <a:ext cx="861604" cy="861603"/>
-          </a:xfrm>
-          <a:prstGeom prst="rect">
-            <a:avLst/>
-          </a:prstGeom>
-        </p:spPr>
-        <p:style>
-          <a:lnRef idx="0">
-            <a:schemeClr val="accent2"/>
-          </a:lnRef>
-          <a:fillRef idx="3">
-            <a:schemeClr val="accent2"/>
-          </a:fillRef>
-          <a:effectRef idx="3">
-            <a:schemeClr val="accent2"/>
-          </a:effectRef>
-          <a:fontRef idx="minor">
-            <a:schemeClr val="lt1"/>
-          </a:fontRef>
-        </p:style>
-        <p:txBody>
-          <a:bodyPr rtlCol="0" anchor="ctr"/>
-          <a:lstStyle/>
-          <a:p>
-            <a:pPr algn="ctr"/>
-            <a:endParaRPr kumimoji="1" lang="ja-JP" altLang="en-US"/>
-          </a:p>
-        </p:txBody>
-      </p:sp>
-      <p:sp>
-        <p:nvSpPr>
-          <p:cNvPr id="16" name="正方形/長方形 15">
-            <a:extLst>
-              <a:ext uri="{FF2B5EF4-FFF2-40B4-BE49-F238E27FC236}">
-                <a16:creationId xmlns:a16="http://schemas.microsoft.com/office/drawing/2014/main" id="{0508D04C-5E84-673D-9F09-C456F6C658EF}"/>
-              </a:ext>
-            </a:extLst>
-          </p:cNvPr>
-          <p:cNvSpPr/>
-          <p:nvPr/>
-        </p:nvSpPr>
-        <p:spPr>
-          <a:xfrm>
-            <a:off x="3261509" y="6029647"/>
-            <a:ext cx="861604" cy="861603"/>
-          </a:xfrm>
-          <a:prstGeom prst="rect">
-            <a:avLst/>
-          </a:prstGeom>
-        </p:spPr>
-        <p:style>
-          <a:lnRef idx="0">
-            <a:schemeClr val="accent2"/>
-          </a:lnRef>
-          <a:fillRef idx="3">
-            <a:schemeClr val="accent2"/>
-          </a:fillRef>
-          <a:effectRef idx="3">
-            <a:schemeClr val="accent2"/>
-          </a:effectRef>
-          <a:fontRef idx="minor">
-            <a:schemeClr val="lt1"/>
-          </a:fontRef>
-        </p:style>
-        <p:txBody>
-          <a:bodyPr rtlCol="0" anchor="ctr"/>
-          <a:lstStyle/>
-          <a:p>
-            <a:pPr algn="ctr"/>
-            <a:endParaRPr kumimoji="1" lang="ja-JP" altLang="en-US"/>
-          </a:p>
-        </p:txBody>
-      </p:sp>
-      <p:sp>
-        <p:nvSpPr>
-          <p:cNvPr id="17" name="正方形/長方形 16">
-            <a:extLst>
-              <a:ext uri="{FF2B5EF4-FFF2-40B4-BE49-F238E27FC236}">
-                <a16:creationId xmlns:a16="http://schemas.microsoft.com/office/drawing/2014/main" id="{0BE569CF-11C2-883C-7B1B-0126734EF161}"/>
-              </a:ext>
-            </a:extLst>
-          </p:cNvPr>
-          <p:cNvSpPr/>
-          <p:nvPr/>
-        </p:nvSpPr>
-        <p:spPr>
-          <a:xfrm>
-            <a:off x="5175910" y="2259024"/>
-            <a:ext cx="861604" cy="861603"/>
-          </a:xfrm>
-          <a:prstGeom prst="rect">
-            <a:avLst/>
-          </a:prstGeom>
-        </p:spPr>
-        <p:style>
-          <a:lnRef idx="0">
-            <a:schemeClr val="accent2"/>
-          </a:lnRef>
-          <a:fillRef idx="3">
-            <a:schemeClr val="accent2"/>
-          </a:fillRef>
-          <a:effectRef idx="3">
-            <a:schemeClr val="accent2"/>
-          </a:effectRef>
-          <a:fontRef idx="minor">
-            <a:schemeClr val="lt1"/>
-          </a:fontRef>
-        </p:style>
-        <p:txBody>
-          <a:bodyPr rtlCol="0" anchor="ctr"/>
-          <a:lstStyle/>
-          <a:p>
-            <a:pPr algn="ctr"/>
-            <a:endParaRPr kumimoji="1" lang="ja-JP" altLang="en-US" dirty="0"/>
-          </a:p>
-        </p:txBody>
-      </p:sp>
-      <p:sp>
-        <p:nvSpPr>
-          <p:cNvPr id="18" name="正方形/長方形 17">
-            <a:extLst>
-              <a:ext uri="{FF2B5EF4-FFF2-40B4-BE49-F238E27FC236}">
-                <a16:creationId xmlns:a16="http://schemas.microsoft.com/office/drawing/2014/main" id="{2CFFFCA8-9924-5C4F-E357-064A25154927}"/>
-              </a:ext>
-            </a:extLst>
-          </p:cNvPr>
-          <p:cNvSpPr/>
-          <p:nvPr/>
-        </p:nvSpPr>
-        <p:spPr>
-          <a:xfrm>
-            <a:off x="8561960" y="291679"/>
-            <a:ext cx="861604" cy="861603"/>
-          </a:xfrm>
-          <a:prstGeom prst="rect">
-            <a:avLst/>
-          </a:prstGeom>
-        </p:spPr>
-        <p:style>
-          <a:lnRef idx="0">
-            <a:schemeClr val="accent2"/>
-          </a:lnRef>
-          <a:fillRef idx="3">
-            <a:schemeClr val="accent2"/>
-          </a:fillRef>
-          <a:effectRef idx="3">
-            <a:schemeClr val="accent2"/>
-          </a:effectRef>
-          <a:fontRef idx="minor">
-            <a:schemeClr val="lt1"/>
-          </a:fontRef>
-        </p:style>
-        <p:txBody>
-          <a:bodyPr rtlCol="0" anchor="ctr"/>
-          <a:lstStyle/>
-          <a:p>
-            <a:pPr algn="ctr"/>
-            <a:endParaRPr kumimoji="1" lang="ja-JP" altLang="en-US"/>
-          </a:p>
-        </p:txBody>
-      </p:sp>
-      <p:sp>
-        <p:nvSpPr>
-          <p:cNvPr id="19" name="正方形/長方形 18">
-            <a:extLst>
-              <a:ext uri="{FF2B5EF4-FFF2-40B4-BE49-F238E27FC236}">
-                <a16:creationId xmlns:a16="http://schemas.microsoft.com/office/drawing/2014/main" id="{25F85872-9A29-6FF4-1F0B-F97E6A651207}"/>
-              </a:ext>
-            </a:extLst>
-          </p:cNvPr>
-          <p:cNvSpPr/>
-          <p:nvPr/>
-        </p:nvSpPr>
-        <p:spPr>
-          <a:xfrm>
-            <a:off x="8561960" y="1280160"/>
-            <a:ext cx="861604" cy="861603"/>
-          </a:xfrm>
-          <a:prstGeom prst="rect">
-            <a:avLst/>
-          </a:prstGeom>
-        </p:spPr>
-        <p:style>
-          <a:lnRef idx="0">
-            <a:schemeClr val="accent1"/>
-          </a:lnRef>
-          <a:fillRef idx="3">
-            <a:schemeClr val="accent1"/>
-          </a:fillRef>
-          <a:effectRef idx="3">
-            <a:schemeClr val="accent1"/>
-          </a:effectRef>
-          <a:fontRef idx="minor">
-            <a:schemeClr val="lt1"/>
-          </a:fontRef>
-        </p:style>
-        <p:txBody>
-          <a:bodyPr rtlCol="0" anchor="ctr"/>
-          <a:lstStyle/>
-          <a:p>
-            <a:pPr algn="ctr"/>
-            <a:endParaRPr kumimoji="1" lang="ja-JP" altLang="en-US"/>
-          </a:p>
-        </p:txBody>
-      </p:sp>
-      <p:sp>
-        <p:nvSpPr>
-          <p:cNvPr id="20" name="正方形/長方形 19">
-            <a:extLst>
-              <a:ext uri="{FF2B5EF4-FFF2-40B4-BE49-F238E27FC236}">
-                <a16:creationId xmlns:a16="http://schemas.microsoft.com/office/drawing/2014/main" id="{306F637E-1E5B-6E4B-2927-19709F4CBF97}"/>
-              </a:ext>
-            </a:extLst>
-          </p:cNvPr>
-          <p:cNvSpPr/>
-          <p:nvPr/>
-        </p:nvSpPr>
-        <p:spPr>
-          <a:xfrm>
-            <a:off x="8561960" y="2275066"/>
-            <a:ext cx="861604" cy="861603"/>
-          </a:xfrm>
-          <a:prstGeom prst="rect">
-            <a:avLst/>
-          </a:prstGeom>
-          <a:solidFill>
-            <a:srgbClr val="C00000"/>
-          </a:solidFill>
-        </p:spPr>
-        <p:style>
-          <a:lnRef idx="0">
-            <a:schemeClr val="accent2"/>
-          </a:lnRef>
-          <a:fillRef idx="3">
-            <a:schemeClr val="accent2"/>
-          </a:fillRef>
-          <a:effectRef idx="3">
-            <a:schemeClr val="accent2"/>
-          </a:effectRef>
-          <a:fontRef idx="minor">
-            <a:schemeClr val="lt1"/>
-          </a:fontRef>
-        </p:style>
-        <p:txBody>
-          <a:bodyPr rtlCol="0" anchor="ctr"/>
-          <a:lstStyle/>
-          <a:p>
-            <a:pPr algn="ctr"/>
-            <a:endParaRPr kumimoji="1" lang="ja-JP" altLang="en-US"/>
-          </a:p>
-        </p:txBody>
-      </p:sp>
-      <p:sp>
-        <p:nvSpPr>
-          <p:cNvPr id="23" name="テキスト ボックス 22">
-            <a:extLst>
-              <a:ext uri="{FF2B5EF4-FFF2-40B4-BE49-F238E27FC236}">
-                <a16:creationId xmlns:a16="http://schemas.microsoft.com/office/drawing/2014/main" id="{66FF8F83-1E07-3232-407D-65235D6F3156}"/>
-              </a:ext>
-            </a:extLst>
-          </p:cNvPr>
-          <p:cNvSpPr txBox="1"/>
-          <p:nvPr/>
-        </p:nvSpPr>
-        <p:spPr>
-          <a:xfrm>
-            <a:off x="9373392" y="553806"/>
-            <a:ext cx="2461508" cy="400110"/>
-          </a:xfrm>
-          <a:prstGeom prst="rect">
-            <a:avLst/>
-          </a:prstGeom>
-          <a:noFill/>
-        </p:spPr>
-        <p:txBody>
-          <a:bodyPr wrap="none" rtlCol="0">
-            <a:spAutoFit/>
-          </a:bodyPr>
-          <a:lstStyle/>
-          <a:p>
-            <a:r>
-              <a:rPr kumimoji="1" lang="ja-JP" altLang="en-US" sz="2000" dirty="0">
-                <a:latin typeface="せのびゴシック Bold" panose="02000600000000000000" pitchFamily="2" charset="-128"/>
-                <a:ea typeface="せのびゴシック Bold" panose="02000600000000000000" pitchFamily="2" charset="-128"/>
-              </a:rPr>
-              <a:t>障害物</a:t>
-            </a:r>
-            <a:r>
-              <a:rPr kumimoji="1" lang="en-US" altLang="ja-JP" sz="2000" dirty="0">
-                <a:latin typeface="せのびゴシック Bold" panose="02000600000000000000" pitchFamily="2" charset="-128"/>
-                <a:ea typeface="せのびゴシック Bold" panose="02000600000000000000" pitchFamily="2" charset="-128"/>
-              </a:rPr>
-              <a:t>(</a:t>
-            </a:r>
-            <a:r>
-              <a:rPr lang="ja-JP" altLang="en-US" sz="2000" dirty="0">
-                <a:latin typeface="せのびゴシック Bold" panose="02000600000000000000" pitchFamily="2" charset="-128"/>
-                <a:ea typeface="せのびゴシック Bold" panose="02000600000000000000" pitchFamily="2" charset="-128"/>
-              </a:rPr>
-              <a:t>大砲など</a:t>
-            </a:r>
-            <a:r>
-              <a:rPr lang="en-US" altLang="ja-JP" sz="2000" dirty="0">
-                <a:latin typeface="せのびゴシック Bold" panose="02000600000000000000" pitchFamily="2" charset="-128"/>
-                <a:ea typeface="せのびゴシック Bold" panose="02000600000000000000" pitchFamily="2" charset="-128"/>
-              </a:rPr>
-              <a:t>...</a:t>
-            </a:r>
-            <a:r>
-              <a:rPr kumimoji="1" lang="en-US" altLang="ja-JP" sz="2000" dirty="0">
-                <a:latin typeface="せのびゴシック Bold" panose="02000600000000000000" pitchFamily="2" charset="-128"/>
-                <a:ea typeface="せのびゴシック Bold" panose="02000600000000000000" pitchFamily="2" charset="-128"/>
-              </a:rPr>
-              <a:t>)</a:t>
-            </a:r>
-            <a:endParaRPr kumimoji="1" lang="ja-JP" altLang="en-US" sz="2000" dirty="0">
-              <a:latin typeface="せのびゴシック Bold" panose="02000600000000000000" pitchFamily="2" charset="-128"/>
-              <a:ea typeface="せのびゴシック Bold" panose="02000600000000000000" pitchFamily="2" charset="-128"/>
-            </a:endParaRPr>
-          </a:p>
-        </p:txBody>
-      </p:sp>
-      <p:sp>
-        <p:nvSpPr>
-          <p:cNvPr id="25" name="テキスト ボックス 24">
-            <a:extLst>
-              <a:ext uri="{FF2B5EF4-FFF2-40B4-BE49-F238E27FC236}">
-                <a16:creationId xmlns:a16="http://schemas.microsoft.com/office/drawing/2014/main" id="{F3EF1997-A14C-ABEF-D296-17B8290D4878}"/>
-              </a:ext>
-            </a:extLst>
-          </p:cNvPr>
-          <p:cNvSpPr txBox="1"/>
-          <p:nvPr/>
-        </p:nvSpPr>
-        <p:spPr>
-          <a:xfrm>
-            <a:off x="9423564" y="1510906"/>
-            <a:ext cx="954107" cy="400110"/>
-          </a:xfrm>
-          <a:prstGeom prst="rect">
-            <a:avLst/>
-          </a:prstGeom>
-          <a:noFill/>
-        </p:spPr>
-        <p:txBody>
-          <a:bodyPr wrap="none" rtlCol="0">
-            <a:spAutoFit/>
-          </a:bodyPr>
-          <a:lstStyle/>
-          <a:p>
-            <a:r>
-              <a:rPr kumimoji="1" lang="ja-JP" altLang="en-US" sz="2000" dirty="0">
-                <a:latin typeface="せのびゴシック Bold" panose="02000600000000000000" pitchFamily="2" charset="-128"/>
-                <a:ea typeface="せのびゴシック Bold" panose="02000600000000000000" pitchFamily="2" charset="-128"/>
-              </a:rPr>
-              <a:t>タワー</a:t>
-            </a:r>
-          </a:p>
-        </p:txBody>
-      </p:sp>
-      <p:sp>
-        <p:nvSpPr>
-          <p:cNvPr id="26" name="テキスト ボックス 25">
-            <a:extLst>
-              <a:ext uri="{FF2B5EF4-FFF2-40B4-BE49-F238E27FC236}">
-                <a16:creationId xmlns:a16="http://schemas.microsoft.com/office/drawing/2014/main" id="{BD60BE62-391C-72C0-8CCF-87E4285A3E9B}"/>
-              </a:ext>
-            </a:extLst>
-          </p:cNvPr>
-          <p:cNvSpPr txBox="1"/>
-          <p:nvPr/>
-        </p:nvSpPr>
-        <p:spPr>
-          <a:xfrm>
-            <a:off x="9519185" y="2502017"/>
-            <a:ext cx="1723549" cy="400110"/>
-          </a:xfrm>
-          <a:prstGeom prst="rect">
-            <a:avLst/>
-          </a:prstGeom>
-          <a:noFill/>
-        </p:spPr>
-        <p:txBody>
-          <a:bodyPr wrap="none" rtlCol="0">
-            <a:spAutoFit/>
-          </a:bodyPr>
-          <a:lstStyle/>
-          <a:p>
-            <a:r>
-              <a:rPr kumimoji="1" lang="ja-JP" altLang="en-US" sz="2000" dirty="0">
-                <a:latin typeface="せのびゴシック Bold" panose="02000600000000000000" pitchFamily="2" charset="-128"/>
-                <a:ea typeface="せのびゴシック Bold" panose="02000600000000000000" pitchFamily="2" charset="-128"/>
-              </a:rPr>
-              <a:t>敵の生成位置</a:t>
-            </a:r>
-          </a:p>
-        </p:txBody>
-      </p:sp>
-      <p:sp>
-        <p:nvSpPr>
-          <p:cNvPr id="28" name="テキスト ボックス 27">
-            <a:extLst>
-              <a:ext uri="{FF2B5EF4-FFF2-40B4-BE49-F238E27FC236}">
-                <a16:creationId xmlns:a16="http://schemas.microsoft.com/office/drawing/2014/main" id="{80EE4B94-72F6-8E64-6AA8-1078569D3247}"/>
-              </a:ext>
-            </a:extLst>
-          </p:cNvPr>
-          <p:cNvSpPr txBox="1"/>
-          <p:nvPr/>
-        </p:nvSpPr>
-        <p:spPr>
-          <a:xfrm>
-            <a:off x="525244" y="1782381"/>
-            <a:ext cx="6340197" cy="400110"/>
-          </a:xfrm>
-          <a:prstGeom prst="rect">
-            <a:avLst/>
-          </a:prstGeom>
-          <a:noFill/>
-        </p:spPr>
-        <p:txBody>
-          <a:bodyPr wrap="none" rtlCol="0">
-            <a:spAutoFit/>
-          </a:bodyPr>
-          <a:lstStyle/>
-          <a:p>
-            <a:r>
-              <a:rPr kumimoji="1" lang="ja-JP" altLang="en-US" sz="2000" dirty="0">
-                <a:solidFill>
-                  <a:srgbClr val="FF0000"/>
-                </a:solidFill>
-                <a:latin typeface="せのびゴシック Bold" panose="02000600000000000000" pitchFamily="2" charset="-128"/>
-                <a:ea typeface="せのびゴシック Bold" panose="02000600000000000000" pitchFamily="2" charset="-128"/>
-              </a:rPr>
-              <a:t>敵</a:t>
-            </a:r>
-            <a:r>
-              <a:rPr kumimoji="1" lang="ja-JP" altLang="en-US" sz="2000" dirty="0">
-                <a:latin typeface="せのびゴシック Bold" panose="02000600000000000000" pitchFamily="2" charset="-128"/>
-                <a:ea typeface="せのびゴシック Bold" panose="02000600000000000000" pitchFamily="2" charset="-128"/>
-              </a:rPr>
-              <a:t>を倒すと</a:t>
-            </a:r>
-            <a:r>
-              <a:rPr kumimoji="1" lang="ja-JP" altLang="en-US" sz="2000" dirty="0">
-                <a:solidFill>
-                  <a:schemeClr val="bg1">
-                    <a:lumMod val="50000"/>
-                  </a:schemeClr>
-                </a:solidFill>
-                <a:latin typeface="せのびゴシック Bold" panose="02000600000000000000" pitchFamily="2" charset="-128"/>
-                <a:ea typeface="せのびゴシック Bold" panose="02000600000000000000" pitchFamily="2" charset="-128"/>
-              </a:rPr>
-              <a:t>資材</a:t>
-            </a:r>
-            <a:r>
-              <a:rPr kumimoji="1" lang="ja-JP" altLang="en-US" sz="2000" dirty="0">
-                <a:latin typeface="せのびゴシック Bold" panose="02000600000000000000" pitchFamily="2" charset="-128"/>
-                <a:ea typeface="せのびゴシック Bold" panose="02000600000000000000" pitchFamily="2" charset="-128"/>
-              </a:rPr>
-              <a:t>が手に入り</a:t>
-            </a:r>
-            <a:r>
-              <a:rPr kumimoji="1" lang="ja-JP" altLang="en-US" sz="2000" dirty="0">
-                <a:solidFill>
-                  <a:schemeClr val="accent2"/>
-                </a:solidFill>
-                <a:latin typeface="せのびゴシック Bold" panose="02000600000000000000" pitchFamily="2" charset="-128"/>
-                <a:ea typeface="せのびゴシック Bold" panose="02000600000000000000" pitchFamily="2" charset="-128"/>
-              </a:rPr>
-              <a:t>障害物</a:t>
-            </a:r>
-            <a:r>
-              <a:rPr kumimoji="1" lang="ja-JP" altLang="en-US" sz="2000" dirty="0">
-                <a:latin typeface="せのびゴシック Bold" panose="02000600000000000000" pitchFamily="2" charset="-128"/>
-                <a:ea typeface="せのびゴシック Bold" panose="02000600000000000000" pitchFamily="2" charset="-128"/>
-              </a:rPr>
-              <a:t>を建てる事ができる</a:t>
-            </a:r>
-          </a:p>
-        </p:txBody>
-      </p:sp>
-      <p:pic>
-        <p:nvPicPr>
-          <p:cNvPr id="1030" name="Picture 6" descr="大砲のイラスト | かわいいフリー素材集 いらすとや">
-            <a:extLst>
-              <a:ext uri="{FF2B5EF4-FFF2-40B4-BE49-F238E27FC236}">
-                <a16:creationId xmlns:a16="http://schemas.microsoft.com/office/drawing/2014/main" id="{E3467512-DE79-7311-0D18-5413F00538A3}"/>
-              </a:ext>
-            </a:extLst>
-          </p:cNvPr>
-          <p:cNvPicPr>
-            <a:picLocks noChangeAspect="1" noChangeArrowheads="1"/>
-          </p:cNvPicPr>
-          <p:nvPr/>
-        </p:nvPicPr>
-        <p:blipFill>
-          <a:blip r:embed="rId3">
-            <a:extLst>
-              <a:ext uri="{28A0092B-C50C-407E-A947-70E740481C1C}">
-                <a14:useLocalDpi xmlns:a14="http://schemas.microsoft.com/office/drawing/2010/main" val="0"/>
-              </a:ext>
-            </a:extLst>
-          </a:blip>
-          <a:srcRect/>
-          <a:stretch>
-            <a:fillRect/>
-          </a:stretch>
-        </p:blipFill>
-        <p:spPr bwMode="auto">
-          <a:xfrm flipH="1">
-            <a:off x="5180764" y="2245804"/>
-            <a:ext cx="982573" cy="909189"/>
-          </a:xfrm>
-          <a:prstGeom prst="rect">
-            <a:avLst/>
-          </a:prstGeom>
-          <a:noFill/>
-          <a:extLst>
-            <a:ext uri="{909E8E84-426E-40DD-AFC4-6F175D3DCCD1}">
-              <a14:hiddenFill xmlns:a14="http://schemas.microsoft.com/office/drawing/2010/main">
-                <a:solidFill>
-                  <a:srgbClr val="FFFFFF"/>
-                </a:solidFill>
-              </a14:hiddenFill>
-            </a:ext>
-          </a:extLst>
-        </p:spPr>
-      </p:pic>
-      <p:pic>
-        <p:nvPicPr>
-          <p:cNvPr id="29" name="Picture 6" descr="大砲のイラスト | かわいいフリー素材集 いらすとや">
-            <a:extLst>
-              <a:ext uri="{FF2B5EF4-FFF2-40B4-BE49-F238E27FC236}">
-                <a16:creationId xmlns:a16="http://schemas.microsoft.com/office/drawing/2014/main" id="{9C515021-D9B3-8355-8FDC-16ECFFC80F23}"/>
-              </a:ext>
-            </a:extLst>
-          </p:cNvPr>
-          <p:cNvPicPr>
-            <a:picLocks noChangeAspect="1" noChangeArrowheads="1"/>
-          </p:cNvPicPr>
-          <p:nvPr/>
-        </p:nvPicPr>
-        <p:blipFill>
-          <a:blip r:embed="rId3">
-            <a:extLst>
-              <a:ext uri="{28A0092B-C50C-407E-A947-70E740481C1C}">
-                <a14:useLocalDpi xmlns:a14="http://schemas.microsoft.com/office/drawing/2010/main" val="0"/>
-              </a:ext>
-            </a:extLst>
-          </a:blip>
-          <a:srcRect/>
-          <a:stretch>
-            <a:fillRect/>
-          </a:stretch>
-        </p:blipFill>
-        <p:spPr bwMode="auto">
-          <a:xfrm flipH="1">
-            <a:off x="3260226" y="5847986"/>
-            <a:ext cx="982573" cy="909189"/>
-          </a:xfrm>
-          <a:prstGeom prst="rect">
-            <a:avLst/>
-          </a:prstGeom>
-          <a:noFill/>
-          <a:extLst>
-            <a:ext uri="{909E8E84-426E-40DD-AFC4-6F175D3DCCD1}">
-              <a14:hiddenFill xmlns:a14="http://schemas.microsoft.com/office/drawing/2010/main">
-                <a:solidFill>
-                  <a:srgbClr val="FFFFFF"/>
-                </a:solidFill>
-              </a14:hiddenFill>
-            </a:ext>
-          </a:extLst>
-        </p:spPr>
-      </p:pic>
-      <p:pic>
-        <p:nvPicPr>
-          <p:cNvPr id="1032" name="Picture 8" descr="クロスボウのイラスト | かわいいフリー素材集 いらすとや">
-            <a:extLst>
-              <a:ext uri="{FF2B5EF4-FFF2-40B4-BE49-F238E27FC236}">
-                <a16:creationId xmlns:a16="http://schemas.microsoft.com/office/drawing/2014/main" id="{5AB2EFF0-AEB9-AAE3-B0CB-3348605CD778}"/>
-              </a:ext>
-            </a:extLst>
-          </p:cNvPr>
-          <p:cNvPicPr>
-            <a:picLocks noChangeAspect="1" noChangeArrowheads="1"/>
-          </p:cNvPicPr>
-          <p:nvPr/>
-        </p:nvPicPr>
-        <p:blipFill>
-          <a:blip r:embed="rId4">
-            <a:extLst>
-              <a:ext uri="{28A0092B-C50C-407E-A947-70E740481C1C}">
-                <a14:useLocalDpi xmlns:a14="http://schemas.microsoft.com/office/drawing/2010/main" val="0"/>
-              </a:ext>
-            </a:extLst>
-          </a:blip>
-          <a:srcRect/>
-          <a:stretch>
-            <a:fillRect/>
-          </a:stretch>
-        </p:blipFill>
-        <p:spPr bwMode="auto">
-          <a:xfrm flipH="1">
-            <a:off x="6184208" y="5142573"/>
-            <a:ext cx="1066143" cy="1006279"/>
-          </a:xfrm>
-          <a:prstGeom prst="rect">
-            <a:avLst/>
-          </a:prstGeom>
-          <a:noFill/>
-          <a:extLst>
-            <a:ext uri="{909E8E84-426E-40DD-AFC4-6F175D3DCCD1}">
-              <a14:hiddenFill xmlns:a14="http://schemas.microsoft.com/office/drawing/2010/main">
-                <a:solidFill>
-                  <a:srgbClr val="FFFFFF"/>
-                </a:solidFill>
-              </a14:hiddenFill>
-            </a:ext>
-          </a:extLst>
-        </p:spPr>
-      </p:pic>
-      <p:pic>
-        <p:nvPicPr>
-          <p:cNvPr id="31" name="Picture 8" descr="クロスボウのイラスト | かわいいフリー素材集 いらすとや">
-            <a:extLst>
-              <a:ext uri="{FF2B5EF4-FFF2-40B4-BE49-F238E27FC236}">
-                <a16:creationId xmlns:a16="http://schemas.microsoft.com/office/drawing/2014/main" id="{9F5D5C2A-FA37-C863-9BCF-106610EFCE2D}"/>
-              </a:ext>
-            </a:extLst>
-          </p:cNvPr>
-          <p:cNvPicPr>
-            <a:picLocks noChangeAspect="1" noChangeArrowheads="1"/>
-          </p:cNvPicPr>
-          <p:nvPr/>
-        </p:nvPicPr>
-        <p:blipFill>
-          <a:blip r:embed="rId4">
-            <a:extLst>
-              <a:ext uri="{28A0092B-C50C-407E-A947-70E740481C1C}">
-                <a14:useLocalDpi xmlns:a14="http://schemas.microsoft.com/office/drawing/2010/main" val="0"/>
-              </a:ext>
-            </a:extLst>
-          </a:blip>
-          <a:srcRect/>
-          <a:stretch>
-            <a:fillRect/>
-          </a:stretch>
-        </p:blipFill>
-        <p:spPr bwMode="auto">
-          <a:xfrm flipH="1">
-            <a:off x="4149567" y="3834934"/>
-            <a:ext cx="1066143" cy="1006279"/>
-          </a:xfrm>
-          <a:prstGeom prst="rect">
-            <a:avLst/>
-          </a:prstGeom>
-          <a:noFill/>
-          <a:extLst>
-            <a:ext uri="{909E8E84-426E-40DD-AFC4-6F175D3DCCD1}">
-              <a14:hiddenFill xmlns:a14="http://schemas.microsoft.com/office/drawing/2010/main">
-                <a:solidFill>
-                  <a:srgbClr val="FFFFFF"/>
-                </a:solidFill>
-              </a14:hiddenFill>
-            </a:ext>
-          </a:extLst>
-        </p:spPr>
-      </p:pic>
-      <p:pic>
-        <p:nvPicPr>
-          <p:cNvPr id="1034" name="Picture 10" descr="鉄兜と鎧を着た兵士のイラスト | かわいいフリー素材集 いらすとや">
-            <a:extLst>
-              <a:ext uri="{FF2B5EF4-FFF2-40B4-BE49-F238E27FC236}">
-                <a16:creationId xmlns:a16="http://schemas.microsoft.com/office/drawing/2014/main" id="{C7C673D8-32F9-53B0-0DED-F9DA524E0324}"/>
-              </a:ext>
-            </a:extLst>
-          </p:cNvPr>
-          <p:cNvPicPr>
-            <a:picLocks noChangeAspect="1" noChangeArrowheads="1"/>
-          </p:cNvPicPr>
-          <p:nvPr/>
-        </p:nvPicPr>
-        <p:blipFill>
-          <a:blip r:embed="rId5">
-            <a:extLst>
-              <a:ext uri="{28A0092B-C50C-407E-A947-70E740481C1C}">
-                <a14:useLocalDpi xmlns:a14="http://schemas.microsoft.com/office/drawing/2010/main" val="0"/>
-              </a:ext>
-            </a:extLst>
-          </a:blip>
-          <a:srcRect/>
-          <a:stretch>
-            <a:fillRect/>
-          </a:stretch>
-        </p:blipFill>
-        <p:spPr bwMode="auto">
-          <a:xfrm>
-            <a:off x="11305375" y="4944136"/>
-            <a:ext cx="1156885" cy="1280159"/>
-          </a:xfrm>
-          <a:prstGeom prst="rect">
-            <a:avLst/>
-          </a:prstGeom>
-          <a:noFill/>
-          <a:extLst>
-            <a:ext uri="{909E8E84-426E-40DD-AFC4-6F175D3DCCD1}">
-              <a14:hiddenFill xmlns:a14="http://schemas.microsoft.com/office/drawing/2010/main">
-                <a:solidFill>
-                  <a:srgbClr val="FFFFFF"/>
-                </a:solidFill>
-              </a14:hiddenFill>
-            </a:ext>
-          </a:extLst>
-        </p:spPr>
-      </p:pic>
-      <p:pic>
-        <p:nvPicPr>
-          <p:cNvPr id="33" name="Picture 10" descr="鉄兜と鎧を着た兵士のイラスト | かわいいフリー素材集 いらすとや">
-            <a:extLst>
-              <a:ext uri="{FF2B5EF4-FFF2-40B4-BE49-F238E27FC236}">
-                <a16:creationId xmlns:a16="http://schemas.microsoft.com/office/drawing/2014/main" id="{549ECC93-FA36-1654-F6B2-28E71D218B0E}"/>
-              </a:ext>
-            </a:extLst>
-          </p:cNvPr>
-          <p:cNvPicPr>
-            <a:picLocks noChangeAspect="1" noChangeArrowheads="1"/>
-          </p:cNvPicPr>
-          <p:nvPr/>
-        </p:nvPicPr>
-        <p:blipFill>
-          <a:blip r:embed="rId5">
-            <a:extLst>
-              <a:ext uri="{28A0092B-C50C-407E-A947-70E740481C1C}">
-                <a14:useLocalDpi xmlns:a14="http://schemas.microsoft.com/office/drawing/2010/main" val="0"/>
-              </a:ext>
-            </a:extLst>
-          </a:blip>
-          <a:srcRect/>
-          <a:stretch>
-            <a:fillRect/>
-          </a:stretch>
-        </p:blipFill>
-        <p:spPr bwMode="auto">
-          <a:xfrm rot="4691287">
-            <a:off x="6928069" y="3099341"/>
-            <a:ext cx="1156885" cy="1280159"/>
-          </a:xfrm>
-          <a:prstGeom prst="rect">
-            <a:avLst/>
-          </a:prstGeom>
-          <a:noFill/>
-          <a:extLst>
-            <a:ext uri="{909E8E84-426E-40DD-AFC4-6F175D3DCCD1}">
-              <a14:hiddenFill xmlns:a14="http://schemas.microsoft.com/office/drawing/2010/main">
-                <a:solidFill>
-                  <a:srgbClr val="FFFFFF"/>
-                </a:solidFill>
-              </a14:hiddenFill>
-            </a:ext>
-          </a:extLst>
-        </p:spPr>
-      </p:pic>
-      <p:pic>
-        <p:nvPicPr>
-          <p:cNvPr id="34" name="Picture 10" descr="鉄兜と鎧を着た兵士のイラスト | かわいいフリー素材集 いらすとや">
-            <a:extLst>
-              <a:ext uri="{FF2B5EF4-FFF2-40B4-BE49-F238E27FC236}">
-                <a16:creationId xmlns:a16="http://schemas.microsoft.com/office/drawing/2014/main" id="{2EA1748C-A08A-A1FC-3395-95DFEE159096}"/>
-              </a:ext>
-            </a:extLst>
-          </p:cNvPr>
-          <p:cNvPicPr>
-            <a:picLocks noChangeAspect="1" noChangeArrowheads="1"/>
-          </p:cNvPicPr>
-          <p:nvPr/>
-        </p:nvPicPr>
-        <p:blipFill>
-          <a:blip r:embed="rId5">
-            <a:extLst>
-              <a:ext uri="{28A0092B-C50C-407E-A947-70E740481C1C}">
-                <a14:useLocalDpi xmlns:a14="http://schemas.microsoft.com/office/drawing/2010/main" val="0"/>
-              </a:ext>
-            </a:extLst>
-          </a:blip>
-          <a:srcRect/>
-          <a:stretch>
-            <a:fillRect/>
-          </a:stretch>
-        </p:blipFill>
-        <p:spPr bwMode="auto">
-          <a:xfrm>
-            <a:off x="1748342" y="4749489"/>
-            <a:ext cx="1156885" cy="1280159"/>
-          </a:xfrm>
-          <a:prstGeom prst="rect">
-            <a:avLst/>
-          </a:prstGeom>
-          <a:noFill/>
-          <a:extLst>
-            <a:ext uri="{909E8E84-426E-40DD-AFC4-6F175D3DCCD1}">
-              <a14:hiddenFill xmlns:a14="http://schemas.microsoft.com/office/drawing/2010/main">
-                <a:solidFill>
-                  <a:srgbClr val="FFFFFF"/>
-                </a:solidFill>
-              </a14:hiddenFill>
-            </a:ext>
-          </a:extLst>
-        </p:spPr>
-      </p:pic>
-      <p:pic>
-        <p:nvPicPr>
-          <p:cNvPr id="35" name="Picture 10" descr="鉄兜と鎧を着た兵士のイラスト | かわいいフリー素材集 いらすとや">
-            <a:extLst>
-              <a:ext uri="{FF2B5EF4-FFF2-40B4-BE49-F238E27FC236}">
-                <a16:creationId xmlns:a16="http://schemas.microsoft.com/office/drawing/2014/main" id="{0192A1BB-38CA-3CA7-7E4D-D7F4A9B41FF7}"/>
-              </a:ext>
-            </a:extLst>
-          </p:cNvPr>
-          <p:cNvPicPr>
-            <a:picLocks noChangeAspect="1" noChangeArrowheads="1"/>
-          </p:cNvPicPr>
-          <p:nvPr/>
-        </p:nvPicPr>
-        <p:blipFill>
-          <a:blip r:embed="rId5">
-            <a:extLst>
-              <a:ext uri="{28A0092B-C50C-407E-A947-70E740481C1C}">
-                <a14:useLocalDpi xmlns:a14="http://schemas.microsoft.com/office/drawing/2010/main" val="0"/>
-              </a:ext>
-            </a:extLst>
-          </a:blip>
-          <a:srcRect/>
-          <a:stretch>
-            <a:fillRect/>
-          </a:stretch>
-        </p:blipFill>
-        <p:spPr bwMode="auto">
-          <a:xfrm>
-            <a:off x="4154886" y="2751514"/>
-            <a:ext cx="1156885" cy="1280159"/>
-          </a:xfrm>
-          <a:prstGeom prst="rect">
-            <a:avLst/>
-          </a:prstGeom>
-          <a:noFill/>
-          <a:extLst>
-            <a:ext uri="{909E8E84-426E-40DD-AFC4-6F175D3DCCD1}">
-              <a14:hiddenFill xmlns:a14="http://schemas.microsoft.com/office/drawing/2010/main">
-                <a:solidFill>
-                  <a:srgbClr val="FFFFFF"/>
-                </a:solidFill>
-              </a14:hiddenFill>
-            </a:ext>
-          </a:extLst>
-        </p:spPr>
-      </p:pic>
-      <p:sp>
-        <p:nvSpPr>
-          <p:cNvPr id="36" name="正方形/長方形 35">
-            <a:extLst>
-              <a:ext uri="{FF2B5EF4-FFF2-40B4-BE49-F238E27FC236}">
-                <a16:creationId xmlns:a16="http://schemas.microsoft.com/office/drawing/2014/main" id="{E1CC3594-1E78-9FBB-68BA-F26656BE60FB}"/>
-              </a:ext>
-            </a:extLst>
-          </p:cNvPr>
-          <p:cNvSpPr/>
-          <p:nvPr/>
-        </p:nvSpPr>
-        <p:spPr>
-          <a:xfrm>
-            <a:off x="8561960" y="3255643"/>
-            <a:ext cx="861604" cy="850145"/>
-          </a:xfrm>
-          <a:prstGeom prst="rect">
-            <a:avLst/>
-          </a:prstGeom>
-        </p:spPr>
-        <p:style>
-          <a:lnRef idx="2">
-            <a:schemeClr val="accent4">
-              <a:shade val="15000"/>
-            </a:schemeClr>
-          </a:lnRef>
-          <a:fillRef idx="1">
-            <a:schemeClr val="accent4"/>
-          </a:fillRef>
-          <a:effectRef idx="0">
-            <a:schemeClr val="accent4"/>
-          </a:effectRef>
-          <a:fontRef idx="minor">
-            <a:schemeClr val="lt1"/>
-          </a:fontRef>
-        </p:style>
-        <p:txBody>
-          <a:bodyPr rtlCol="0" anchor="ctr"/>
-          <a:lstStyle/>
-          <a:p>
-            <a:pPr algn="ctr"/>
-            <a:endParaRPr kumimoji="1" lang="ja-JP" altLang="en-US"/>
-          </a:p>
-        </p:txBody>
-      </p:sp>
-      <p:sp>
-        <p:nvSpPr>
-          <p:cNvPr id="37" name="テキスト ボックス 36">
-            <a:extLst>
-              <a:ext uri="{FF2B5EF4-FFF2-40B4-BE49-F238E27FC236}">
-                <a16:creationId xmlns:a16="http://schemas.microsoft.com/office/drawing/2014/main" id="{83F13736-BEAF-B86B-F509-395FD2A54731}"/>
-              </a:ext>
-            </a:extLst>
-          </p:cNvPr>
-          <p:cNvSpPr txBox="1"/>
-          <p:nvPr/>
-        </p:nvSpPr>
-        <p:spPr>
-          <a:xfrm>
-            <a:off x="9519185" y="3456172"/>
-            <a:ext cx="1467068" cy="400110"/>
-          </a:xfrm>
-          <a:prstGeom prst="rect">
-            <a:avLst/>
-          </a:prstGeom>
-          <a:noFill/>
-        </p:spPr>
-        <p:txBody>
-          <a:bodyPr wrap="none" rtlCol="0">
-            <a:spAutoFit/>
-          </a:bodyPr>
-          <a:lstStyle/>
-          <a:p>
-            <a:r>
-              <a:rPr kumimoji="1" lang="ja-JP" altLang="en-US" sz="2000" dirty="0">
-                <a:latin typeface="せのびゴシック Bold" panose="02000600000000000000" pitchFamily="2" charset="-128"/>
-                <a:ea typeface="せのびゴシック Bold" panose="02000600000000000000" pitchFamily="2" charset="-128"/>
-              </a:rPr>
-              <a:t>敵</a:t>
-            </a:r>
-            <a:r>
-              <a:rPr lang="ja-JP" altLang="en-US" sz="2000" dirty="0">
-                <a:latin typeface="せのびゴシック Bold" panose="02000600000000000000" pitchFamily="2" charset="-128"/>
-                <a:ea typeface="せのびゴシック Bold" panose="02000600000000000000" pitchFamily="2" charset="-128"/>
-              </a:rPr>
-              <a:t>の通る道</a:t>
-            </a:r>
-            <a:endParaRPr kumimoji="1" lang="ja-JP" altLang="en-US" sz="2000" dirty="0">
-              <a:latin typeface="せのびゴシック Bold" panose="02000600000000000000" pitchFamily="2" charset="-128"/>
-              <a:ea typeface="せのびゴシック Bold" panose="02000600000000000000" pitchFamily="2" charset="-128"/>
-            </a:endParaRPr>
-          </a:p>
-        </p:txBody>
-      </p:sp>
-      <p:pic>
-        <p:nvPicPr>
-          <p:cNvPr id="1036" name="Picture 12" descr="東京タワーのイラスト | かわいいフリー素材集 いらすとや">
-            <a:extLst>
-              <a:ext uri="{FF2B5EF4-FFF2-40B4-BE49-F238E27FC236}">
-                <a16:creationId xmlns:a16="http://schemas.microsoft.com/office/drawing/2014/main" id="{7054512F-4519-B96E-A67B-9DAD94BBEB87}"/>
-              </a:ext>
-            </a:extLst>
-          </p:cNvPr>
-          <p:cNvPicPr>
-            <a:picLocks noChangeAspect="1" noChangeArrowheads="1"/>
-          </p:cNvPicPr>
-          <p:nvPr/>
-        </p:nvPicPr>
-        <p:blipFill>
-          <a:blip r:embed="rId6">
-            <a:extLst>
-              <a:ext uri="{28A0092B-C50C-407E-A947-70E740481C1C}">
-                <a14:useLocalDpi xmlns:a14="http://schemas.microsoft.com/office/drawing/2010/main" val="0"/>
-              </a:ext>
-            </a:extLst>
-          </a:blip>
-          <a:srcRect/>
-          <a:stretch>
-            <a:fillRect/>
-          </a:stretch>
-        </p:blipFill>
-        <p:spPr bwMode="auto">
-          <a:xfrm>
-            <a:off x="-184414" y="4424557"/>
-            <a:ext cx="1156942" cy="1609659"/>
-          </a:xfrm>
-          <a:prstGeom prst="rect">
-            <a:avLst/>
-          </a:prstGeom>
-          <a:noFill/>
-          <a:extLst>
-            <a:ext uri="{909E8E84-426E-40DD-AFC4-6F175D3DCCD1}">
-              <a14:hiddenFill xmlns:a14="http://schemas.microsoft.com/office/drawing/2010/main">
-                <a:solidFill>
-                  <a:srgbClr val="FFFFFF"/>
-                </a:solidFill>
-              </a14:hiddenFill>
-            </a:ext>
-          </a:extLst>
-        </p:spPr>
-      </p:pic>
-      <p:pic>
-        <p:nvPicPr>
-          <p:cNvPr id="30" name="Picture 8" descr="クロスボウのイラスト | かわいいフリー素材集 いらすとや">
-            <a:extLst>
-              <a:ext uri="{FF2B5EF4-FFF2-40B4-BE49-F238E27FC236}">
-                <a16:creationId xmlns:a16="http://schemas.microsoft.com/office/drawing/2014/main" id="{CD92025C-2349-6573-C033-CE6A20A8D2E6}"/>
-              </a:ext>
-            </a:extLst>
-          </p:cNvPr>
-          <p:cNvPicPr>
-            <a:picLocks noChangeAspect="1" noChangeArrowheads="1"/>
-          </p:cNvPicPr>
-          <p:nvPr/>
-        </p:nvPicPr>
-        <p:blipFill>
-          <a:blip r:embed="rId4">
-            <a:extLst>
-              <a:ext uri="{28A0092B-C50C-407E-A947-70E740481C1C}">
-                <a14:useLocalDpi xmlns:a14="http://schemas.microsoft.com/office/drawing/2010/main" val="0"/>
-              </a:ext>
-            </a:extLst>
-          </a:blip>
-          <a:srcRect/>
-          <a:stretch>
-            <a:fillRect/>
-          </a:stretch>
-        </p:blipFill>
-        <p:spPr bwMode="auto">
-          <a:xfrm flipH="1">
-            <a:off x="6163337" y="3937857"/>
-            <a:ext cx="1066143" cy="1006279"/>
-          </a:xfrm>
-          <a:prstGeom prst="rect">
-            <a:avLst/>
-          </a:prstGeom>
-          <a:noFill/>
-          <a:extLst>
-            <a:ext uri="{909E8E84-426E-40DD-AFC4-6F175D3DCCD1}">
-              <a14:hiddenFill xmlns:a14="http://schemas.microsoft.com/office/drawing/2010/main">
-                <a:solidFill>
-                  <a:srgbClr val="FFFFFF"/>
-                </a:solidFill>
-              </a14:hiddenFill>
-            </a:ext>
-          </a:extLst>
-        </p:spPr>
-      </p:pic>
-      <p:pic>
-        <p:nvPicPr>
-          <p:cNvPr id="38" name="Picture 2" descr="鉄骨のイラスト | かわいいフリー素材集 いらすとや">
-            <a:extLst>
-              <a:ext uri="{FF2B5EF4-FFF2-40B4-BE49-F238E27FC236}">
-                <a16:creationId xmlns:a16="http://schemas.microsoft.com/office/drawing/2014/main" id="{017AD6D8-37AE-4236-8688-91022AD559DF}"/>
-              </a:ext>
-            </a:extLst>
-          </p:cNvPr>
-          <p:cNvPicPr>
-            <a:picLocks noChangeAspect="1" noChangeArrowheads="1"/>
-          </p:cNvPicPr>
-          <p:nvPr/>
-        </p:nvPicPr>
-        <p:blipFill>
-          <a:blip r:embed="rId7">
-            <a:extLst>
-              <a:ext uri="{28A0092B-C50C-407E-A947-70E740481C1C}">
-                <a14:useLocalDpi xmlns:a14="http://schemas.microsoft.com/office/drawing/2010/main" val="0"/>
-              </a:ext>
-            </a:extLst>
-          </a:blip>
-          <a:srcRect/>
-          <a:stretch>
-            <a:fillRect/>
-          </a:stretch>
-        </p:blipFill>
-        <p:spPr bwMode="auto">
-          <a:xfrm>
-            <a:off x="7254775" y="2466355"/>
-            <a:ext cx="339395" cy="217213"/>
-          </a:xfrm>
-          <a:prstGeom prst="rect">
-            <a:avLst/>
-          </a:prstGeom>
-          <a:noFill/>
-          <a:extLst>
-            <a:ext uri="{909E8E84-426E-40DD-AFC4-6F175D3DCCD1}">
-              <a14:hiddenFill xmlns:a14="http://schemas.microsoft.com/office/drawing/2010/main">
-                <a:solidFill>
-                  <a:srgbClr val="FFFFFF"/>
-                </a:solidFill>
-              </a14:hiddenFill>
-            </a:ext>
-          </a:extLst>
-        </p:spPr>
-      </p:pic>
-      <p:sp>
-        <p:nvSpPr>
-          <p:cNvPr id="2" name="テキスト ボックス 1">
-            <a:extLst>
-              <a:ext uri="{FF2B5EF4-FFF2-40B4-BE49-F238E27FC236}">
-                <a16:creationId xmlns:a16="http://schemas.microsoft.com/office/drawing/2014/main" id="{E69E3C6F-B973-4337-B7B4-AF80A19AAD0A}"/>
-              </a:ext>
-            </a:extLst>
-          </p:cNvPr>
-          <p:cNvSpPr txBox="1"/>
-          <p:nvPr/>
-        </p:nvSpPr>
-        <p:spPr>
-          <a:xfrm>
-            <a:off x="7513754" y="2453759"/>
-            <a:ext cx="570767" cy="276999"/>
-          </a:xfrm>
-          <a:prstGeom prst="rect">
-            <a:avLst/>
-          </a:prstGeom>
-          <a:noFill/>
-        </p:spPr>
-        <p:txBody>
-          <a:bodyPr wrap="square" rtlCol="0">
-            <a:spAutoFit/>
-          </a:bodyPr>
-          <a:lstStyle/>
-          <a:p>
-            <a:r>
-              <a:rPr kumimoji="1" lang="ja-JP" altLang="en-US" sz="1200" dirty="0">
-                <a:latin typeface="メイリオ" panose="020B0604030504040204" pitchFamily="50" charset="-128"/>
-                <a:ea typeface="メイリオ" panose="020B0604030504040204" pitchFamily="50" charset="-128"/>
-              </a:rPr>
-              <a:t>＋</a:t>
-            </a:r>
-            <a:r>
-              <a:rPr kumimoji="1" lang="en-US" altLang="ja-JP" sz="1200" dirty="0">
-                <a:latin typeface="メイリオ" panose="020B0604030504040204" pitchFamily="50" charset="-128"/>
-                <a:ea typeface="メイリオ" panose="020B0604030504040204" pitchFamily="50" charset="-128"/>
-              </a:rPr>
-              <a:t>10</a:t>
-            </a:r>
-            <a:endParaRPr kumimoji="1" lang="ja-JP" altLang="en-US" sz="1200" dirty="0">
-              <a:latin typeface="メイリオ" panose="020B0604030504040204" pitchFamily="50" charset="-128"/>
-              <a:ea typeface="メイリオ" panose="020B0604030504040204" pitchFamily="50" charset="-128"/>
-            </a:endParaRPr>
-          </a:p>
-        </p:txBody>
-      </p:sp>
-      <p:sp>
-        <p:nvSpPr>
-          <p:cNvPr id="39" name="楕円 38">
-            <a:extLst>
-              <a:ext uri="{FF2B5EF4-FFF2-40B4-BE49-F238E27FC236}">
-                <a16:creationId xmlns:a16="http://schemas.microsoft.com/office/drawing/2014/main" id="{C4E3739F-8842-44C6-B1A0-5C9546FE1CF5}"/>
-              </a:ext>
-            </a:extLst>
-          </p:cNvPr>
-          <p:cNvSpPr/>
-          <p:nvPr/>
-        </p:nvSpPr>
-        <p:spPr>
-          <a:xfrm>
-            <a:off x="7449584" y="2836093"/>
-            <a:ext cx="349553" cy="196366"/>
-          </a:xfrm>
-          <a:prstGeom prst="ellipse">
-            <a:avLst/>
-          </a:prstGeom>
-          <a:solidFill>
-            <a:schemeClr val="bg1">
-              <a:lumMod val="65000"/>
-            </a:schemeClr>
-          </a:solidFill>
-        </p:spPr>
-        <p:style>
-          <a:lnRef idx="2">
-            <a:schemeClr val="accent1">
-              <a:shade val="50000"/>
-            </a:schemeClr>
-          </a:lnRef>
-          <a:fillRef idx="1">
-            <a:schemeClr val="accent1"/>
-          </a:fillRef>
-          <a:effectRef idx="0">
-            <a:schemeClr val="accent1"/>
-          </a:effectRef>
-          <a:fontRef idx="minor">
-            <a:schemeClr val="lt1"/>
-          </a:fontRef>
-        </p:style>
-        <p:txBody>
-          <a:bodyPr rtlCol="0" anchor="ctr"/>
-          <a:lstStyle/>
-          <a:p>
-            <a:pPr algn="ctr"/>
-            <a:endParaRPr kumimoji="1" lang="ja-JP" altLang="en-US"/>
-          </a:p>
-        </p:txBody>
-      </p:sp>
-      <p:sp>
-        <p:nvSpPr>
-          <p:cNvPr id="40" name="楕円 39">
-            <a:extLst>
-              <a:ext uri="{FF2B5EF4-FFF2-40B4-BE49-F238E27FC236}">
-                <a16:creationId xmlns:a16="http://schemas.microsoft.com/office/drawing/2014/main" id="{A384379E-F540-44D0-8FB6-F77358B2E66F}"/>
-              </a:ext>
-            </a:extLst>
-          </p:cNvPr>
-          <p:cNvSpPr/>
-          <p:nvPr/>
-        </p:nvSpPr>
-        <p:spPr>
-          <a:xfrm>
-            <a:off x="7525783" y="2971881"/>
-            <a:ext cx="197153" cy="135196"/>
-          </a:xfrm>
-          <a:prstGeom prst="ellipse">
-            <a:avLst/>
-          </a:prstGeom>
-          <a:solidFill>
-            <a:schemeClr val="bg1">
-              <a:lumMod val="50000"/>
-            </a:schemeClr>
-          </a:solidFill>
-        </p:spPr>
-        <p:style>
-          <a:lnRef idx="2">
-            <a:schemeClr val="accent1">
-              <a:shade val="50000"/>
-            </a:schemeClr>
-          </a:lnRef>
-          <a:fillRef idx="1">
-            <a:schemeClr val="accent1"/>
-          </a:fillRef>
-          <a:effectRef idx="0">
-            <a:schemeClr val="accent1"/>
-          </a:effectRef>
-          <a:fontRef idx="minor">
-            <a:schemeClr val="lt1"/>
-          </a:fontRef>
-        </p:style>
-        <p:txBody>
-          <a:bodyPr rtlCol="0" anchor="ctr"/>
-          <a:lstStyle/>
-          <a:p>
-            <a:pPr algn="ctr"/>
-            <a:endParaRPr kumimoji="1" lang="ja-JP" altLang="en-US"/>
-          </a:p>
-        </p:txBody>
-      </p:sp>
-      <p:sp>
-        <p:nvSpPr>
-          <p:cNvPr id="41" name="正方形/長方形 40">
-            <a:extLst>
-              <a:ext uri="{FF2B5EF4-FFF2-40B4-BE49-F238E27FC236}">
-                <a16:creationId xmlns:a16="http://schemas.microsoft.com/office/drawing/2014/main" id="{D5723772-D606-47A3-8FEC-A8D0C56E2719}"/>
-              </a:ext>
-            </a:extLst>
-          </p:cNvPr>
-          <p:cNvSpPr/>
-          <p:nvPr/>
-        </p:nvSpPr>
-        <p:spPr>
-          <a:xfrm>
-            <a:off x="8586391" y="4226843"/>
-            <a:ext cx="861604" cy="861603"/>
-          </a:xfrm>
-          <a:prstGeom prst="rect">
-            <a:avLst/>
-          </a:prstGeom>
-          <a:solidFill>
-            <a:schemeClr val="bg1">
-              <a:lumMod val="65000"/>
-            </a:schemeClr>
-          </a:solidFill>
-        </p:spPr>
-        <p:style>
-          <a:lnRef idx="0">
-            <a:schemeClr val="accent2"/>
-          </a:lnRef>
-          <a:fillRef idx="3">
-            <a:schemeClr val="accent2"/>
-          </a:fillRef>
-          <a:effectRef idx="3">
-            <a:schemeClr val="accent2"/>
-          </a:effectRef>
-          <a:fontRef idx="minor">
-            <a:schemeClr val="lt1"/>
-          </a:fontRef>
-        </p:style>
-        <p:txBody>
-          <a:bodyPr rtlCol="0" anchor="ctr"/>
-          <a:lstStyle/>
-          <a:p>
-            <a:pPr algn="ctr"/>
-            <a:endParaRPr kumimoji="1" lang="ja-JP" altLang="en-US"/>
-          </a:p>
-        </p:txBody>
-      </p:sp>
-      <p:sp>
-        <p:nvSpPr>
-          <p:cNvPr id="42" name="テキスト ボックス 41">
-            <a:extLst>
-              <a:ext uri="{FF2B5EF4-FFF2-40B4-BE49-F238E27FC236}">
-                <a16:creationId xmlns:a16="http://schemas.microsoft.com/office/drawing/2014/main" id="{C49AC4BE-BDBD-4610-9EE5-CFFCD767C684}"/>
-              </a:ext>
-            </a:extLst>
-          </p:cNvPr>
-          <p:cNvSpPr txBox="1"/>
-          <p:nvPr/>
-        </p:nvSpPr>
-        <p:spPr>
-          <a:xfrm>
-            <a:off x="9519185" y="4471894"/>
-            <a:ext cx="697627" cy="400110"/>
-          </a:xfrm>
-          <a:prstGeom prst="rect">
-            <a:avLst/>
-          </a:prstGeom>
-          <a:noFill/>
-        </p:spPr>
-        <p:txBody>
-          <a:bodyPr wrap="none" rtlCol="0">
-            <a:spAutoFit/>
-          </a:bodyPr>
-          <a:lstStyle/>
-          <a:p>
-            <a:r>
-              <a:rPr lang="ja-JP" altLang="en-US" sz="2000" dirty="0">
-                <a:latin typeface="せのびゴシック Bold" panose="02000600000000000000" pitchFamily="2" charset="-128"/>
-                <a:ea typeface="せのびゴシック Bold" panose="02000600000000000000" pitchFamily="2" charset="-128"/>
-              </a:rPr>
-              <a:t>物資</a:t>
-            </a:r>
-            <a:endParaRPr kumimoji="1" lang="ja-JP" altLang="en-US" sz="2000" dirty="0">
-              <a:latin typeface="せのびゴシック Bold" panose="02000600000000000000" pitchFamily="2" charset="-128"/>
-              <a:ea typeface="せのびゴシック Bold" panose="02000600000000000000" pitchFamily="2" charset="-128"/>
-            </a:endParaRPr>
-          </a:p>
-        </p:txBody>
-      </p:sp>
-      <p:pic>
-        <p:nvPicPr>
-          <p:cNvPr id="1028" name="Picture 4" descr="ハロウィンのマーク（骸骨）">
-            <a:extLst>
-              <a:ext uri="{FF2B5EF4-FFF2-40B4-BE49-F238E27FC236}">
-                <a16:creationId xmlns:a16="http://schemas.microsoft.com/office/drawing/2014/main" id="{EE23EB72-1BAE-4B47-A469-D32D5C613D6C}"/>
-              </a:ext>
-            </a:extLst>
-          </p:cNvPr>
-          <p:cNvPicPr>
-            <a:picLocks noChangeAspect="1" noChangeArrowheads="1"/>
-          </p:cNvPicPr>
-          <p:nvPr/>
-        </p:nvPicPr>
-        <p:blipFill>
-          <a:blip r:embed="rId8">
-            <a:extLst>
-              <a:ext uri="{28A0092B-C50C-407E-A947-70E740481C1C}">
-                <a14:useLocalDpi xmlns:a14="http://schemas.microsoft.com/office/drawing/2010/main" val="0"/>
-              </a:ext>
-            </a:extLst>
-          </a:blip>
-          <a:srcRect/>
-          <a:stretch>
-            <a:fillRect/>
-          </a:stretch>
-        </p:blipFill>
-        <p:spPr bwMode="auto">
-          <a:xfrm>
-            <a:off x="7269972" y="3136924"/>
-            <a:ext cx="702179" cy="702179"/>
-          </a:xfrm>
-          <a:prstGeom prst="rect">
-            <a:avLst/>
-          </a:prstGeom>
-          <a:noFill/>
-          <a:extLst>
-            <a:ext uri="{909E8E84-426E-40DD-AFC4-6F175D3DCCD1}">
-              <a14:hiddenFill xmlns:a14="http://schemas.microsoft.com/office/drawing/2010/main">
-                <a:solidFill>
-                  <a:srgbClr val="FFFFFF"/>
-                </a:solidFill>
-              </a14:hiddenFill>
-            </a:ext>
-          </a:extLst>
-        </p:spPr>
-      </p:pic>
+              <a:t>ゲーム説明</a:t>
+            </a:r>
+          </a:p>
+        </p:txBody>
+      </p:sp>
     </p:spTree>
     <p:extLst>
       <p:ext uri="{BB962C8B-B14F-4D97-AF65-F5344CB8AC3E}">
-        <p14:creationId xmlns:p14="http://schemas.microsoft.com/office/powerpoint/2010/main" val="1293834073"/>
+        <p14:creationId xmlns:p14="http://schemas.microsoft.com/office/powerpoint/2010/main" val="2689501898"/>
       </p:ext>
     </p:extLst>
   </p:cSld>
@@ -9281,10 +7786,10 @@
       </p:grpSpPr>
       <p:pic>
         <p:nvPicPr>
-          <p:cNvPr id="12" name="図 11" descr="図形, 四角形&#10;&#10;自動的に生成された説明">
-            <a:extLst>
-              <a:ext uri="{FF2B5EF4-FFF2-40B4-BE49-F238E27FC236}">
-                <a16:creationId xmlns:a16="http://schemas.microsoft.com/office/drawing/2014/main" id="{3BAD4604-AC77-4C45-8194-3957226A24DD}"/>
+          <p:cNvPr id="43" name="図 42" descr="図形, 四角形&#10;&#10;自動的に生成された説明">
+            <a:extLst>
+              <a:ext uri="{FF2B5EF4-FFF2-40B4-BE49-F238E27FC236}">
+                <a16:creationId xmlns:a16="http://schemas.microsoft.com/office/drawing/2014/main" id="{C85B9848-9C0A-43FA-8888-C9A026DB3E56}"/>
               </a:ext>
             </a:extLst>
           </p:cNvPr>
@@ -9317,10 +7822,67 @@
       </p:pic>
       <p:sp>
         <p:nvSpPr>
+          <p:cNvPr id="3" name="楕円 2">
+            <a:extLst>
+              <a:ext uri="{FF2B5EF4-FFF2-40B4-BE49-F238E27FC236}">
+                <a16:creationId xmlns:a16="http://schemas.microsoft.com/office/drawing/2014/main" id="{97F7ABA8-6B94-4BFA-9B20-4C3D39556A7F}"/>
+              </a:ext>
+            </a:extLst>
+          </p:cNvPr>
+          <p:cNvSpPr/>
+          <p:nvPr/>
+        </p:nvSpPr>
+        <p:spPr>
+          <a:xfrm>
+            <a:off x="7225263" y="2299651"/>
+            <a:ext cx="778841" cy="585217"/>
+          </a:xfrm>
+          <a:prstGeom prst="ellipse">
+            <a:avLst/>
+          </a:prstGeom>
+          <a:solidFill>
+            <a:schemeClr val="bg1">
+              <a:lumMod val="75000"/>
+            </a:schemeClr>
+          </a:solidFill>
+        </p:spPr>
+        <p:style>
+          <a:lnRef idx="2">
+            <a:schemeClr val="accent1">
+              <a:shade val="50000"/>
+            </a:schemeClr>
+          </a:lnRef>
+          <a:fillRef idx="1">
+            <a:schemeClr val="accent1"/>
+          </a:fillRef>
+          <a:effectRef idx="0">
+            <a:schemeClr val="accent1"/>
+          </a:effectRef>
+          <a:fontRef idx="minor">
+            <a:schemeClr val="lt1"/>
+          </a:fontRef>
+        </p:style>
+        <p:txBody>
+          <a:bodyPr rtlCol="0" anchor="ctr"/>
+          <a:lstStyle/>
+          <a:p>
+            <a:pPr algn="ctr"/>
+            <a:endParaRPr kumimoji="1" lang="ja-JP" altLang="en-US">
+              <a:solidFill>
+                <a:schemeClr val="bg1">
+                  <a:lumMod val="50000"/>
+                </a:schemeClr>
+              </a:solidFill>
+            </a:endParaRPr>
+          </a:p>
+        </p:txBody>
+      </p:sp>
+      <p:sp>
+        <p:nvSpPr>
           <p:cNvPr id="4" name="テキスト ボックス 3">
             <a:extLst>
               <a:ext uri="{FF2B5EF4-FFF2-40B4-BE49-F238E27FC236}">
-                <a16:creationId xmlns:a16="http://schemas.microsoft.com/office/drawing/2014/main" id="{93BCD2E6-6998-3A56-83E1-F3542B5F676E}"/>
+                <a16:creationId xmlns:a16="http://schemas.microsoft.com/office/drawing/2014/main" id="{F7A31392-2204-AF7B-5DA6-A4A48AE5EE50}"/>
               </a:ext>
             </a:extLst>
           </p:cNvPr>
@@ -9329,8 +7891,8 @@
         </p:nvSpPr>
         <p:spPr>
           <a:xfrm>
-            <a:off x="2925901" y="310400"/>
-            <a:ext cx="6340197" cy="830997"/>
+            <a:off x="4519408" y="404744"/>
+            <a:ext cx="3262432" cy="830997"/>
           </a:xfrm>
           <a:prstGeom prst="rect">
             <a:avLst/>
@@ -9348,17 +7910,133 @@
                 <a:latin typeface="せのびゴシック Bold" panose="02000600000000000000" pitchFamily="2" charset="-128"/>
                 <a:ea typeface="せのびゴシック Bold" panose="02000600000000000000" pitchFamily="2" charset="-128"/>
               </a:rPr>
-              <a:t>ゲームフローチャート</a:t>
-            </a:r>
-          </a:p>
-        </p:txBody>
-      </p:sp>
-      <p:sp>
-        <p:nvSpPr>
-          <p:cNvPr id="5" name="四角形: 角を丸くする 4">
-            <a:extLst>
-              <a:ext uri="{FF2B5EF4-FFF2-40B4-BE49-F238E27FC236}">
-                <a16:creationId xmlns:a16="http://schemas.microsoft.com/office/drawing/2014/main" id="{8346C703-E75E-BBB7-0064-F5FDE97948AB}"/>
+              <a:t>プレイ内容</a:t>
+            </a:r>
+          </a:p>
+        </p:txBody>
+      </p:sp>
+      <p:sp>
+        <p:nvSpPr>
+          <p:cNvPr id="5" name="テキスト ボックス 4">
+            <a:extLst>
+              <a:ext uri="{FF2B5EF4-FFF2-40B4-BE49-F238E27FC236}">
+                <a16:creationId xmlns:a16="http://schemas.microsoft.com/office/drawing/2014/main" id="{F9107647-A6D3-3B45-AD5E-5E97A1785069}"/>
+              </a:ext>
+            </a:extLst>
+          </p:cNvPr>
+          <p:cNvSpPr txBox="1"/>
+          <p:nvPr/>
+        </p:nvSpPr>
+        <p:spPr>
+          <a:xfrm>
+            <a:off x="525244" y="1346111"/>
+            <a:ext cx="8135560" cy="400110"/>
+          </a:xfrm>
+          <a:prstGeom prst="rect">
+            <a:avLst/>
+          </a:prstGeom>
+          <a:noFill/>
+        </p:spPr>
+        <p:txBody>
+          <a:bodyPr wrap="none" rtlCol="0">
+            <a:spAutoFit/>
+          </a:bodyPr>
+          <a:lstStyle/>
+          <a:p>
+            <a:r>
+              <a:rPr kumimoji="1" lang="ja-JP" altLang="en-US" sz="2000" dirty="0">
+                <a:solidFill>
+                  <a:srgbClr val="FF0000"/>
+                </a:solidFill>
+                <a:latin typeface="せのびゴシック Bold" panose="02000600000000000000" pitchFamily="2" charset="-128"/>
+                <a:ea typeface="せのびゴシック Bold" panose="02000600000000000000" pitchFamily="2" charset="-128"/>
+              </a:rPr>
+              <a:t>敵</a:t>
+            </a:r>
+            <a:r>
+              <a:rPr kumimoji="1" lang="ja-JP" altLang="en-US" sz="2000" dirty="0">
+                <a:latin typeface="せのびゴシック Bold" panose="02000600000000000000" pitchFamily="2" charset="-128"/>
+                <a:ea typeface="せのびゴシック Bold" panose="02000600000000000000" pitchFamily="2" charset="-128"/>
+              </a:rPr>
+              <a:t>が</a:t>
+            </a:r>
+            <a:r>
+              <a:rPr kumimoji="1" lang="ja-JP" altLang="en-US" sz="2000" dirty="0">
+                <a:solidFill>
+                  <a:schemeClr val="accent4"/>
+                </a:solidFill>
+                <a:latin typeface="せのびゴシック Bold" panose="02000600000000000000" pitchFamily="2" charset="-128"/>
+                <a:ea typeface="せのびゴシック Bold" panose="02000600000000000000" pitchFamily="2" charset="-128"/>
+              </a:rPr>
+              <a:t>通る道</a:t>
+            </a:r>
+            <a:r>
+              <a:rPr kumimoji="1" lang="ja-JP" altLang="en-US" sz="2000" dirty="0">
+                <a:latin typeface="せのびゴシック Bold" panose="02000600000000000000" pitchFamily="2" charset="-128"/>
+                <a:ea typeface="せのびゴシック Bold" panose="02000600000000000000" pitchFamily="2" charset="-128"/>
+              </a:rPr>
+              <a:t>の周りに</a:t>
+            </a:r>
+            <a:r>
+              <a:rPr kumimoji="1" lang="ja-JP" altLang="en-US" sz="2000" dirty="0">
+                <a:solidFill>
+                  <a:schemeClr val="accent2"/>
+                </a:solidFill>
+                <a:latin typeface="せのびゴシック Bold" panose="02000600000000000000" pitchFamily="2" charset="-128"/>
+                <a:ea typeface="せのびゴシック Bold" panose="02000600000000000000" pitchFamily="2" charset="-128"/>
+              </a:rPr>
+              <a:t>障害物</a:t>
+            </a:r>
+            <a:r>
+              <a:rPr kumimoji="1" lang="ja-JP" altLang="en-US" sz="2000" dirty="0">
+                <a:latin typeface="せのびゴシック Bold" panose="02000600000000000000" pitchFamily="2" charset="-128"/>
+                <a:ea typeface="せのびゴシック Bold" panose="02000600000000000000" pitchFamily="2" charset="-128"/>
+              </a:rPr>
+              <a:t>を置き</a:t>
+            </a:r>
+            <a:r>
+              <a:rPr kumimoji="1" lang="ja-JP" altLang="en-US" sz="2000" dirty="0">
+                <a:solidFill>
+                  <a:srgbClr val="FF0000"/>
+                </a:solidFill>
+                <a:latin typeface="せのびゴシック Bold" panose="02000600000000000000" pitchFamily="2" charset="-128"/>
+                <a:ea typeface="せのびゴシック Bold" panose="02000600000000000000" pitchFamily="2" charset="-128"/>
+              </a:rPr>
+              <a:t>敵</a:t>
+            </a:r>
+            <a:r>
+              <a:rPr kumimoji="1" lang="ja-JP" altLang="en-US" sz="2000" dirty="0">
+                <a:latin typeface="せのびゴシック Bold" panose="02000600000000000000" pitchFamily="2" charset="-128"/>
+                <a:ea typeface="せのびゴシック Bold" panose="02000600000000000000" pitchFamily="2" charset="-128"/>
+              </a:rPr>
+              <a:t>に</a:t>
+            </a:r>
+            <a:r>
+              <a:rPr kumimoji="1" lang="ja-JP" altLang="en-US" sz="2000" dirty="0">
+                <a:solidFill>
+                  <a:schemeClr val="accent1"/>
+                </a:solidFill>
+                <a:latin typeface="せのびゴシック Bold" panose="02000600000000000000" pitchFamily="2" charset="-128"/>
+                <a:ea typeface="せのびゴシック Bold" panose="02000600000000000000" pitchFamily="2" charset="-128"/>
+              </a:rPr>
+              <a:t>タワー</a:t>
+            </a:r>
+            <a:r>
+              <a:rPr kumimoji="1" lang="ja-JP" altLang="en-US" sz="2000" dirty="0">
+                <a:latin typeface="せのびゴシック Bold" panose="02000600000000000000" pitchFamily="2" charset="-128"/>
+                <a:ea typeface="せのびゴシック Bold" panose="02000600000000000000" pitchFamily="2" charset="-128"/>
+              </a:rPr>
+              <a:t>を壊されないようにする</a:t>
+            </a:r>
+          </a:p>
+        </p:txBody>
+      </p:sp>
+      <p:sp>
+        <p:nvSpPr>
+          <p:cNvPr id="6" name="正方形/長方形 5">
+            <a:extLst>
+              <a:ext uri="{FF2B5EF4-FFF2-40B4-BE49-F238E27FC236}">
+                <a16:creationId xmlns:a16="http://schemas.microsoft.com/office/drawing/2014/main" id="{84BFE7F8-66C7-B5A6-81D6-AEAD77CA8BD7}"/>
               </a:ext>
             </a:extLst>
           </p:cNvPr>
@@ -9367,13 +8045,11 @@
         </p:nvSpPr>
         <p:spPr>
           <a:xfrm>
-            <a:off x="3987647" y="1613309"/>
-            <a:ext cx="3717944" cy="656705"/>
-          </a:xfrm>
-          <a:prstGeom prst="roundRect">
-            <a:avLst>
-              <a:gd name="adj" fmla="val 14136"/>
-            </a:avLst>
+            <a:off x="7016091" y="5307368"/>
+            <a:ext cx="4314305" cy="861603"/>
+          </a:xfrm>
+          <a:prstGeom prst="rect">
+            <a:avLst/>
           </a:prstGeom>
         </p:spPr>
         <p:style>
@@ -9397,25 +8073,16 @@
           <a:lstStyle/>
           <a:p>
             <a:pPr algn="ctr"/>
-            <a:r>
-              <a:rPr kumimoji="1" lang="ja-JP" altLang="en-US" sz="3200" dirty="0">
-                <a:solidFill>
-                  <a:schemeClr val="tx1"/>
-                </a:solidFill>
-                <a:latin typeface="せのびゴシック Bold" panose="02000600000000000000" pitchFamily="2" charset="-128"/>
-                <a:ea typeface="せのびゴシック Bold" panose="02000600000000000000" pitchFamily="2" charset="-128"/>
-              </a:rPr>
-              <a:t>障害物を設置</a:t>
-            </a:r>
-          </a:p>
-        </p:txBody>
-      </p:sp>
-      <p:sp>
-        <p:nvSpPr>
-          <p:cNvPr id="7" name="四角形: 角を丸くする 6">
-            <a:extLst>
-              <a:ext uri="{FF2B5EF4-FFF2-40B4-BE49-F238E27FC236}">
-                <a16:creationId xmlns:a16="http://schemas.microsoft.com/office/drawing/2014/main" id="{C3F22282-5333-8EC5-6F59-031BD6828D1E}"/>
+            <a:endParaRPr kumimoji="1" lang="ja-JP" altLang="en-US"/>
+          </a:p>
+        </p:txBody>
+      </p:sp>
+      <p:sp>
+        <p:nvSpPr>
+          <p:cNvPr id="7" name="正方形/長方形 6">
+            <a:extLst>
+              <a:ext uri="{FF2B5EF4-FFF2-40B4-BE49-F238E27FC236}">
+                <a16:creationId xmlns:a16="http://schemas.microsoft.com/office/drawing/2014/main" id="{C11B489F-65C6-28EE-0AEE-617003CA8C43}"/>
               </a:ext>
             </a:extLst>
           </p:cNvPr>
@@ -9423,11 +8090,11 @@
           <p:nvPr/>
         </p:nvSpPr>
         <p:spPr>
-          <a:xfrm>
-            <a:off x="7450741" y="4008122"/>
-            <a:ext cx="3717944" cy="656705"/>
-          </a:xfrm>
-          <a:prstGeom prst="roundRect">
+          <a:xfrm rot="5400000">
+            <a:off x="6359311" y="3793450"/>
+            <a:ext cx="2175164" cy="861603"/>
+          </a:xfrm>
+          <a:prstGeom prst="rect">
             <a:avLst/>
           </a:prstGeom>
         </p:spPr>
@@ -9452,119 +8119,16 @@
           <a:lstStyle/>
           <a:p>
             <a:pPr algn="ctr"/>
-            <a:r>
-              <a:rPr kumimoji="1" lang="ja-JP" altLang="en-US" sz="3200" dirty="0">
-                <a:solidFill>
-                  <a:schemeClr val="tx1"/>
-                </a:solidFill>
-                <a:latin typeface="せのびゴシック Bold" panose="02000600000000000000" pitchFamily="2" charset="-128"/>
-                <a:ea typeface="せのびゴシック Bold" panose="02000600000000000000" pitchFamily="2" charset="-128"/>
-              </a:rPr>
-              <a:t>敵を倒す</a:t>
-            </a:r>
-          </a:p>
-        </p:txBody>
-      </p:sp>
-      <p:pic>
-        <p:nvPicPr>
-          <p:cNvPr id="17" name="Picture 6" descr="大砲のイラスト | かわいいフリー素材集 いらすとや">
-            <a:extLst>
-              <a:ext uri="{FF2B5EF4-FFF2-40B4-BE49-F238E27FC236}">
-                <a16:creationId xmlns:a16="http://schemas.microsoft.com/office/drawing/2014/main" id="{63D6EA81-8D11-CAD9-DC5A-9F727BA5B539}"/>
-              </a:ext>
-            </a:extLst>
-          </p:cNvPr>
-          <p:cNvPicPr>
-            <a:picLocks noChangeAspect="1" noChangeArrowheads="1"/>
-          </p:cNvPicPr>
-          <p:nvPr/>
-        </p:nvPicPr>
-        <p:blipFill>
-          <a:blip r:embed="rId3">
-            <a:extLst>
-              <a:ext uri="{28A0092B-C50C-407E-A947-70E740481C1C}">
-                <a14:useLocalDpi xmlns:a14="http://schemas.microsoft.com/office/drawing/2010/main" val="0"/>
-              </a:ext>
-            </a:extLst>
-          </a:blip>
-          <a:srcRect/>
-          <a:stretch>
-            <a:fillRect/>
-          </a:stretch>
-        </p:blipFill>
-        <p:spPr bwMode="auto">
-          <a:xfrm flipH="1">
-            <a:off x="4762888" y="2136277"/>
-            <a:ext cx="2167461" cy="2005583"/>
-          </a:xfrm>
-          <a:prstGeom prst="rect">
-            <a:avLst/>
-          </a:prstGeom>
-          <a:noFill/>
-          <a:extLst>
-            <a:ext uri="{909E8E84-426E-40DD-AFC4-6F175D3DCCD1}">
-              <a14:hiddenFill xmlns:a14="http://schemas.microsoft.com/office/drawing/2010/main">
-                <a:solidFill>
-                  <a:srgbClr val="FFFFFF"/>
-                </a:solidFill>
-              </a14:hiddenFill>
-            </a:ext>
-          </a:extLst>
-        </p:spPr>
-      </p:pic>
-      <p:pic>
-        <p:nvPicPr>
-          <p:cNvPr id="18" name="Picture 10" descr="鉄兜と鎧を着た兵士のイラスト | かわいいフリー素材集 いらすとや">
-            <a:extLst>
-              <a:ext uri="{FF2B5EF4-FFF2-40B4-BE49-F238E27FC236}">
-                <a16:creationId xmlns:a16="http://schemas.microsoft.com/office/drawing/2014/main" id="{4E96AD38-2297-A431-9045-C0CE4AB278FA}"/>
-              </a:ext>
-            </a:extLst>
-          </p:cNvPr>
-          <p:cNvPicPr>
-            <a:picLocks noChangeAspect="1" noChangeArrowheads="1"/>
-          </p:cNvPicPr>
-          <p:nvPr/>
-        </p:nvPicPr>
-        <p:blipFill>
-          <a:blip r:embed="rId4">
-            <a:extLst>
-              <a:ext uri="{28A0092B-C50C-407E-A947-70E740481C1C}">
-                <a14:useLocalDpi xmlns:a14="http://schemas.microsoft.com/office/drawing/2010/main" val="0"/>
-              </a:ext>
-            </a:extLst>
-          </a:blip>
-          <a:srcRect/>
-          <a:stretch>
-            <a:fillRect/>
-          </a:stretch>
-        </p:blipFill>
-        <p:spPr bwMode="auto">
-          <a:xfrm>
-            <a:off x="8673034" y="4547225"/>
-            <a:ext cx="2290939" cy="2535054"/>
-          </a:xfrm>
-          <a:prstGeom prst="rect">
-            <a:avLst/>
-          </a:prstGeom>
-          <a:noFill/>
-          <a:extLst>
-            <a:ext uri="{909E8E84-426E-40DD-AFC4-6F175D3DCCD1}">
-              <a14:hiddenFill xmlns:a14="http://schemas.microsoft.com/office/drawing/2010/main">
-                <a:solidFill>
-                  <a:srgbClr val="FFFFFF"/>
-                </a:solidFill>
-              </a14:hiddenFill>
-            </a:ext>
-          </a:extLst>
-        </p:spPr>
-      </p:pic>
-      <p:sp>
-        <p:nvSpPr>
-          <p:cNvPr id="20" name="四角形: 角を丸くする 19">
-            <a:extLst>
-              <a:ext uri="{FF2B5EF4-FFF2-40B4-BE49-F238E27FC236}">
-                <a16:creationId xmlns:a16="http://schemas.microsoft.com/office/drawing/2014/main" id="{B64410FE-9B46-0538-7875-CC8D006AEF01}"/>
+            <a:endParaRPr kumimoji="1" lang="ja-JP" altLang="en-US"/>
+          </a:p>
+        </p:txBody>
+      </p:sp>
+      <p:sp>
+        <p:nvSpPr>
+          <p:cNvPr id="8" name="正方形/長方形 7">
+            <a:extLst>
+              <a:ext uri="{FF2B5EF4-FFF2-40B4-BE49-F238E27FC236}">
+                <a16:creationId xmlns:a16="http://schemas.microsoft.com/office/drawing/2014/main" id="{EF70C494-98B5-AEE6-7B01-6C1A76307D6F}"/>
               </a:ext>
             </a:extLst>
           </p:cNvPr>
@@ -9573,10 +8137,10 @@
         </p:nvSpPr>
         <p:spPr>
           <a:xfrm>
-            <a:off x="493150" y="4008122"/>
-            <a:ext cx="3717944" cy="656705"/>
-          </a:xfrm>
-          <a:prstGeom prst="roundRect">
+            <a:off x="4123113" y="3136669"/>
+            <a:ext cx="2892978" cy="861603"/>
+          </a:xfrm>
+          <a:prstGeom prst="rect">
             <a:avLst/>
           </a:prstGeom>
         </p:spPr>
@@ -9601,6 +8165,2031 @@
           <a:lstStyle/>
           <a:p>
             <a:pPr algn="ctr"/>
+            <a:endParaRPr kumimoji="1" lang="ja-JP" altLang="en-US"/>
+          </a:p>
+        </p:txBody>
+      </p:sp>
+      <p:sp>
+        <p:nvSpPr>
+          <p:cNvPr id="9" name="正方形/長方形 8">
+            <a:extLst>
+              <a:ext uri="{FF2B5EF4-FFF2-40B4-BE49-F238E27FC236}">
+                <a16:creationId xmlns:a16="http://schemas.microsoft.com/office/drawing/2014/main" id="{376AC4AA-5F2B-653D-D29B-1D9E11A48F3F}"/>
+              </a:ext>
+            </a:extLst>
+          </p:cNvPr>
+          <p:cNvSpPr/>
+          <p:nvPr/>
+        </p:nvSpPr>
+        <p:spPr>
+          <a:xfrm rot="5400000">
+            <a:off x="2248891" y="4152358"/>
+            <a:ext cx="2892978" cy="861603"/>
+          </a:xfrm>
+          <a:prstGeom prst="rect">
+            <a:avLst/>
+          </a:prstGeom>
+        </p:spPr>
+        <p:style>
+          <a:lnRef idx="2">
+            <a:schemeClr val="accent4">
+              <a:shade val="15000"/>
+            </a:schemeClr>
+          </a:lnRef>
+          <a:fillRef idx="1">
+            <a:schemeClr val="accent4"/>
+          </a:fillRef>
+          <a:effectRef idx="0">
+            <a:schemeClr val="accent4"/>
+          </a:effectRef>
+          <a:fontRef idx="minor">
+            <a:schemeClr val="lt1"/>
+          </a:fontRef>
+        </p:style>
+        <p:txBody>
+          <a:bodyPr rtlCol="0" anchor="ctr"/>
+          <a:lstStyle/>
+          <a:p>
+            <a:pPr algn="ctr"/>
+            <a:endParaRPr kumimoji="1" lang="ja-JP" altLang="en-US"/>
+          </a:p>
+        </p:txBody>
+      </p:sp>
+      <p:sp>
+        <p:nvSpPr>
+          <p:cNvPr id="10" name="正方形/長方形 9">
+            <a:extLst>
+              <a:ext uri="{FF2B5EF4-FFF2-40B4-BE49-F238E27FC236}">
+                <a16:creationId xmlns:a16="http://schemas.microsoft.com/office/drawing/2014/main" id="{1AEF0C75-ACB6-DD01-9020-F92470894EF9}"/>
+              </a:ext>
+            </a:extLst>
+          </p:cNvPr>
+          <p:cNvSpPr/>
+          <p:nvPr/>
+        </p:nvSpPr>
+        <p:spPr>
+          <a:xfrm rot="10800000">
+            <a:off x="0" y="5168045"/>
+            <a:ext cx="3264578" cy="861603"/>
+          </a:xfrm>
+          <a:prstGeom prst="rect">
+            <a:avLst/>
+          </a:prstGeom>
+        </p:spPr>
+        <p:style>
+          <a:lnRef idx="2">
+            <a:schemeClr val="accent4">
+              <a:shade val="15000"/>
+            </a:schemeClr>
+          </a:lnRef>
+          <a:fillRef idx="1">
+            <a:schemeClr val="accent4"/>
+          </a:fillRef>
+          <a:effectRef idx="0">
+            <a:schemeClr val="accent4"/>
+          </a:effectRef>
+          <a:fontRef idx="minor">
+            <a:schemeClr val="lt1"/>
+          </a:fontRef>
+        </p:style>
+        <p:txBody>
+          <a:bodyPr rtlCol="0" anchor="ctr"/>
+          <a:lstStyle/>
+          <a:p>
+            <a:pPr algn="ctr"/>
+            <a:endParaRPr kumimoji="1" lang="ja-JP" altLang="en-US"/>
+          </a:p>
+        </p:txBody>
+      </p:sp>
+      <p:sp>
+        <p:nvSpPr>
+          <p:cNvPr id="11" name="正方形/長方形 10">
+            <a:extLst>
+              <a:ext uri="{FF2B5EF4-FFF2-40B4-BE49-F238E27FC236}">
+                <a16:creationId xmlns:a16="http://schemas.microsoft.com/office/drawing/2014/main" id="{BBDD81B2-02A5-CEB8-A7A5-F50DF69AC5ED}"/>
+              </a:ext>
+            </a:extLst>
+          </p:cNvPr>
+          <p:cNvSpPr/>
+          <p:nvPr/>
+        </p:nvSpPr>
+        <p:spPr>
+          <a:xfrm>
+            <a:off x="6151418" y="5296197"/>
+            <a:ext cx="861604" cy="861603"/>
+          </a:xfrm>
+          <a:prstGeom prst="rect">
+            <a:avLst/>
+          </a:prstGeom>
+        </p:spPr>
+        <p:style>
+          <a:lnRef idx="0">
+            <a:schemeClr val="accent2"/>
+          </a:lnRef>
+          <a:fillRef idx="3">
+            <a:schemeClr val="accent2"/>
+          </a:fillRef>
+          <a:effectRef idx="3">
+            <a:schemeClr val="accent2"/>
+          </a:effectRef>
+          <a:fontRef idx="minor">
+            <a:schemeClr val="lt1"/>
+          </a:fontRef>
+        </p:style>
+        <p:txBody>
+          <a:bodyPr rtlCol="0" anchor="ctr"/>
+          <a:lstStyle/>
+          <a:p>
+            <a:pPr algn="ctr"/>
+            <a:endParaRPr kumimoji="1" lang="ja-JP" altLang="en-US"/>
+          </a:p>
+        </p:txBody>
+      </p:sp>
+      <p:sp>
+        <p:nvSpPr>
+          <p:cNvPr id="12" name="正方形/長方形 11">
+            <a:extLst>
+              <a:ext uri="{FF2B5EF4-FFF2-40B4-BE49-F238E27FC236}">
+                <a16:creationId xmlns:a16="http://schemas.microsoft.com/office/drawing/2014/main" id="{8033940C-9C61-FE66-1563-34762D76BD04}"/>
+              </a:ext>
+            </a:extLst>
+          </p:cNvPr>
+          <p:cNvSpPr/>
+          <p:nvPr/>
+        </p:nvSpPr>
+        <p:spPr>
+          <a:xfrm>
+            <a:off x="-20767" y="5168044"/>
+            <a:ext cx="861604" cy="861603"/>
+          </a:xfrm>
+          <a:prstGeom prst="rect">
+            <a:avLst/>
+          </a:prstGeom>
+        </p:spPr>
+        <p:style>
+          <a:lnRef idx="0">
+            <a:schemeClr val="accent1"/>
+          </a:lnRef>
+          <a:fillRef idx="3">
+            <a:schemeClr val="accent1"/>
+          </a:fillRef>
+          <a:effectRef idx="3">
+            <a:schemeClr val="accent1"/>
+          </a:effectRef>
+          <a:fontRef idx="minor">
+            <a:schemeClr val="lt1"/>
+          </a:fontRef>
+        </p:style>
+        <p:txBody>
+          <a:bodyPr rtlCol="0" anchor="ctr"/>
+          <a:lstStyle/>
+          <a:p>
+            <a:pPr algn="ctr"/>
+            <a:endParaRPr kumimoji="1" lang="ja-JP" altLang="en-US"/>
+          </a:p>
+        </p:txBody>
+      </p:sp>
+      <p:sp>
+        <p:nvSpPr>
+          <p:cNvPr id="13" name="正方形/長方形 12">
+            <a:extLst>
+              <a:ext uri="{FF2B5EF4-FFF2-40B4-BE49-F238E27FC236}">
+                <a16:creationId xmlns:a16="http://schemas.microsoft.com/office/drawing/2014/main" id="{A0FCCB72-451E-2692-2214-65EF9B0660FA}"/>
+              </a:ext>
+            </a:extLst>
+          </p:cNvPr>
+          <p:cNvSpPr/>
+          <p:nvPr/>
+        </p:nvSpPr>
+        <p:spPr>
+          <a:xfrm>
+            <a:off x="11338953" y="5307368"/>
+            <a:ext cx="861604" cy="861603"/>
+          </a:xfrm>
+          <a:prstGeom prst="rect">
+            <a:avLst/>
+          </a:prstGeom>
+          <a:solidFill>
+            <a:srgbClr val="C00000"/>
+          </a:solidFill>
+        </p:spPr>
+        <p:style>
+          <a:lnRef idx="0">
+            <a:schemeClr val="accent2"/>
+          </a:lnRef>
+          <a:fillRef idx="3">
+            <a:schemeClr val="accent2"/>
+          </a:fillRef>
+          <a:effectRef idx="3">
+            <a:schemeClr val="accent2"/>
+          </a:effectRef>
+          <a:fontRef idx="minor">
+            <a:schemeClr val="lt1"/>
+          </a:fontRef>
+        </p:style>
+        <p:txBody>
+          <a:bodyPr rtlCol="0" anchor="ctr"/>
+          <a:lstStyle/>
+          <a:p>
+            <a:pPr algn="ctr"/>
+            <a:endParaRPr kumimoji="1" lang="ja-JP" altLang="en-US"/>
+          </a:p>
+        </p:txBody>
+      </p:sp>
+      <p:sp>
+        <p:nvSpPr>
+          <p:cNvPr id="14" name="正方形/長方形 13">
+            <a:extLst>
+              <a:ext uri="{FF2B5EF4-FFF2-40B4-BE49-F238E27FC236}">
+                <a16:creationId xmlns:a16="http://schemas.microsoft.com/office/drawing/2014/main" id="{1CEE8855-B6A5-DC69-03DC-A0629CC3684E}"/>
+              </a:ext>
+            </a:extLst>
+          </p:cNvPr>
+          <p:cNvSpPr/>
+          <p:nvPr/>
+        </p:nvSpPr>
+        <p:spPr>
+          <a:xfrm>
+            <a:off x="6154487" y="3998271"/>
+            <a:ext cx="861604" cy="861603"/>
+          </a:xfrm>
+          <a:prstGeom prst="rect">
+            <a:avLst/>
+          </a:prstGeom>
+        </p:spPr>
+        <p:style>
+          <a:lnRef idx="0">
+            <a:schemeClr val="accent2"/>
+          </a:lnRef>
+          <a:fillRef idx="3">
+            <a:schemeClr val="accent2"/>
+          </a:fillRef>
+          <a:effectRef idx="3">
+            <a:schemeClr val="accent2"/>
+          </a:effectRef>
+          <a:fontRef idx="minor">
+            <a:schemeClr val="lt1"/>
+          </a:fontRef>
+        </p:style>
+        <p:txBody>
+          <a:bodyPr rtlCol="0" anchor="ctr"/>
+          <a:lstStyle/>
+          <a:p>
+            <a:pPr algn="ctr"/>
+            <a:endParaRPr kumimoji="1" lang="ja-JP" altLang="en-US"/>
+          </a:p>
+        </p:txBody>
+      </p:sp>
+      <p:sp>
+        <p:nvSpPr>
+          <p:cNvPr id="15" name="正方形/長方形 14">
+            <a:extLst>
+              <a:ext uri="{FF2B5EF4-FFF2-40B4-BE49-F238E27FC236}">
+                <a16:creationId xmlns:a16="http://schemas.microsoft.com/office/drawing/2014/main" id="{772368CB-5680-40B7-1652-16430A12326E}"/>
+              </a:ext>
+            </a:extLst>
+          </p:cNvPr>
+          <p:cNvSpPr/>
+          <p:nvPr/>
+        </p:nvSpPr>
+        <p:spPr>
+          <a:xfrm>
+            <a:off x="4123113" y="3993756"/>
+            <a:ext cx="861604" cy="861603"/>
+          </a:xfrm>
+          <a:prstGeom prst="rect">
+            <a:avLst/>
+          </a:prstGeom>
+        </p:spPr>
+        <p:style>
+          <a:lnRef idx="0">
+            <a:schemeClr val="accent2"/>
+          </a:lnRef>
+          <a:fillRef idx="3">
+            <a:schemeClr val="accent2"/>
+          </a:fillRef>
+          <a:effectRef idx="3">
+            <a:schemeClr val="accent2"/>
+          </a:effectRef>
+          <a:fontRef idx="minor">
+            <a:schemeClr val="lt1"/>
+          </a:fontRef>
+        </p:style>
+        <p:txBody>
+          <a:bodyPr rtlCol="0" anchor="ctr"/>
+          <a:lstStyle/>
+          <a:p>
+            <a:pPr algn="ctr"/>
+            <a:endParaRPr kumimoji="1" lang="ja-JP" altLang="en-US"/>
+          </a:p>
+        </p:txBody>
+      </p:sp>
+      <p:sp>
+        <p:nvSpPr>
+          <p:cNvPr id="16" name="正方形/長方形 15">
+            <a:extLst>
+              <a:ext uri="{FF2B5EF4-FFF2-40B4-BE49-F238E27FC236}">
+                <a16:creationId xmlns:a16="http://schemas.microsoft.com/office/drawing/2014/main" id="{0508D04C-5E84-673D-9F09-C456F6C658EF}"/>
+              </a:ext>
+            </a:extLst>
+          </p:cNvPr>
+          <p:cNvSpPr/>
+          <p:nvPr/>
+        </p:nvSpPr>
+        <p:spPr>
+          <a:xfrm>
+            <a:off x="3261509" y="6029647"/>
+            <a:ext cx="861604" cy="861603"/>
+          </a:xfrm>
+          <a:prstGeom prst="rect">
+            <a:avLst/>
+          </a:prstGeom>
+        </p:spPr>
+        <p:style>
+          <a:lnRef idx="0">
+            <a:schemeClr val="accent2"/>
+          </a:lnRef>
+          <a:fillRef idx="3">
+            <a:schemeClr val="accent2"/>
+          </a:fillRef>
+          <a:effectRef idx="3">
+            <a:schemeClr val="accent2"/>
+          </a:effectRef>
+          <a:fontRef idx="minor">
+            <a:schemeClr val="lt1"/>
+          </a:fontRef>
+        </p:style>
+        <p:txBody>
+          <a:bodyPr rtlCol="0" anchor="ctr"/>
+          <a:lstStyle/>
+          <a:p>
+            <a:pPr algn="ctr"/>
+            <a:endParaRPr kumimoji="1" lang="ja-JP" altLang="en-US"/>
+          </a:p>
+        </p:txBody>
+      </p:sp>
+      <p:sp>
+        <p:nvSpPr>
+          <p:cNvPr id="17" name="正方形/長方形 16">
+            <a:extLst>
+              <a:ext uri="{FF2B5EF4-FFF2-40B4-BE49-F238E27FC236}">
+                <a16:creationId xmlns:a16="http://schemas.microsoft.com/office/drawing/2014/main" id="{0BE569CF-11C2-883C-7B1B-0126734EF161}"/>
+              </a:ext>
+            </a:extLst>
+          </p:cNvPr>
+          <p:cNvSpPr/>
+          <p:nvPr/>
+        </p:nvSpPr>
+        <p:spPr>
+          <a:xfrm>
+            <a:off x="5175910" y="2259024"/>
+            <a:ext cx="861604" cy="861603"/>
+          </a:xfrm>
+          <a:prstGeom prst="rect">
+            <a:avLst/>
+          </a:prstGeom>
+        </p:spPr>
+        <p:style>
+          <a:lnRef idx="0">
+            <a:schemeClr val="accent2"/>
+          </a:lnRef>
+          <a:fillRef idx="3">
+            <a:schemeClr val="accent2"/>
+          </a:fillRef>
+          <a:effectRef idx="3">
+            <a:schemeClr val="accent2"/>
+          </a:effectRef>
+          <a:fontRef idx="minor">
+            <a:schemeClr val="lt1"/>
+          </a:fontRef>
+        </p:style>
+        <p:txBody>
+          <a:bodyPr rtlCol="0" anchor="ctr"/>
+          <a:lstStyle/>
+          <a:p>
+            <a:pPr algn="ctr"/>
+            <a:endParaRPr kumimoji="1" lang="ja-JP" altLang="en-US" dirty="0"/>
+          </a:p>
+        </p:txBody>
+      </p:sp>
+      <p:sp>
+        <p:nvSpPr>
+          <p:cNvPr id="18" name="正方形/長方形 17">
+            <a:extLst>
+              <a:ext uri="{FF2B5EF4-FFF2-40B4-BE49-F238E27FC236}">
+                <a16:creationId xmlns:a16="http://schemas.microsoft.com/office/drawing/2014/main" id="{2CFFFCA8-9924-5C4F-E357-064A25154927}"/>
+              </a:ext>
+            </a:extLst>
+          </p:cNvPr>
+          <p:cNvSpPr/>
+          <p:nvPr/>
+        </p:nvSpPr>
+        <p:spPr>
+          <a:xfrm>
+            <a:off x="8561960" y="291679"/>
+            <a:ext cx="861604" cy="861603"/>
+          </a:xfrm>
+          <a:prstGeom prst="rect">
+            <a:avLst/>
+          </a:prstGeom>
+        </p:spPr>
+        <p:style>
+          <a:lnRef idx="0">
+            <a:schemeClr val="accent2"/>
+          </a:lnRef>
+          <a:fillRef idx="3">
+            <a:schemeClr val="accent2"/>
+          </a:fillRef>
+          <a:effectRef idx="3">
+            <a:schemeClr val="accent2"/>
+          </a:effectRef>
+          <a:fontRef idx="minor">
+            <a:schemeClr val="lt1"/>
+          </a:fontRef>
+        </p:style>
+        <p:txBody>
+          <a:bodyPr rtlCol="0" anchor="ctr"/>
+          <a:lstStyle/>
+          <a:p>
+            <a:pPr algn="ctr"/>
+            <a:endParaRPr kumimoji="1" lang="ja-JP" altLang="en-US"/>
+          </a:p>
+        </p:txBody>
+      </p:sp>
+      <p:sp>
+        <p:nvSpPr>
+          <p:cNvPr id="19" name="正方形/長方形 18">
+            <a:extLst>
+              <a:ext uri="{FF2B5EF4-FFF2-40B4-BE49-F238E27FC236}">
+                <a16:creationId xmlns:a16="http://schemas.microsoft.com/office/drawing/2014/main" id="{25F85872-9A29-6FF4-1F0B-F97E6A651207}"/>
+              </a:ext>
+            </a:extLst>
+          </p:cNvPr>
+          <p:cNvSpPr/>
+          <p:nvPr/>
+        </p:nvSpPr>
+        <p:spPr>
+          <a:xfrm>
+            <a:off x="8561960" y="1280160"/>
+            <a:ext cx="861604" cy="861603"/>
+          </a:xfrm>
+          <a:prstGeom prst="rect">
+            <a:avLst/>
+          </a:prstGeom>
+        </p:spPr>
+        <p:style>
+          <a:lnRef idx="0">
+            <a:schemeClr val="accent1"/>
+          </a:lnRef>
+          <a:fillRef idx="3">
+            <a:schemeClr val="accent1"/>
+          </a:fillRef>
+          <a:effectRef idx="3">
+            <a:schemeClr val="accent1"/>
+          </a:effectRef>
+          <a:fontRef idx="minor">
+            <a:schemeClr val="lt1"/>
+          </a:fontRef>
+        </p:style>
+        <p:txBody>
+          <a:bodyPr rtlCol="0" anchor="ctr"/>
+          <a:lstStyle/>
+          <a:p>
+            <a:pPr algn="ctr"/>
+            <a:endParaRPr kumimoji="1" lang="ja-JP" altLang="en-US"/>
+          </a:p>
+        </p:txBody>
+      </p:sp>
+      <p:sp>
+        <p:nvSpPr>
+          <p:cNvPr id="20" name="正方形/長方形 19">
+            <a:extLst>
+              <a:ext uri="{FF2B5EF4-FFF2-40B4-BE49-F238E27FC236}">
+                <a16:creationId xmlns:a16="http://schemas.microsoft.com/office/drawing/2014/main" id="{306F637E-1E5B-6E4B-2927-19709F4CBF97}"/>
+              </a:ext>
+            </a:extLst>
+          </p:cNvPr>
+          <p:cNvSpPr/>
+          <p:nvPr/>
+        </p:nvSpPr>
+        <p:spPr>
+          <a:xfrm>
+            <a:off x="8561960" y="2275066"/>
+            <a:ext cx="861604" cy="861603"/>
+          </a:xfrm>
+          <a:prstGeom prst="rect">
+            <a:avLst/>
+          </a:prstGeom>
+          <a:solidFill>
+            <a:srgbClr val="C00000"/>
+          </a:solidFill>
+        </p:spPr>
+        <p:style>
+          <a:lnRef idx="0">
+            <a:schemeClr val="accent2"/>
+          </a:lnRef>
+          <a:fillRef idx="3">
+            <a:schemeClr val="accent2"/>
+          </a:fillRef>
+          <a:effectRef idx="3">
+            <a:schemeClr val="accent2"/>
+          </a:effectRef>
+          <a:fontRef idx="minor">
+            <a:schemeClr val="lt1"/>
+          </a:fontRef>
+        </p:style>
+        <p:txBody>
+          <a:bodyPr rtlCol="0" anchor="ctr"/>
+          <a:lstStyle/>
+          <a:p>
+            <a:pPr algn="ctr"/>
+            <a:endParaRPr kumimoji="1" lang="ja-JP" altLang="en-US"/>
+          </a:p>
+        </p:txBody>
+      </p:sp>
+      <p:sp>
+        <p:nvSpPr>
+          <p:cNvPr id="23" name="テキスト ボックス 22">
+            <a:extLst>
+              <a:ext uri="{FF2B5EF4-FFF2-40B4-BE49-F238E27FC236}">
+                <a16:creationId xmlns:a16="http://schemas.microsoft.com/office/drawing/2014/main" id="{66FF8F83-1E07-3232-407D-65235D6F3156}"/>
+              </a:ext>
+            </a:extLst>
+          </p:cNvPr>
+          <p:cNvSpPr txBox="1"/>
+          <p:nvPr/>
+        </p:nvSpPr>
+        <p:spPr>
+          <a:xfrm>
+            <a:off x="9373392" y="553806"/>
+            <a:ext cx="2461508" cy="400110"/>
+          </a:xfrm>
+          <a:prstGeom prst="rect">
+            <a:avLst/>
+          </a:prstGeom>
+          <a:noFill/>
+        </p:spPr>
+        <p:txBody>
+          <a:bodyPr wrap="none" rtlCol="0">
+            <a:spAutoFit/>
+          </a:bodyPr>
+          <a:lstStyle/>
+          <a:p>
+            <a:r>
+              <a:rPr kumimoji="1" lang="ja-JP" altLang="en-US" sz="2000" dirty="0">
+                <a:latin typeface="せのびゴシック Bold" panose="02000600000000000000" pitchFamily="2" charset="-128"/>
+                <a:ea typeface="せのびゴシック Bold" panose="02000600000000000000" pitchFamily="2" charset="-128"/>
+              </a:rPr>
+              <a:t>障害物</a:t>
+            </a:r>
+            <a:r>
+              <a:rPr kumimoji="1" lang="en-US" altLang="ja-JP" sz="2000" dirty="0">
+                <a:latin typeface="せのびゴシック Bold" panose="02000600000000000000" pitchFamily="2" charset="-128"/>
+                <a:ea typeface="せのびゴシック Bold" panose="02000600000000000000" pitchFamily="2" charset="-128"/>
+              </a:rPr>
+              <a:t>(</a:t>
+            </a:r>
+            <a:r>
+              <a:rPr lang="ja-JP" altLang="en-US" sz="2000" dirty="0">
+                <a:latin typeface="せのびゴシック Bold" panose="02000600000000000000" pitchFamily="2" charset="-128"/>
+                <a:ea typeface="せのびゴシック Bold" panose="02000600000000000000" pitchFamily="2" charset="-128"/>
+              </a:rPr>
+              <a:t>大砲など</a:t>
+            </a:r>
+            <a:r>
+              <a:rPr lang="en-US" altLang="ja-JP" sz="2000" dirty="0">
+                <a:latin typeface="せのびゴシック Bold" panose="02000600000000000000" pitchFamily="2" charset="-128"/>
+                <a:ea typeface="せのびゴシック Bold" panose="02000600000000000000" pitchFamily="2" charset="-128"/>
+              </a:rPr>
+              <a:t>...</a:t>
+            </a:r>
+            <a:r>
+              <a:rPr kumimoji="1" lang="en-US" altLang="ja-JP" sz="2000" dirty="0">
+                <a:latin typeface="せのびゴシック Bold" panose="02000600000000000000" pitchFamily="2" charset="-128"/>
+                <a:ea typeface="せのびゴシック Bold" panose="02000600000000000000" pitchFamily="2" charset="-128"/>
+              </a:rPr>
+              <a:t>)</a:t>
+            </a:r>
+            <a:endParaRPr kumimoji="1" lang="ja-JP" altLang="en-US" sz="2000" dirty="0">
+              <a:latin typeface="せのびゴシック Bold" panose="02000600000000000000" pitchFamily="2" charset="-128"/>
+              <a:ea typeface="せのびゴシック Bold" panose="02000600000000000000" pitchFamily="2" charset="-128"/>
+            </a:endParaRPr>
+          </a:p>
+        </p:txBody>
+      </p:sp>
+      <p:sp>
+        <p:nvSpPr>
+          <p:cNvPr id="25" name="テキスト ボックス 24">
+            <a:extLst>
+              <a:ext uri="{FF2B5EF4-FFF2-40B4-BE49-F238E27FC236}">
+                <a16:creationId xmlns:a16="http://schemas.microsoft.com/office/drawing/2014/main" id="{F3EF1997-A14C-ABEF-D296-17B8290D4878}"/>
+              </a:ext>
+            </a:extLst>
+          </p:cNvPr>
+          <p:cNvSpPr txBox="1"/>
+          <p:nvPr/>
+        </p:nvSpPr>
+        <p:spPr>
+          <a:xfrm>
+            <a:off x="9423564" y="1510906"/>
+            <a:ext cx="954107" cy="400110"/>
+          </a:xfrm>
+          <a:prstGeom prst="rect">
+            <a:avLst/>
+          </a:prstGeom>
+          <a:noFill/>
+        </p:spPr>
+        <p:txBody>
+          <a:bodyPr wrap="none" rtlCol="0">
+            <a:spAutoFit/>
+          </a:bodyPr>
+          <a:lstStyle/>
+          <a:p>
+            <a:r>
+              <a:rPr kumimoji="1" lang="ja-JP" altLang="en-US" sz="2000" dirty="0">
+                <a:latin typeface="せのびゴシック Bold" panose="02000600000000000000" pitchFamily="2" charset="-128"/>
+                <a:ea typeface="せのびゴシック Bold" panose="02000600000000000000" pitchFamily="2" charset="-128"/>
+              </a:rPr>
+              <a:t>タワー</a:t>
+            </a:r>
+          </a:p>
+        </p:txBody>
+      </p:sp>
+      <p:sp>
+        <p:nvSpPr>
+          <p:cNvPr id="26" name="テキスト ボックス 25">
+            <a:extLst>
+              <a:ext uri="{FF2B5EF4-FFF2-40B4-BE49-F238E27FC236}">
+                <a16:creationId xmlns:a16="http://schemas.microsoft.com/office/drawing/2014/main" id="{BD60BE62-391C-72C0-8CCF-87E4285A3E9B}"/>
+              </a:ext>
+            </a:extLst>
+          </p:cNvPr>
+          <p:cNvSpPr txBox="1"/>
+          <p:nvPr/>
+        </p:nvSpPr>
+        <p:spPr>
+          <a:xfrm>
+            <a:off x="9519185" y="2502017"/>
+            <a:ext cx="1723549" cy="400110"/>
+          </a:xfrm>
+          <a:prstGeom prst="rect">
+            <a:avLst/>
+          </a:prstGeom>
+          <a:noFill/>
+        </p:spPr>
+        <p:txBody>
+          <a:bodyPr wrap="none" rtlCol="0">
+            <a:spAutoFit/>
+          </a:bodyPr>
+          <a:lstStyle/>
+          <a:p>
+            <a:r>
+              <a:rPr kumimoji="1" lang="ja-JP" altLang="en-US" sz="2000" dirty="0">
+                <a:latin typeface="せのびゴシック Bold" panose="02000600000000000000" pitchFamily="2" charset="-128"/>
+                <a:ea typeface="せのびゴシック Bold" panose="02000600000000000000" pitchFamily="2" charset="-128"/>
+              </a:rPr>
+              <a:t>敵の生成位置</a:t>
+            </a:r>
+          </a:p>
+        </p:txBody>
+      </p:sp>
+      <p:sp>
+        <p:nvSpPr>
+          <p:cNvPr id="28" name="テキスト ボックス 27">
+            <a:extLst>
+              <a:ext uri="{FF2B5EF4-FFF2-40B4-BE49-F238E27FC236}">
+                <a16:creationId xmlns:a16="http://schemas.microsoft.com/office/drawing/2014/main" id="{80EE4B94-72F6-8E64-6AA8-1078569D3247}"/>
+              </a:ext>
+            </a:extLst>
+          </p:cNvPr>
+          <p:cNvSpPr txBox="1"/>
+          <p:nvPr/>
+        </p:nvSpPr>
+        <p:spPr>
+          <a:xfrm>
+            <a:off x="525244" y="1782381"/>
+            <a:ext cx="6340197" cy="400110"/>
+          </a:xfrm>
+          <a:prstGeom prst="rect">
+            <a:avLst/>
+          </a:prstGeom>
+          <a:noFill/>
+        </p:spPr>
+        <p:txBody>
+          <a:bodyPr wrap="none" rtlCol="0">
+            <a:spAutoFit/>
+          </a:bodyPr>
+          <a:lstStyle/>
+          <a:p>
+            <a:r>
+              <a:rPr kumimoji="1" lang="ja-JP" altLang="en-US" sz="2000" dirty="0">
+                <a:solidFill>
+                  <a:srgbClr val="FF0000"/>
+                </a:solidFill>
+                <a:latin typeface="せのびゴシック Bold" panose="02000600000000000000" pitchFamily="2" charset="-128"/>
+                <a:ea typeface="せのびゴシック Bold" panose="02000600000000000000" pitchFamily="2" charset="-128"/>
+              </a:rPr>
+              <a:t>敵</a:t>
+            </a:r>
+            <a:r>
+              <a:rPr kumimoji="1" lang="ja-JP" altLang="en-US" sz="2000" dirty="0">
+                <a:latin typeface="せのびゴシック Bold" panose="02000600000000000000" pitchFamily="2" charset="-128"/>
+                <a:ea typeface="せのびゴシック Bold" panose="02000600000000000000" pitchFamily="2" charset="-128"/>
+              </a:rPr>
+              <a:t>を倒すと</a:t>
+            </a:r>
+            <a:r>
+              <a:rPr kumimoji="1" lang="ja-JP" altLang="en-US" sz="2000" dirty="0">
+                <a:solidFill>
+                  <a:schemeClr val="bg1">
+                    <a:lumMod val="50000"/>
+                  </a:schemeClr>
+                </a:solidFill>
+                <a:latin typeface="せのびゴシック Bold" panose="02000600000000000000" pitchFamily="2" charset="-128"/>
+                <a:ea typeface="せのびゴシック Bold" panose="02000600000000000000" pitchFamily="2" charset="-128"/>
+              </a:rPr>
+              <a:t>資材</a:t>
+            </a:r>
+            <a:r>
+              <a:rPr kumimoji="1" lang="ja-JP" altLang="en-US" sz="2000" dirty="0">
+                <a:latin typeface="せのびゴシック Bold" panose="02000600000000000000" pitchFamily="2" charset="-128"/>
+                <a:ea typeface="せのびゴシック Bold" panose="02000600000000000000" pitchFamily="2" charset="-128"/>
+              </a:rPr>
+              <a:t>が手に入り</a:t>
+            </a:r>
+            <a:r>
+              <a:rPr kumimoji="1" lang="ja-JP" altLang="en-US" sz="2000" dirty="0">
+                <a:solidFill>
+                  <a:schemeClr val="accent2"/>
+                </a:solidFill>
+                <a:latin typeface="せのびゴシック Bold" panose="02000600000000000000" pitchFamily="2" charset="-128"/>
+                <a:ea typeface="せのびゴシック Bold" panose="02000600000000000000" pitchFamily="2" charset="-128"/>
+              </a:rPr>
+              <a:t>障害物</a:t>
+            </a:r>
+            <a:r>
+              <a:rPr kumimoji="1" lang="ja-JP" altLang="en-US" sz="2000" dirty="0">
+                <a:latin typeface="せのびゴシック Bold" panose="02000600000000000000" pitchFamily="2" charset="-128"/>
+                <a:ea typeface="せのびゴシック Bold" panose="02000600000000000000" pitchFamily="2" charset="-128"/>
+              </a:rPr>
+              <a:t>を建てる事ができる</a:t>
+            </a:r>
+          </a:p>
+        </p:txBody>
+      </p:sp>
+      <p:pic>
+        <p:nvPicPr>
+          <p:cNvPr id="1030" name="Picture 6" descr="大砲のイラスト | かわいいフリー素材集 いらすとや">
+            <a:extLst>
+              <a:ext uri="{FF2B5EF4-FFF2-40B4-BE49-F238E27FC236}">
+                <a16:creationId xmlns:a16="http://schemas.microsoft.com/office/drawing/2014/main" id="{E3467512-DE79-7311-0D18-5413F00538A3}"/>
+              </a:ext>
+            </a:extLst>
+          </p:cNvPr>
+          <p:cNvPicPr>
+            <a:picLocks noChangeAspect="1" noChangeArrowheads="1"/>
+          </p:cNvPicPr>
+          <p:nvPr/>
+        </p:nvPicPr>
+        <p:blipFill>
+          <a:blip r:embed="rId3">
+            <a:extLst>
+              <a:ext uri="{28A0092B-C50C-407E-A947-70E740481C1C}">
+                <a14:useLocalDpi xmlns:a14="http://schemas.microsoft.com/office/drawing/2010/main" val="0"/>
+              </a:ext>
+            </a:extLst>
+          </a:blip>
+          <a:srcRect/>
+          <a:stretch>
+            <a:fillRect/>
+          </a:stretch>
+        </p:blipFill>
+        <p:spPr bwMode="auto">
+          <a:xfrm flipH="1">
+            <a:off x="5180764" y="2245804"/>
+            <a:ext cx="982573" cy="909189"/>
+          </a:xfrm>
+          <a:prstGeom prst="rect">
+            <a:avLst/>
+          </a:prstGeom>
+          <a:noFill/>
+          <a:extLst>
+            <a:ext uri="{909E8E84-426E-40DD-AFC4-6F175D3DCCD1}">
+              <a14:hiddenFill xmlns:a14="http://schemas.microsoft.com/office/drawing/2010/main">
+                <a:solidFill>
+                  <a:srgbClr val="FFFFFF"/>
+                </a:solidFill>
+              </a14:hiddenFill>
+            </a:ext>
+          </a:extLst>
+        </p:spPr>
+      </p:pic>
+      <p:pic>
+        <p:nvPicPr>
+          <p:cNvPr id="29" name="Picture 6" descr="大砲のイラスト | かわいいフリー素材集 いらすとや">
+            <a:extLst>
+              <a:ext uri="{FF2B5EF4-FFF2-40B4-BE49-F238E27FC236}">
+                <a16:creationId xmlns:a16="http://schemas.microsoft.com/office/drawing/2014/main" id="{9C515021-D9B3-8355-8FDC-16ECFFC80F23}"/>
+              </a:ext>
+            </a:extLst>
+          </p:cNvPr>
+          <p:cNvPicPr>
+            <a:picLocks noChangeAspect="1" noChangeArrowheads="1"/>
+          </p:cNvPicPr>
+          <p:nvPr/>
+        </p:nvPicPr>
+        <p:blipFill>
+          <a:blip r:embed="rId3">
+            <a:extLst>
+              <a:ext uri="{28A0092B-C50C-407E-A947-70E740481C1C}">
+                <a14:useLocalDpi xmlns:a14="http://schemas.microsoft.com/office/drawing/2010/main" val="0"/>
+              </a:ext>
+            </a:extLst>
+          </a:blip>
+          <a:srcRect/>
+          <a:stretch>
+            <a:fillRect/>
+          </a:stretch>
+        </p:blipFill>
+        <p:spPr bwMode="auto">
+          <a:xfrm flipH="1">
+            <a:off x="3260226" y="5847986"/>
+            <a:ext cx="982573" cy="909189"/>
+          </a:xfrm>
+          <a:prstGeom prst="rect">
+            <a:avLst/>
+          </a:prstGeom>
+          <a:noFill/>
+          <a:extLst>
+            <a:ext uri="{909E8E84-426E-40DD-AFC4-6F175D3DCCD1}">
+              <a14:hiddenFill xmlns:a14="http://schemas.microsoft.com/office/drawing/2010/main">
+                <a:solidFill>
+                  <a:srgbClr val="FFFFFF"/>
+                </a:solidFill>
+              </a14:hiddenFill>
+            </a:ext>
+          </a:extLst>
+        </p:spPr>
+      </p:pic>
+      <p:pic>
+        <p:nvPicPr>
+          <p:cNvPr id="1032" name="Picture 8" descr="クロスボウのイラスト | かわいいフリー素材集 いらすとや">
+            <a:extLst>
+              <a:ext uri="{FF2B5EF4-FFF2-40B4-BE49-F238E27FC236}">
+                <a16:creationId xmlns:a16="http://schemas.microsoft.com/office/drawing/2014/main" id="{5AB2EFF0-AEB9-AAE3-B0CB-3348605CD778}"/>
+              </a:ext>
+            </a:extLst>
+          </p:cNvPr>
+          <p:cNvPicPr>
+            <a:picLocks noChangeAspect="1" noChangeArrowheads="1"/>
+          </p:cNvPicPr>
+          <p:nvPr/>
+        </p:nvPicPr>
+        <p:blipFill>
+          <a:blip r:embed="rId4">
+            <a:extLst>
+              <a:ext uri="{28A0092B-C50C-407E-A947-70E740481C1C}">
+                <a14:useLocalDpi xmlns:a14="http://schemas.microsoft.com/office/drawing/2010/main" val="0"/>
+              </a:ext>
+            </a:extLst>
+          </a:blip>
+          <a:srcRect/>
+          <a:stretch>
+            <a:fillRect/>
+          </a:stretch>
+        </p:blipFill>
+        <p:spPr bwMode="auto">
+          <a:xfrm flipH="1">
+            <a:off x="6184208" y="5142573"/>
+            <a:ext cx="1066143" cy="1006279"/>
+          </a:xfrm>
+          <a:prstGeom prst="rect">
+            <a:avLst/>
+          </a:prstGeom>
+          <a:noFill/>
+          <a:extLst>
+            <a:ext uri="{909E8E84-426E-40DD-AFC4-6F175D3DCCD1}">
+              <a14:hiddenFill xmlns:a14="http://schemas.microsoft.com/office/drawing/2010/main">
+                <a:solidFill>
+                  <a:srgbClr val="FFFFFF"/>
+                </a:solidFill>
+              </a14:hiddenFill>
+            </a:ext>
+          </a:extLst>
+        </p:spPr>
+      </p:pic>
+      <p:pic>
+        <p:nvPicPr>
+          <p:cNvPr id="31" name="Picture 8" descr="クロスボウのイラスト | かわいいフリー素材集 いらすとや">
+            <a:extLst>
+              <a:ext uri="{FF2B5EF4-FFF2-40B4-BE49-F238E27FC236}">
+                <a16:creationId xmlns:a16="http://schemas.microsoft.com/office/drawing/2014/main" id="{9F5D5C2A-FA37-C863-9BCF-106610EFCE2D}"/>
+              </a:ext>
+            </a:extLst>
+          </p:cNvPr>
+          <p:cNvPicPr>
+            <a:picLocks noChangeAspect="1" noChangeArrowheads="1"/>
+          </p:cNvPicPr>
+          <p:nvPr/>
+        </p:nvPicPr>
+        <p:blipFill>
+          <a:blip r:embed="rId4">
+            <a:extLst>
+              <a:ext uri="{28A0092B-C50C-407E-A947-70E740481C1C}">
+                <a14:useLocalDpi xmlns:a14="http://schemas.microsoft.com/office/drawing/2010/main" val="0"/>
+              </a:ext>
+            </a:extLst>
+          </a:blip>
+          <a:srcRect/>
+          <a:stretch>
+            <a:fillRect/>
+          </a:stretch>
+        </p:blipFill>
+        <p:spPr bwMode="auto">
+          <a:xfrm flipH="1">
+            <a:off x="4149567" y="3834934"/>
+            <a:ext cx="1066143" cy="1006279"/>
+          </a:xfrm>
+          <a:prstGeom prst="rect">
+            <a:avLst/>
+          </a:prstGeom>
+          <a:noFill/>
+          <a:extLst>
+            <a:ext uri="{909E8E84-426E-40DD-AFC4-6F175D3DCCD1}">
+              <a14:hiddenFill xmlns:a14="http://schemas.microsoft.com/office/drawing/2010/main">
+                <a:solidFill>
+                  <a:srgbClr val="FFFFFF"/>
+                </a:solidFill>
+              </a14:hiddenFill>
+            </a:ext>
+          </a:extLst>
+        </p:spPr>
+      </p:pic>
+      <p:pic>
+        <p:nvPicPr>
+          <p:cNvPr id="1034" name="Picture 10" descr="鉄兜と鎧を着た兵士のイラスト | かわいいフリー素材集 いらすとや">
+            <a:extLst>
+              <a:ext uri="{FF2B5EF4-FFF2-40B4-BE49-F238E27FC236}">
+                <a16:creationId xmlns:a16="http://schemas.microsoft.com/office/drawing/2014/main" id="{C7C673D8-32F9-53B0-0DED-F9DA524E0324}"/>
+              </a:ext>
+            </a:extLst>
+          </p:cNvPr>
+          <p:cNvPicPr>
+            <a:picLocks noChangeAspect="1" noChangeArrowheads="1"/>
+          </p:cNvPicPr>
+          <p:nvPr/>
+        </p:nvPicPr>
+        <p:blipFill>
+          <a:blip r:embed="rId5">
+            <a:extLst>
+              <a:ext uri="{28A0092B-C50C-407E-A947-70E740481C1C}">
+                <a14:useLocalDpi xmlns:a14="http://schemas.microsoft.com/office/drawing/2010/main" val="0"/>
+              </a:ext>
+            </a:extLst>
+          </a:blip>
+          <a:srcRect/>
+          <a:stretch>
+            <a:fillRect/>
+          </a:stretch>
+        </p:blipFill>
+        <p:spPr bwMode="auto">
+          <a:xfrm>
+            <a:off x="11305375" y="4944136"/>
+            <a:ext cx="1156885" cy="1280159"/>
+          </a:xfrm>
+          <a:prstGeom prst="rect">
+            <a:avLst/>
+          </a:prstGeom>
+          <a:noFill/>
+          <a:extLst>
+            <a:ext uri="{909E8E84-426E-40DD-AFC4-6F175D3DCCD1}">
+              <a14:hiddenFill xmlns:a14="http://schemas.microsoft.com/office/drawing/2010/main">
+                <a:solidFill>
+                  <a:srgbClr val="FFFFFF"/>
+                </a:solidFill>
+              </a14:hiddenFill>
+            </a:ext>
+          </a:extLst>
+        </p:spPr>
+      </p:pic>
+      <p:pic>
+        <p:nvPicPr>
+          <p:cNvPr id="33" name="Picture 10" descr="鉄兜と鎧を着た兵士のイラスト | かわいいフリー素材集 いらすとや">
+            <a:extLst>
+              <a:ext uri="{FF2B5EF4-FFF2-40B4-BE49-F238E27FC236}">
+                <a16:creationId xmlns:a16="http://schemas.microsoft.com/office/drawing/2014/main" id="{549ECC93-FA36-1654-F6B2-28E71D218B0E}"/>
+              </a:ext>
+            </a:extLst>
+          </p:cNvPr>
+          <p:cNvPicPr>
+            <a:picLocks noChangeAspect="1" noChangeArrowheads="1"/>
+          </p:cNvPicPr>
+          <p:nvPr/>
+        </p:nvPicPr>
+        <p:blipFill>
+          <a:blip r:embed="rId5">
+            <a:extLst>
+              <a:ext uri="{28A0092B-C50C-407E-A947-70E740481C1C}">
+                <a14:useLocalDpi xmlns:a14="http://schemas.microsoft.com/office/drawing/2010/main" val="0"/>
+              </a:ext>
+            </a:extLst>
+          </a:blip>
+          <a:srcRect/>
+          <a:stretch>
+            <a:fillRect/>
+          </a:stretch>
+        </p:blipFill>
+        <p:spPr bwMode="auto">
+          <a:xfrm rot="4691287">
+            <a:off x="6928069" y="3099341"/>
+            <a:ext cx="1156885" cy="1280159"/>
+          </a:xfrm>
+          <a:prstGeom prst="rect">
+            <a:avLst/>
+          </a:prstGeom>
+          <a:noFill/>
+          <a:extLst>
+            <a:ext uri="{909E8E84-426E-40DD-AFC4-6F175D3DCCD1}">
+              <a14:hiddenFill xmlns:a14="http://schemas.microsoft.com/office/drawing/2010/main">
+                <a:solidFill>
+                  <a:srgbClr val="FFFFFF"/>
+                </a:solidFill>
+              </a14:hiddenFill>
+            </a:ext>
+          </a:extLst>
+        </p:spPr>
+      </p:pic>
+      <p:pic>
+        <p:nvPicPr>
+          <p:cNvPr id="34" name="Picture 10" descr="鉄兜と鎧を着た兵士のイラスト | かわいいフリー素材集 いらすとや">
+            <a:extLst>
+              <a:ext uri="{FF2B5EF4-FFF2-40B4-BE49-F238E27FC236}">
+                <a16:creationId xmlns:a16="http://schemas.microsoft.com/office/drawing/2014/main" id="{2EA1748C-A08A-A1FC-3395-95DFEE159096}"/>
+              </a:ext>
+            </a:extLst>
+          </p:cNvPr>
+          <p:cNvPicPr>
+            <a:picLocks noChangeAspect="1" noChangeArrowheads="1"/>
+          </p:cNvPicPr>
+          <p:nvPr/>
+        </p:nvPicPr>
+        <p:blipFill>
+          <a:blip r:embed="rId5">
+            <a:extLst>
+              <a:ext uri="{28A0092B-C50C-407E-A947-70E740481C1C}">
+                <a14:useLocalDpi xmlns:a14="http://schemas.microsoft.com/office/drawing/2010/main" val="0"/>
+              </a:ext>
+            </a:extLst>
+          </a:blip>
+          <a:srcRect/>
+          <a:stretch>
+            <a:fillRect/>
+          </a:stretch>
+        </p:blipFill>
+        <p:spPr bwMode="auto">
+          <a:xfrm>
+            <a:off x="1748342" y="4749489"/>
+            <a:ext cx="1156885" cy="1280159"/>
+          </a:xfrm>
+          <a:prstGeom prst="rect">
+            <a:avLst/>
+          </a:prstGeom>
+          <a:noFill/>
+          <a:extLst>
+            <a:ext uri="{909E8E84-426E-40DD-AFC4-6F175D3DCCD1}">
+              <a14:hiddenFill xmlns:a14="http://schemas.microsoft.com/office/drawing/2010/main">
+                <a:solidFill>
+                  <a:srgbClr val="FFFFFF"/>
+                </a:solidFill>
+              </a14:hiddenFill>
+            </a:ext>
+          </a:extLst>
+        </p:spPr>
+      </p:pic>
+      <p:pic>
+        <p:nvPicPr>
+          <p:cNvPr id="35" name="Picture 10" descr="鉄兜と鎧を着た兵士のイラスト | かわいいフリー素材集 いらすとや">
+            <a:extLst>
+              <a:ext uri="{FF2B5EF4-FFF2-40B4-BE49-F238E27FC236}">
+                <a16:creationId xmlns:a16="http://schemas.microsoft.com/office/drawing/2014/main" id="{0192A1BB-38CA-3CA7-7E4D-D7F4A9B41FF7}"/>
+              </a:ext>
+            </a:extLst>
+          </p:cNvPr>
+          <p:cNvPicPr>
+            <a:picLocks noChangeAspect="1" noChangeArrowheads="1"/>
+          </p:cNvPicPr>
+          <p:nvPr/>
+        </p:nvPicPr>
+        <p:blipFill>
+          <a:blip r:embed="rId5">
+            <a:extLst>
+              <a:ext uri="{28A0092B-C50C-407E-A947-70E740481C1C}">
+                <a14:useLocalDpi xmlns:a14="http://schemas.microsoft.com/office/drawing/2010/main" val="0"/>
+              </a:ext>
+            </a:extLst>
+          </a:blip>
+          <a:srcRect/>
+          <a:stretch>
+            <a:fillRect/>
+          </a:stretch>
+        </p:blipFill>
+        <p:spPr bwMode="auto">
+          <a:xfrm>
+            <a:off x="4154886" y="2751514"/>
+            <a:ext cx="1156885" cy="1280159"/>
+          </a:xfrm>
+          <a:prstGeom prst="rect">
+            <a:avLst/>
+          </a:prstGeom>
+          <a:noFill/>
+          <a:extLst>
+            <a:ext uri="{909E8E84-426E-40DD-AFC4-6F175D3DCCD1}">
+              <a14:hiddenFill xmlns:a14="http://schemas.microsoft.com/office/drawing/2010/main">
+                <a:solidFill>
+                  <a:srgbClr val="FFFFFF"/>
+                </a:solidFill>
+              </a14:hiddenFill>
+            </a:ext>
+          </a:extLst>
+        </p:spPr>
+      </p:pic>
+      <p:sp>
+        <p:nvSpPr>
+          <p:cNvPr id="36" name="正方形/長方形 35">
+            <a:extLst>
+              <a:ext uri="{FF2B5EF4-FFF2-40B4-BE49-F238E27FC236}">
+                <a16:creationId xmlns:a16="http://schemas.microsoft.com/office/drawing/2014/main" id="{E1CC3594-1E78-9FBB-68BA-F26656BE60FB}"/>
+              </a:ext>
+            </a:extLst>
+          </p:cNvPr>
+          <p:cNvSpPr/>
+          <p:nvPr/>
+        </p:nvSpPr>
+        <p:spPr>
+          <a:xfrm>
+            <a:off x="8561960" y="3255643"/>
+            <a:ext cx="861604" cy="850145"/>
+          </a:xfrm>
+          <a:prstGeom prst="rect">
+            <a:avLst/>
+          </a:prstGeom>
+        </p:spPr>
+        <p:style>
+          <a:lnRef idx="2">
+            <a:schemeClr val="accent4">
+              <a:shade val="15000"/>
+            </a:schemeClr>
+          </a:lnRef>
+          <a:fillRef idx="1">
+            <a:schemeClr val="accent4"/>
+          </a:fillRef>
+          <a:effectRef idx="0">
+            <a:schemeClr val="accent4"/>
+          </a:effectRef>
+          <a:fontRef idx="minor">
+            <a:schemeClr val="lt1"/>
+          </a:fontRef>
+        </p:style>
+        <p:txBody>
+          <a:bodyPr rtlCol="0" anchor="ctr"/>
+          <a:lstStyle/>
+          <a:p>
+            <a:pPr algn="ctr"/>
+            <a:endParaRPr kumimoji="1" lang="ja-JP" altLang="en-US"/>
+          </a:p>
+        </p:txBody>
+      </p:sp>
+      <p:sp>
+        <p:nvSpPr>
+          <p:cNvPr id="37" name="テキスト ボックス 36">
+            <a:extLst>
+              <a:ext uri="{FF2B5EF4-FFF2-40B4-BE49-F238E27FC236}">
+                <a16:creationId xmlns:a16="http://schemas.microsoft.com/office/drawing/2014/main" id="{83F13736-BEAF-B86B-F509-395FD2A54731}"/>
+              </a:ext>
+            </a:extLst>
+          </p:cNvPr>
+          <p:cNvSpPr txBox="1"/>
+          <p:nvPr/>
+        </p:nvSpPr>
+        <p:spPr>
+          <a:xfrm>
+            <a:off x="9519185" y="3456172"/>
+            <a:ext cx="1467068" cy="400110"/>
+          </a:xfrm>
+          <a:prstGeom prst="rect">
+            <a:avLst/>
+          </a:prstGeom>
+          <a:noFill/>
+        </p:spPr>
+        <p:txBody>
+          <a:bodyPr wrap="none" rtlCol="0">
+            <a:spAutoFit/>
+          </a:bodyPr>
+          <a:lstStyle/>
+          <a:p>
+            <a:r>
+              <a:rPr kumimoji="1" lang="ja-JP" altLang="en-US" sz="2000" dirty="0">
+                <a:latin typeface="せのびゴシック Bold" panose="02000600000000000000" pitchFamily="2" charset="-128"/>
+                <a:ea typeface="せのびゴシック Bold" panose="02000600000000000000" pitchFamily="2" charset="-128"/>
+              </a:rPr>
+              <a:t>敵</a:t>
+            </a:r>
+            <a:r>
+              <a:rPr lang="ja-JP" altLang="en-US" sz="2000" dirty="0">
+                <a:latin typeface="せのびゴシック Bold" panose="02000600000000000000" pitchFamily="2" charset="-128"/>
+                <a:ea typeface="せのびゴシック Bold" panose="02000600000000000000" pitchFamily="2" charset="-128"/>
+              </a:rPr>
+              <a:t>の通る道</a:t>
+            </a:r>
+            <a:endParaRPr kumimoji="1" lang="ja-JP" altLang="en-US" sz="2000" dirty="0">
+              <a:latin typeface="せのびゴシック Bold" panose="02000600000000000000" pitchFamily="2" charset="-128"/>
+              <a:ea typeface="せのびゴシック Bold" panose="02000600000000000000" pitchFamily="2" charset="-128"/>
+            </a:endParaRPr>
+          </a:p>
+        </p:txBody>
+      </p:sp>
+      <p:pic>
+        <p:nvPicPr>
+          <p:cNvPr id="1036" name="Picture 12" descr="東京タワーのイラスト | かわいいフリー素材集 いらすとや">
+            <a:extLst>
+              <a:ext uri="{FF2B5EF4-FFF2-40B4-BE49-F238E27FC236}">
+                <a16:creationId xmlns:a16="http://schemas.microsoft.com/office/drawing/2014/main" id="{7054512F-4519-B96E-A67B-9DAD94BBEB87}"/>
+              </a:ext>
+            </a:extLst>
+          </p:cNvPr>
+          <p:cNvPicPr>
+            <a:picLocks noChangeAspect="1" noChangeArrowheads="1"/>
+          </p:cNvPicPr>
+          <p:nvPr/>
+        </p:nvPicPr>
+        <p:blipFill>
+          <a:blip r:embed="rId6">
+            <a:extLst>
+              <a:ext uri="{28A0092B-C50C-407E-A947-70E740481C1C}">
+                <a14:useLocalDpi xmlns:a14="http://schemas.microsoft.com/office/drawing/2010/main" val="0"/>
+              </a:ext>
+            </a:extLst>
+          </a:blip>
+          <a:srcRect/>
+          <a:stretch>
+            <a:fillRect/>
+          </a:stretch>
+        </p:blipFill>
+        <p:spPr bwMode="auto">
+          <a:xfrm>
+            <a:off x="-184414" y="4424557"/>
+            <a:ext cx="1156942" cy="1609659"/>
+          </a:xfrm>
+          <a:prstGeom prst="rect">
+            <a:avLst/>
+          </a:prstGeom>
+          <a:noFill/>
+          <a:extLst>
+            <a:ext uri="{909E8E84-426E-40DD-AFC4-6F175D3DCCD1}">
+              <a14:hiddenFill xmlns:a14="http://schemas.microsoft.com/office/drawing/2010/main">
+                <a:solidFill>
+                  <a:srgbClr val="FFFFFF"/>
+                </a:solidFill>
+              </a14:hiddenFill>
+            </a:ext>
+          </a:extLst>
+        </p:spPr>
+      </p:pic>
+      <p:pic>
+        <p:nvPicPr>
+          <p:cNvPr id="30" name="Picture 8" descr="クロスボウのイラスト | かわいいフリー素材集 いらすとや">
+            <a:extLst>
+              <a:ext uri="{FF2B5EF4-FFF2-40B4-BE49-F238E27FC236}">
+                <a16:creationId xmlns:a16="http://schemas.microsoft.com/office/drawing/2014/main" id="{CD92025C-2349-6573-C033-CE6A20A8D2E6}"/>
+              </a:ext>
+            </a:extLst>
+          </p:cNvPr>
+          <p:cNvPicPr>
+            <a:picLocks noChangeAspect="1" noChangeArrowheads="1"/>
+          </p:cNvPicPr>
+          <p:nvPr/>
+        </p:nvPicPr>
+        <p:blipFill>
+          <a:blip r:embed="rId4">
+            <a:extLst>
+              <a:ext uri="{28A0092B-C50C-407E-A947-70E740481C1C}">
+                <a14:useLocalDpi xmlns:a14="http://schemas.microsoft.com/office/drawing/2010/main" val="0"/>
+              </a:ext>
+            </a:extLst>
+          </a:blip>
+          <a:srcRect/>
+          <a:stretch>
+            <a:fillRect/>
+          </a:stretch>
+        </p:blipFill>
+        <p:spPr bwMode="auto">
+          <a:xfrm flipH="1">
+            <a:off x="6163337" y="3937857"/>
+            <a:ext cx="1066143" cy="1006279"/>
+          </a:xfrm>
+          <a:prstGeom prst="rect">
+            <a:avLst/>
+          </a:prstGeom>
+          <a:noFill/>
+          <a:extLst>
+            <a:ext uri="{909E8E84-426E-40DD-AFC4-6F175D3DCCD1}">
+              <a14:hiddenFill xmlns:a14="http://schemas.microsoft.com/office/drawing/2010/main">
+                <a:solidFill>
+                  <a:srgbClr val="FFFFFF"/>
+                </a:solidFill>
+              </a14:hiddenFill>
+            </a:ext>
+          </a:extLst>
+        </p:spPr>
+      </p:pic>
+      <p:pic>
+        <p:nvPicPr>
+          <p:cNvPr id="38" name="Picture 2" descr="鉄骨のイラスト | かわいいフリー素材集 いらすとや">
+            <a:extLst>
+              <a:ext uri="{FF2B5EF4-FFF2-40B4-BE49-F238E27FC236}">
+                <a16:creationId xmlns:a16="http://schemas.microsoft.com/office/drawing/2014/main" id="{017AD6D8-37AE-4236-8688-91022AD559DF}"/>
+              </a:ext>
+            </a:extLst>
+          </p:cNvPr>
+          <p:cNvPicPr>
+            <a:picLocks noChangeAspect="1" noChangeArrowheads="1"/>
+          </p:cNvPicPr>
+          <p:nvPr/>
+        </p:nvPicPr>
+        <p:blipFill>
+          <a:blip r:embed="rId7">
+            <a:extLst>
+              <a:ext uri="{28A0092B-C50C-407E-A947-70E740481C1C}">
+                <a14:useLocalDpi xmlns:a14="http://schemas.microsoft.com/office/drawing/2010/main" val="0"/>
+              </a:ext>
+            </a:extLst>
+          </a:blip>
+          <a:srcRect/>
+          <a:stretch>
+            <a:fillRect/>
+          </a:stretch>
+        </p:blipFill>
+        <p:spPr bwMode="auto">
+          <a:xfrm>
+            <a:off x="7254775" y="2466355"/>
+            <a:ext cx="339395" cy="217213"/>
+          </a:xfrm>
+          <a:prstGeom prst="rect">
+            <a:avLst/>
+          </a:prstGeom>
+          <a:noFill/>
+          <a:extLst>
+            <a:ext uri="{909E8E84-426E-40DD-AFC4-6F175D3DCCD1}">
+              <a14:hiddenFill xmlns:a14="http://schemas.microsoft.com/office/drawing/2010/main">
+                <a:solidFill>
+                  <a:srgbClr val="FFFFFF"/>
+                </a:solidFill>
+              </a14:hiddenFill>
+            </a:ext>
+          </a:extLst>
+        </p:spPr>
+      </p:pic>
+      <p:sp>
+        <p:nvSpPr>
+          <p:cNvPr id="2" name="テキスト ボックス 1">
+            <a:extLst>
+              <a:ext uri="{FF2B5EF4-FFF2-40B4-BE49-F238E27FC236}">
+                <a16:creationId xmlns:a16="http://schemas.microsoft.com/office/drawing/2014/main" id="{E69E3C6F-B973-4337-B7B4-AF80A19AAD0A}"/>
+              </a:ext>
+            </a:extLst>
+          </p:cNvPr>
+          <p:cNvSpPr txBox="1"/>
+          <p:nvPr/>
+        </p:nvSpPr>
+        <p:spPr>
+          <a:xfrm>
+            <a:off x="7513754" y="2453759"/>
+            <a:ext cx="570767" cy="276999"/>
+          </a:xfrm>
+          <a:prstGeom prst="rect">
+            <a:avLst/>
+          </a:prstGeom>
+          <a:noFill/>
+        </p:spPr>
+        <p:txBody>
+          <a:bodyPr wrap="square" rtlCol="0">
+            <a:spAutoFit/>
+          </a:bodyPr>
+          <a:lstStyle/>
+          <a:p>
+            <a:r>
+              <a:rPr kumimoji="1" lang="ja-JP" altLang="en-US" sz="1200" dirty="0">
+                <a:latin typeface="メイリオ" panose="020B0604030504040204" pitchFamily="50" charset="-128"/>
+                <a:ea typeface="メイリオ" panose="020B0604030504040204" pitchFamily="50" charset="-128"/>
+              </a:rPr>
+              <a:t>＋</a:t>
+            </a:r>
+            <a:r>
+              <a:rPr kumimoji="1" lang="en-US" altLang="ja-JP" sz="1200" dirty="0">
+                <a:latin typeface="メイリオ" panose="020B0604030504040204" pitchFamily="50" charset="-128"/>
+                <a:ea typeface="メイリオ" panose="020B0604030504040204" pitchFamily="50" charset="-128"/>
+              </a:rPr>
+              <a:t>10</a:t>
+            </a:r>
+            <a:endParaRPr kumimoji="1" lang="ja-JP" altLang="en-US" sz="1200" dirty="0">
+              <a:latin typeface="メイリオ" panose="020B0604030504040204" pitchFamily="50" charset="-128"/>
+              <a:ea typeface="メイリオ" panose="020B0604030504040204" pitchFamily="50" charset="-128"/>
+            </a:endParaRPr>
+          </a:p>
+        </p:txBody>
+      </p:sp>
+      <p:sp>
+        <p:nvSpPr>
+          <p:cNvPr id="39" name="楕円 38">
+            <a:extLst>
+              <a:ext uri="{FF2B5EF4-FFF2-40B4-BE49-F238E27FC236}">
+                <a16:creationId xmlns:a16="http://schemas.microsoft.com/office/drawing/2014/main" id="{C4E3739F-8842-44C6-B1A0-5C9546FE1CF5}"/>
+              </a:ext>
+            </a:extLst>
+          </p:cNvPr>
+          <p:cNvSpPr/>
+          <p:nvPr/>
+        </p:nvSpPr>
+        <p:spPr>
+          <a:xfrm>
+            <a:off x="7449584" y="2836093"/>
+            <a:ext cx="349553" cy="196366"/>
+          </a:xfrm>
+          <a:prstGeom prst="ellipse">
+            <a:avLst/>
+          </a:prstGeom>
+          <a:solidFill>
+            <a:schemeClr val="bg1">
+              <a:lumMod val="65000"/>
+            </a:schemeClr>
+          </a:solidFill>
+        </p:spPr>
+        <p:style>
+          <a:lnRef idx="2">
+            <a:schemeClr val="accent1">
+              <a:shade val="50000"/>
+            </a:schemeClr>
+          </a:lnRef>
+          <a:fillRef idx="1">
+            <a:schemeClr val="accent1"/>
+          </a:fillRef>
+          <a:effectRef idx="0">
+            <a:schemeClr val="accent1"/>
+          </a:effectRef>
+          <a:fontRef idx="minor">
+            <a:schemeClr val="lt1"/>
+          </a:fontRef>
+        </p:style>
+        <p:txBody>
+          <a:bodyPr rtlCol="0" anchor="ctr"/>
+          <a:lstStyle/>
+          <a:p>
+            <a:pPr algn="ctr"/>
+            <a:endParaRPr kumimoji="1" lang="ja-JP" altLang="en-US"/>
+          </a:p>
+        </p:txBody>
+      </p:sp>
+      <p:sp>
+        <p:nvSpPr>
+          <p:cNvPr id="40" name="楕円 39">
+            <a:extLst>
+              <a:ext uri="{FF2B5EF4-FFF2-40B4-BE49-F238E27FC236}">
+                <a16:creationId xmlns:a16="http://schemas.microsoft.com/office/drawing/2014/main" id="{A384379E-F540-44D0-8FB6-F77358B2E66F}"/>
+              </a:ext>
+            </a:extLst>
+          </p:cNvPr>
+          <p:cNvSpPr/>
+          <p:nvPr/>
+        </p:nvSpPr>
+        <p:spPr>
+          <a:xfrm>
+            <a:off x="7525783" y="2971881"/>
+            <a:ext cx="197153" cy="135196"/>
+          </a:xfrm>
+          <a:prstGeom prst="ellipse">
+            <a:avLst/>
+          </a:prstGeom>
+          <a:solidFill>
+            <a:schemeClr val="bg1">
+              <a:lumMod val="50000"/>
+            </a:schemeClr>
+          </a:solidFill>
+        </p:spPr>
+        <p:style>
+          <a:lnRef idx="2">
+            <a:schemeClr val="accent1">
+              <a:shade val="50000"/>
+            </a:schemeClr>
+          </a:lnRef>
+          <a:fillRef idx="1">
+            <a:schemeClr val="accent1"/>
+          </a:fillRef>
+          <a:effectRef idx="0">
+            <a:schemeClr val="accent1"/>
+          </a:effectRef>
+          <a:fontRef idx="minor">
+            <a:schemeClr val="lt1"/>
+          </a:fontRef>
+        </p:style>
+        <p:txBody>
+          <a:bodyPr rtlCol="0" anchor="ctr"/>
+          <a:lstStyle/>
+          <a:p>
+            <a:pPr algn="ctr"/>
+            <a:endParaRPr kumimoji="1" lang="ja-JP" altLang="en-US"/>
+          </a:p>
+        </p:txBody>
+      </p:sp>
+      <p:sp>
+        <p:nvSpPr>
+          <p:cNvPr id="41" name="正方形/長方形 40">
+            <a:extLst>
+              <a:ext uri="{FF2B5EF4-FFF2-40B4-BE49-F238E27FC236}">
+                <a16:creationId xmlns:a16="http://schemas.microsoft.com/office/drawing/2014/main" id="{D5723772-D606-47A3-8FEC-A8D0C56E2719}"/>
+              </a:ext>
+            </a:extLst>
+          </p:cNvPr>
+          <p:cNvSpPr/>
+          <p:nvPr/>
+        </p:nvSpPr>
+        <p:spPr>
+          <a:xfrm>
+            <a:off x="8586391" y="4226843"/>
+            <a:ext cx="861604" cy="861603"/>
+          </a:xfrm>
+          <a:prstGeom prst="rect">
+            <a:avLst/>
+          </a:prstGeom>
+          <a:solidFill>
+            <a:schemeClr val="bg1">
+              <a:lumMod val="65000"/>
+            </a:schemeClr>
+          </a:solidFill>
+        </p:spPr>
+        <p:style>
+          <a:lnRef idx="0">
+            <a:schemeClr val="accent2"/>
+          </a:lnRef>
+          <a:fillRef idx="3">
+            <a:schemeClr val="accent2"/>
+          </a:fillRef>
+          <a:effectRef idx="3">
+            <a:schemeClr val="accent2"/>
+          </a:effectRef>
+          <a:fontRef idx="minor">
+            <a:schemeClr val="lt1"/>
+          </a:fontRef>
+        </p:style>
+        <p:txBody>
+          <a:bodyPr rtlCol="0" anchor="ctr"/>
+          <a:lstStyle/>
+          <a:p>
+            <a:pPr algn="ctr"/>
+            <a:endParaRPr kumimoji="1" lang="ja-JP" altLang="en-US"/>
+          </a:p>
+        </p:txBody>
+      </p:sp>
+      <p:sp>
+        <p:nvSpPr>
+          <p:cNvPr id="42" name="テキスト ボックス 41">
+            <a:extLst>
+              <a:ext uri="{FF2B5EF4-FFF2-40B4-BE49-F238E27FC236}">
+                <a16:creationId xmlns:a16="http://schemas.microsoft.com/office/drawing/2014/main" id="{C49AC4BE-BDBD-4610-9EE5-CFFCD767C684}"/>
+              </a:ext>
+            </a:extLst>
+          </p:cNvPr>
+          <p:cNvSpPr txBox="1"/>
+          <p:nvPr/>
+        </p:nvSpPr>
+        <p:spPr>
+          <a:xfrm>
+            <a:off x="9519185" y="4471894"/>
+            <a:ext cx="697627" cy="400110"/>
+          </a:xfrm>
+          <a:prstGeom prst="rect">
+            <a:avLst/>
+          </a:prstGeom>
+          <a:noFill/>
+        </p:spPr>
+        <p:txBody>
+          <a:bodyPr wrap="none" rtlCol="0">
+            <a:spAutoFit/>
+          </a:bodyPr>
+          <a:lstStyle/>
+          <a:p>
+            <a:r>
+              <a:rPr lang="ja-JP" altLang="en-US" sz="2000" dirty="0">
+                <a:latin typeface="せのびゴシック Bold" panose="02000600000000000000" pitchFamily="2" charset="-128"/>
+                <a:ea typeface="せのびゴシック Bold" panose="02000600000000000000" pitchFamily="2" charset="-128"/>
+              </a:rPr>
+              <a:t>物資</a:t>
+            </a:r>
+            <a:endParaRPr kumimoji="1" lang="ja-JP" altLang="en-US" sz="2000" dirty="0">
+              <a:latin typeface="せのびゴシック Bold" panose="02000600000000000000" pitchFamily="2" charset="-128"/>
+              <a:ea typeface="せのびゴシック Bold" panose="02000600000000000000" pitchFamily="2" charset="-128"/>
+            </a:endParaRPr>
+          </a:p>
+        </p:txBody>
+      </p:sp>
+      <p:pic>
+        <p:nvPicPr>
+          <p:cNvPr id="1028" name="Picture 4" descr="ハロウィンのマーク（骸骨）">
+            <a:extLst>
+              <a:ext uri="{FF2B5EF4-FFF2-40B4-BE49-F238E27FC236}">
+                <a16:creationId xmlns:a16="http://schemas.microsoft.com/office/drawing/2014/main" id="{EE23EB72-1BAE-4B47-A469-D32D5C613D6C}"/>
+              </a:ext>
+            </a:extLst>
+          </p:cNvPr>
+          <p:cNvPicPr>
+            <a:picLocks noChangeAspect="1" noChangeArrowheads="1"/>
+          </p:cNvPicPr>
+          <p:nvPr/>
+        </p:nvPicPr>
+        <p:blipFill>
+          <a:blip r:embed="rId8">
+            <a:extLst>
+              <a:ext uri="{28A0092B-C50C-407E-A947-70E740481C1C}">
+                <a14:useLocalDpi xmlns:a14="http://schemas.microsoft.com/office/drawing/2010/main" val="0"/>
+              </a:ext>
+            </a:extLst>
+          </a:blip>
+          <a:srcRect/>
+          <a:stretch>
+            <a:fillRect/>
+          </a:stretch>
+        </p:blipFill>
+        <p:spPr bwMode="auto">
+          <a:xfrm>
+            <a:off x="7269972" y="3136924"/>
+            <a:ext cx="702179" cy="702179"/>
+          </a:xfrm>
+          <a:prstGeom prst="rect">
+            <a:avLst/>
+          </a:prstGeom>
+          <a:noFill/>
+          <a:extLst>
+            <a:ext uri="{909E8E84-426E-40DD-AFC4-6F175D3DCCD1}">
+              <a14:hiddenFill xmlns:a14="http://schemas.microsoft.com/office/drawing/2010/main">
+                <a:solidFill>
+                  <a:srgbClr val="FFFFFF"/>
+                </a:solidFill>
+              </a14:hiddenFill>
+            </a:ext>
+          </a:extLst>
+        </p:spPr>
+      </p:pic>
+    </p:spTree>
+    <p:extLst>
+      <p:ext uri="{BB962C8B-B14F-4D97-AF65-F5344CB8AC3E}">
+        <p14:creationId xmlns:p14="http://schemas.microsoft.com/office/powerpoint/2010/main" val="1293834073"/>
+      </p:ext>
+    </p:extLst>
+  </p:cSld>
+  <p:clrMapOvr>
+    <a:masterClrMapping/>
+  </p:clrMapOvr>
+</p:sld>
+</file>
+
+<file path=ppt/slides/slide6.xml><?xml version="1.0" encoding="utf-8"?>
+<p:sld xmlns:a="http://schemas.openxmlformats.org/drawingml/2006/main" xmlns:r="http://schemas.openxmlformats.org/officeDocument/2006/relationships" xmlns:p="http://schemas.openxmlformats.org/presentationml/2006/main">
+  <p:cSld>
+    <p:spTree>
+      <p:nvGrpSpPr>
+        <p:cNvPr id="1" name=""/>
+        <p:cNvGrpSpPr/>
+        <p:nvPr/>
+      </p:nvGrpSpPr>
+      <p:grpSpPr>
+        <a:xfrm>
+          <a:off x="0" y="0"/>
+          <a:ext cx="0" cy="0"/>
+          <a:chOff x="0" y="0"/>
+          <a:chExt cx="0" cy="0"/>
+        </a:xfrm>
+      </p:grpSpPr>
+      <p:pic>
+        <p:nvPicPr>
+          <p:cNvPr id="12" name="図 11" descr="図形, 四角形&#10;&#10;自動的に生成された説明">
+            <a:extLst>
+              <a:ext uri="{FF2B5EF4-FFF2-40B4-BE49-F238E27FC236}">
+                <a16:creationId xmlns:a16="http://schemas.microsoft.com/office/drawing/2014/main" id="{3BAD4604-AC77-4C45-8194-3957226A24DD}"/>
+              </a:ext>
+            </a:extLst>
+          </p:cNvPr>
+          <p:cNvPicPr>
+            <a:picLocks noChangeAspect="1"/>
+          </p:cNvPicPr>
+          <p:nvPr/>
+        </p:nvPicPr>
+        <p:blipFill>
+          <a:blip r:embed="rId2">
+            <a:extLst>
+              <a:ext uri="{28A0092B-C50C-407E-A947-70E740481C1C}">
+                <a14:useLocalDpi xmlns:a14="http://schemas.microsoft.com/office/drawing/2010/main" val="0"/>
+              </a:ext>
+            </a:extLst>
+          </a:blip>
+          <a:stretch>
+            <a:fillRect/>
+          </a:stretch>
+        </p:blipFill>
+        <p:spPr>
+          <a:xfrm>
+            <a:off x="0" y="0"/>
+            <a:ext cx="12192000" cy="6858000"/>
+          </a:xfrm>
+          <a:prstGeom prst="rect">
+            <a:avLst/>
+          </a:prstGeom>
+        </p:spPr>
+      </p:pic>
+      <p:sp>
+        <p:nvSpPr>
+          <p:cNvPr id="4" name="テキスト ボックス 3">
+            <a:extLst>
+              <a:ext uri="{FF2B5EF4-FFF2-40B4-BE49-F238E27FC236}">
+                <a16:creationId xmlns:a16="http://schemas.microsoft.com/office/drawing/2014/main" id="{93BCD2E6-6998-3A56-83E1-F3542B5F676E}"/>
+              </a:ext>
+            </a:extLst>
+          </p:cNvPr>
+          <p:cNvSpPr txBox="1"/>
+          <p:nvPr/>
+        </p:nvSpPr>
+        <p:spPr>
+          <a:xfrm>
+            <a:off x="2925901" y="512760"/>
+            <a:ext cx="6340197" cy="830997"/>
+          </a:xfrm>
+          <a:prstGeom prst="rect">
+            <a:avLst/>
+          </a:prstGeom>
+          <a:noFill/>
+        </p:spPr>
+        <p:txBody>
+          <a:bodyPr wrap="none" rtlCol="0">
+            <a:spAutoFit/>
+          </a:bodyPr>
+          <a:lstStyle/>
+          <a:p>
+            <a:r>
+              <a:rPr kumimoji="1" lang="ja-JP" altLang="en-US" sz="4800" dirty="0">
+                <a:latin typeface="せのびゴシック Bold" panose="02000600000000000000" pitchFamily="2" charset="-128"/>
+                <a:ea typeface="せのびゴシック Bold" panose="02000600000000000000" pitchFamily="2" charset="-128"/>
+              </a:rPr>
+              <a:t>ゲームフローチャート</a:t>
+            </a:r>
+          </a:p>
+        </p:txBody>
+      </p:sp>
+      <p:sp>
+        <p:nvSpPr>
+          <p:cNvPr id="5" name="四角形: 角を丸くする 4">
+            <a:extLst>
+              <a:ext uri="{FF2B5EF4-FFF2-40B4-BE49-F238E27FC236}">
+                <a16:creationId xmlns:a16="http://schemas.microsoft.com/office/drawing/2014/main" id="{8346C703-E75E-BBB7-0064-F5FDE97948AB}"/>
+              </a:ext>
+            </a:extLst>
+          </p:cNvPr>
+          <p:cNvSpPr/>
+          <p:nvPr/>
+        </p:nvSpPr>
+        <p:spPr>
+          <a:xfrm>
+            <a:off x="3987647" y="1613309"/>
+            <a:ext cx="3717944" cy="656705"/>
+          </a:xfrm>
+          <a:prstGeom prst="roundRect">
+            <a:avLst>
+              <a:gd name="adj" fmla="val 14136"/>
+            </a:avLst>
+          </a:prstGeom>
+        </p:spPr>
+        <p:style>
+          <a:lnRef idx="2">
+            <a:schemeClr val="accent4">
+              <a:shade val="15000"/>
+            </a:schemeClr>
+          </a:lnRef>
+          <a:fillRef idx="1">
+            <a:schemeClr val="accent4"/>
+          </a:fillRef>
+          <a:effectRef idx="0">
+            <a:schemeClr val="accent4"/>
+          </a:effectRef>
+          <a:fontRef idx="minor">
+            <a:schemeClr val="lt1"/>
+          </a:fontRef>
+        </p:style>
+        <p:txBody>
+          <a:bodyPr rtlCol="0" anchor="ctr"/>
+          <a:lstStyle/>
+          <a:p>
+            <a:pPr algn="ctr"/>
+            <a:r>
+              <a:rPr kumimoji="1" lang="ja-JP" altLang="en-US" sz="3200" dirty="0">
+                <a:solidFill>
+                  <a:schemeClr val="tx1"/>
+                </a:solidFill>
+                <a:latin typeface="せのびゴシック Bold" panose="02000600000000000000" pitchFamily="2" charset="-128"/>
+                <a:ea typeface="せのびゴシック Bold" panose="02000600000000000000" pitchFamily="2" charset="-128"/>
+              </a:rPr>
+              <a:t>障害物を設置</a:t>
+            </a:r>
+          </a:p>
+        </p:txBody>
+      </p:sp>
+      <p:sp>
+        <p:nvSpPr>
+          <p:cNvPr id="7" name="四角形: 角を丸くする 6">
+            <a:extLst>
+              <a:ext uri="{FF2B5EF4-FFF2-40B4-BE49-F238E27FC236}">
+                <a16:creationId xmlns:a16="http://schemas.microsoft.com/office/drawing/2014/main" id="{C3F22282-5333-8EC5-6F59-031BD6828D1E}"/>
+              </a:ext>
+            </a:extLst>
+          </p:cNvPr>
+          <p:cNvSpPr/>
+          <p:nvPr/>
+        </p:nvSpPr>
+        <p:spPr>
+          <a:xfrm>
+            <a:off x="7450741" y="4008122"/>
+            <a:ext cx="3717944" cy="656705"/>
+          </a:xfrm>
+          <a:prstGeom prst="roundRect">
+            <a:avLst/>
+          </a:prstGeom>
+        </p:spPr>
+        <p:style>
+          <a:lnRef idx="2">
+            <a:schemeClr val="accent4">
+              <a:shade val="15000"/>
+            </a:schemeClr>
+          </a:lnRef>
+          <a:fillRef idx="1">
+            <a:schemeClr val="accent4"/>
+          </a:fillRef>
+          <a:effectRef idx="0">
+            <a:schemeClr val="accent4"/>
+          </a:effectRef>
+          <a:fontRef idx="minor">
+            <a:schemeClr val="lt1"/>
+          </a:fontRef>
+        </p:style>
+        <p:txBody>
+          <a:bodyPr rtlCol="0" anchor="ctr"/>
+          <a:lstStyle/>
+          <a:p>
+            <a:pPr algn="ctr"/>
+            <a:r>
+              <a:rPr kumimoji="1" lang="ja-JP" altLang="en-US" sz="3200" dirty="0">
+                <a:solidFill>
+                  <a:schemeClr val="tx1"/>
+                </a:solidFill>
+                <a:latin typeface="せのびゴシック Bold" panose="02000600000000000000" pitchFamily="2" charset="-128"/>
+                <a:ea typeface="せのびゴシック Bold" panose="02000600000000000000" pitchFamily="2" charset="-128"/>
+              </a:rPr>
+              <a:t>敵を倒す</a:t>
+            </a:r>
+          </a:p>
+        </p:txBody>
+      </p:sp>
+      <p:pic>
+        <p:nvPicPr>
+          <p:cNvPr id="17" name="Picture 6" descr="大砲のイラスト | かわいいフリー素材集 いらすとや">
+            <a:extLst>
+              <a:ext uri="{FF2B5EF4-FFF2-40B4-BE49-F238E27FC236}">
+                <a16:creationId xmlns:a16="http://schemas.microsoft.com/office/drawing/2014/main" id="{63D6EA81-8D11-CAD9-DC5A-9F727BA5B539}"/>
+              </a:ext>
+            </a:extLst>
+          </p:cNvPr>
+          <p:cNvPicPr>
+            <a:picLocks noChangeAspect="1" noChangeArrowheads="1"/>
+          </p:cNvPicPr>
+          <p:nvPr/>
+        </p:nvPicPr>
+        <p:blipFill>
+          <a:blip r:embed="rId3">
+            <a:extLst>
+              <a:ext uri="{28A0092B-C50C-407E-A947-70E740481C1C}">
+                <a14:useLocalDpi xmlns:a14="http://schemas.microsoft.com/office/drawing/2010/main" val="0"/>
+              </a:ext>
+            </a:extLst>
+          </a:blip>
+          <a:srcRect/>
+          <a:stretch>
+            <a:fillRect/>
+          </a:stretch>
+        </p:blipFill>
+        <p:spPr bwMode="auto">
+          <a:xfrm flipH="1">
+            <a:off x="4762888" y="2136277"/>
+            <a:ext cx="2167461" cy="2005583"/>
+          </a:xfrm>
+          <a:prstGeom prst="rect">
+            <a:avLst/>
+          </a:prstGeom>
+          <a:noFill/>
+          <a:extLst>
+            <a:ext uri="{909E8E84-426E-40DD-AFC4-6F175D3DCCD1}">
+              <a14:hiddenFill xmlns:a14="http://schemas.microsoft.com/office/drawing/2010/main">
+                <a:solidFill>
+                  <a:srgbClr val="FFFFFF"/>
+                </a:solidFill>
+              </a14:hiddenFill>
+            </a:ext>
+          </a:extLst>
+        </p:spPr>
+      </p:pic>
+      <p:pic>
+        <p:nvPicPr>
+          <p:cNvPr id="18" name="Picture 10" descr="鉄兜と鎧を着た兵士のイラスト | かわいいフリー素材集 いらすとや">
+            <a:extLst>
+              <a:ext uri="{FF2B5EF4-FFF2-40B4-BE49-F238E27FC236}">
+                <a16:creationId xmlns:a16="http://schemas.microsoft.com/office/drawing/2014/main" id="{4E96AD38-2297-A431-9045-C0CE4AB278FA}"/>
+              </a:ext>
+            </a:extLst>
+          </p:cNvPr>
+          <p:cNvPicPr>
+            <a:picLocks noChangeAspect="1" noChangeArrowheads="1"/>
+          </p:cNvPicPr>
+          <p:nvPr/>
+        </p:nvPicPr>
+        <p:blipFill>
+          <a:blip r:embed="rId4">
+            <a:extLst>
+              <a:ext uri="{28A0092B-C50C-407E-A947-70E740481C1C}">
+                <a14:useLocalDpi xmlns:a14="http://schemas.microsoft.com/office/drawing/2010/main" val="0"/>
+              </a:ext>
+            </a:extLst>
+          </a:blip>
+          <a:srcRect/>
+          <a:stretch>
+            <a:fillRect/>
+          </a:stretch>
+        </p:blipFill>
+        <p:spPr bwMode="auto">
+          <a:xfrm>
+            <a:off x="8673034" y="4547225"/>
+            <a:ext cx="2290939" cy="2535054"/>
+          </a:xfrm>
+          <a:prstGeom prst="rect">
+            <a:avLst/>
+          </a:prstGeom>
+          <a:noFill/>
+          <a:extLst>
+            <a:ext uri="{909E8E84-426E-40DD-AFC4-6F175D3DCCD1}">
+              <a14:hiddenFill xmlns:a14="http://schemas.microsoft.com/office/drawing/2010/main">
+                <a:solidFill>
+                  <a:srgbClr val="FFFFFF"/>
+                </a:solidFill>
+              </a14:hiddenFill>
+            </a:ext>
+          </a:extLst>
+        </p:spPr>
+      </p:pic>
+      <p:sp>
+        <p:nvSpPr>
+          <p:cNvPr id="20" name="四角形: 角を丸くする 19">
+            <a:extLst>
+              <a:ext uri="{FF2B5EF4-FFF2-40B4-BE49-F238E27FC236}">
+                <a16:creationId xmlns:a16="http://schemas.microsoft.com/office/drawing/2014/main" id="{B64410FE-9B46-0538-7875-CC8D006AEF01}"/>
+              </a:ext>
+            </a:extLst>
+          </p:cNvPr>
+          <p:cNvSpPr/>
+          <p:nvPr/>
+        </p:nvSpPr>
+        <p:spPr>
+          <a:xfrm>
+            <a:off x="493150" y="4008122"/>
+            <a:ext cx="3717944" cy="656705"/>
+          </a:xfrm>
+          <a:prstGeom prst="roundRect">
+            <a:avLst/>
+          </a:prstGeom>
+        </p:spPr>
+        <p:style>
+          <a:lnRef idx="2">
+            <a:schemeClr val="accent4">
+              <a:shade val="15000"/>
+            </a:schemeClr>
+          </a:lnRef>
+          <a:fillRef idx="1">
+            <a:schemeClr val="accent4"/>
+          </a:fillRef>
+          <a:effectRef idx="0">
+            <a:schemeClr val="accent4"/>
+          </a:effectRef>
+          <a:fontRef idx="minor">
+            <a:schemeClr val="lt1"/>
+          </a:fontRef>
+        </p:style>
+        <p:txBody>
+          <a:bodyPr rtlCol="0" anchor="ctr"/>
+          <a:lstStyle/>
+          <a:p>
+            <a:pPr algn="ctr"/>
             <a:r>
               <a:rPr lang="ja-JP" altLang="en-US" sz="3200" dirty="0">
                 <a:solidFill>
@@ -9818,6 +10407,1133 @@
     <p:extLst>
       <p:ext uri="{BB962C8B-B14F-4D97-AF65-F5344CB8AC3E}">
         <p14:creationId xmlns:p14="http://schemas.microsoft.com/office/powerpoint/2010/main" val="1134090514"/>
+      </p:ext>
+    </p:extLst>
+  </p:cSld>
+  <p:clrMapOvr>
+    <a:masterClrMapping/>
+  </p:clrMapOvr>
+</p:sld>
+</file>
+
+<file path=ppt/slides/slide7.xml><?xml version="1.0" encoding="utf-8"?>
+<p:sld xmlns:a="http://schemas.openxmlformats.org/drawingml/2006/main" xmlns:r="http://schemas.openxmlformats.org/officeDocument/2006/relationships" xmlns:p="http://schemas.openxmlformats.org/presentationml/2006/main">
+  <p:cSld>
+    <p:spTree>
+      <p:nvGrpSpPr>
+        <p:cNvPr id="1" name=""/>
+        <p:cNvGrpSpPr/>
+        <p:nvPr/>
+      </p:nvGrpSpPr>
+      <p:grpSpPr>
+        <a:xfrm>
+          <a:off x="0" y="0"/>
+          <a:ext cx="0" cy="0"/>
+          <a:chOff x="0" y="0"/>
+          <a:chExt cx="0" cy="0"/>
+        </a:xfrm>
+      </p:grpSpPr>
+      <p:pic>
+        <p:nvPicPr>
+          <p:cNvPr id="4" name="図 3" descr="図形, 四角形&#10;&#10;自動的に生成された説明">
+            <a:extLst>
+              <a:ext uri="{FF2B5EF4-FFF2-40B4-BE49-F238E27FC236}">
+                <a16:creationId xmlns:a16="http://schemas.microsoft.com/office/drawing/2014/main" id="{CF40515E-E1BB-5DBF-6586-D37040BFCFE9}"/>
+              </a:ext>
+            </a:extLst>
+          </p:cNvPr>
+          <p:cNvPicPr>
+            <a:picLocks noChangeAspect="1"/>
+          </p:cNvPicPr>
+          <p:nvPr/>
+        </p:nvPicPr>
+        <p:blipFill>
+          <a:blip r:embed="rId2">
+            <a:extLst>
+              <a:ext uri="{28A0092B-C50C-407E-A947-70E740481C1C}">
+                <a14:useLocalDpi xmlns:a14="http://schemas.microsoft.com/office/drawing/2010/main" val="0"/>
+              </a:ext>
+            </a:extLst>
+          </a:blip>
+          <a:stretch>
+            <a:fillRect/>
+          </a:stretch>
+        </p:blipFill>
+        <p:spPr>
+          <a:xfrm>
+            <a:off x="0" y="0"/>
+            <a:ext cx="12192000" cy="6858000"/>
+          </a:xfrm>
+          <a:prstGeom prst="rect">
+            <a:avLst/>
+          </a:prstGeom>
+        </p:spPr>
+      </p:pic>
+      <p:sp>
+        <p:nvSpPr>
+          <p:cNvPr id="5" name="テキスト ボックス 4">
+            <a:extLst>
+              <a:ext uri="{FF2B5EF4-FFF2-40B4-BE49-F238E27FC236}">
+                <a16:creationId xmlns:a16="http://schemas.microsoft.com/office/drawing/2014/main" id="{70BADF8B-061E-F55B-1914-56CF1CE190B0}"/>
+              </a:ext>
+            </a:extLst>
+          </p:cNvPr>
+          <p:cNvSpPr txBox="1"/>
+          <p:nvPr/>
+        </p:nvSpPr>
+        <p:spPr>
+          <a:xfrm>
+            <a:off x="4157007" y="512760"/>
+            <a:ext cx="3877985" cy="830997"/>
+          </a:xfrm>
+          <a:prstGeom prst="rect">
+            <a:avLst/>
+          </a:prstGeom>
+          <a:noFill/>
+        </p:spPr>
+        <p:txBody>
+          <a:bodyPr wrap="none" rtlCol="0">
+            <a:spAutoFit/>
+          </a:bodyPr>
+          <a:lstStyle/>
+          <a:p>
+            <a:r>
+              <a:rPr kumimoji="1" lang="ja-JP" altLang="en-US" sz="4800" dirty="0">
+                <a:latin typeface="せのびゴシック Bold" panose="02000600000000000000" pitchFamily="2" charset="-128"/>
+                <a:ea typeface="せのびゴシック Bold" panose="02000600000000000000" pitchFamily="2" charset="-128"/>
+              </a:rPr>
+              <a:t>ターゲット層</a:t>
+            </a:r>
+          </a:p>
+        </p:txBody>
+      </p:sp>
+    </p:spTree>
+    <p:extLst>
+      <p:ext uri="{BB962C8B-B14F-4D97-AF65-F5344CB8AC3E}">
+        <p14:creationId xmlns:p14="http://schemas.microsoft.com/office/powerpoint/2010/main" val="194980830"/>
+      </p:ext>
+    </p:extLst>
+  </p:cSld>
+  <p:clrMapOvr>
+    <a:masterClrMapping/>
+  </p:clrMapOvr>
+</p:sld>
+</file>
+
+<file path=ppt/slides/slide8.xml><?xml version="1.0" encoding="utf-8"?>
+<p:sld xmlns:a="http://schemas.openxmlformats.org/drawingml/2006/main" xmlns:r="http://schemas.openxmlformats.org/officeDocument/2006/relationships" xmlns:p="http://schemas.openxmlformats.org/presentationml/2006/main">
+  <p:cSld>
+    <p:spTree>
+      <p:nvGrpSpPr>
+        <p:cNvPr id="1" name=""/>
+        <p:cNvGrpSpPr/>
+        <p:nvPr/>
+      </p:nvGrpSpPr>
+      <p:grpSpPr>
+        <a:xfrm>
+          <a:off x="0" y="0"/>
+          <a:ext cx="0" cy="0"/>
+          <a:chOff x="0" y="0"/>
+          <a:chExt cx="0" cy="0"/>
+        </a:xfrm>
+      </p:grpSpPr>
+      <p:pic>
+        <p:nvPicPr>
+          <p:cNvPr id="4" name="図 3" descr="図形, 四角形&#10;&#10;自動的に生成された説明">
+            <a:extLst>
+              <a:ext uri="{FF2B5EF4-FFF2-40B4-BE49-F238E27FC236}">
+                <a16:creationId xmlns:a16="http://schemas.microsoft.com/office/drawing/2014/main" id="{02F25C48-74AB-D8E0-109C-BE5ADB9CBB66}"/>
+              </a:ext>
+            </a:extLst>
+          </p:cNvPr>
+          <p:cNvPicPr>
+            <a:picLocks noChangeAspect="1"/>
+          </p:cNvPicPr>
+          <p:nvPr/>
+        </p:nvPicPr>
+        <p:blipFill>
+          <a:blip r:embed="rId2">
+            <a:extLst>
+              <a:ext uri="{28A0092B-C50C-407E-A947-70E740481C1C}">
+                <a14:useLocalDpi xmlns:a14="http://schemas.microsoft.com/office/drawing/2010/main" val="0"/>
+              </a:ext>
+            </a:extLst>
+          </a:blip>
+          <a:stretch>
+            <a:fillRect/>
+          </a:stretch>
+        </p:blipFill>
+        <p:spPr>
+          <a:xfrm>
+            <a:off x="0" y="0"/>
+            <a:ext cx="12192000" cy="6858000"/>
+          </a:xfrm>
+          <a:prstGeom prst="rect">
+            <a:avLst/>
+          </a:prstGeom>
+        </p:spPr>
+      </p:pic>
+      <p:sp>
+        <p:nvSpPr>
+          <p:cNvPr id="6" name="テキスト ボックス 5">
+            <a:extLst>
+              <a:ext uri="{FF2B5EF4-FFF2-40B4-BE49-F238E27FC236}">
+                <a16:creationId xmlns:a16="http://schemas.microsoft.com/office/drawing/2014/main" id="{64C21EEE-3BD2-633F-4465-10581CF3E81F}"/>
+              </a:ext>
+            </a:extLst>
+          </p:cNvPr>
+          <p:cNvSpPr txBox="1"/>
+          <p:nvPr/>
+        </p:nvSpPr>
+        <p:spPr>
+          <a:xfrm>
+            <a:off x="4772561" y="624727"/>
+            <a:ext cx="2646878" cy="830997"/>
+          </a:xfrm>
+          <a:prstGeom prst="rect">
+            <a:avLst/>
+          </a:prstGeom>
+          <a:noFill/>
+        </p:spPr>
+        <p:txBody>
+          <a:bodyPr wrap="none" rtlCol="0">
+            <a:spAutoFit/>
+          </a:bodyPr>
+          <a:lstStyle/>
+          <a:p>
+            <a:r>
+              <a:rPr kumimoji="1" lang="ja-JP" altLang="en-US" sz="4800" dirty="0">
+                <a:latin typeface="せのびゴシック Bold" panose="02000600000000000000" pitchFamily="2" charset="-128"/>
+                <a:ea typeface="せのびゴシック Bold" panose="02000600000000000000" pitchFamily="2" charset="-128"/>
+              </a:rPr>
+              <a:t>開発環境</a:t>
+            </a:r>
+          </a:p>
+        </p:txBody>
+      </p:sp>
+      <p:sp>
+        <p:nvSpPr>
+          <p:cNvPr id="32" name="正方形/長方形 31">
+            <a:extLst>
+              <a:ext uri="{FF2B5EF4-FFF2-40B4-BE49-F238E27FC236}">
+                <a16:creationId xmlns:a16="http://schemas.microsoft.com/office/drawing/2014/main" id="{24E16C93-194F-06A5-370A-0E1126C7A623}"/>
+              </a:ext>
+            </a:extLst>
+          </p:cNvPr>
+          <p:cNvSpPr/>
+          <p:nvPr/>
+        </p:nvSpPr>
+        <p:spPr>
+          <a:xfrm>
+            <a:off x="1105073" y="1909681"/>
+            <a:ext cx="9981854" cy="4494361"/>
+          </a:xfrm>
+          <a:prstGeom prst="rect">
+            <a:avLst/>
+          </a:prstGeom>
+          <a:solidFill>
+            <a:schemeClr val="accent1">
+              <a:lumMod val="20000"/>
+              <a:lumOff val="80000"/>
+            </a:schemeClr>
+          </a:solidFill>
+        </p:spPr>
+        <p:style>
+          <a:lnRef idx="2">
+            <a:schemeClr val="accent1">
+              <a:shade val="15000"/>
+            </a:schemeClr>
+          </a:lnRef>
+          <a:fillRef idx="1">
+            <a:schemeClr val="accent1"/>
+          </a:fillRef>
+          <a:effectRef idx="0">
+            <a:schemeClr val="accent1"/>
+          </a:effectRef>
+          <a:fontRef idx="minor">
+            <a:schemeClr val="lt1"/>
+          </a:fontRef>
+        </p:style>
+        <p:txBody>
+          <a:bodyPr rtlCol="0" anchor="ctr"/>
+          <a:lstStyle/>
+          <a:p>
+            <a:pPr algn="ctr"/>
+            <a:endParaRPr kumimoji="1" lang="ja-JP" altLang="en-US"/>
+          </a:p>
+        </p:txBody>
+      </p:sp>
+      <p:sp>
+        <p:nvSpPr>
+          <p:cNvPr id="7" name="テキスト ボックス 6">
+            <a:extLst>
+              <a:ext uri="{FF2B5EF4-FFF2-40B4-BE49-F238E27FC236}">
+                <a16:creationId xmlns:a16="http://schemas.microsoft.com/office/drawing/2014/main" id="{27612DA7-9621-54F9-8898-D30B387225E7}"/>
+              </a:ext>
+            </a:extLst>
+          </p:cNvPr>
+          <p:cNvSpPr txBox="1"/>
+          <p:nvPr/>
+        </p:nvSpPr>
+        <p:spPr>
+          <a:xfrm>
+            <a:off x="2054974" y="3528738"/>
+            <a:ext cx="3766706" cy="707886"/>
+          </a:xfrm>
+          <a:prstGeom prst="rect">
+            <a:avLst/>
+          </a:prstGeom>
+          <a:noFill/>
+        </p:spPr>
+        <p:txBody>
+          <a:bodyPr wrap="square">
+            <a:spAutoFit/>
+          </a:bodyPr>
+          <a:lstStyle/>
+          <a:p>
+            <a:r>
+              <a:rPr lang="ja-JP" altLang="en-US" sz="4000" dirty="0">
+                <a:latin typeface="せのびゴシック Bold" panose="02000600000000000000" pitchFamily="2" charset="-128"/>
+                <a:ea typeface="せのびゴシック Bold" panose="02000600000000000000" pitchFamily="2" charset="-128"/>
+              </a:rPr>
+              <a:t>描画ライブラリ</a:t>
+            </a:r>
+          </a:p>
+        </p:txBody>
+      </p:sp>
+      <p:sp>
+        <p:nvSpPr>
+          <p:cNvPr id="8" name="テキスト ボックス 7">
+            <a:extLst>
+              <a:ext uri="{FF2B5EF4-FFF2-40B4-BE49-F238E27FC236}">
+                <a16:creationId xmlns:a16="http://schemas.microsoft.com/office/drawing/2014/main" id="{6E183045-ADCA-8D01-4475-B4005C4A8ACB}"/>
+              </a:ext>
+            </a:extLst>
+          </p:cNvPr>
+          <p:cNvSpPr txBox="1"/>
+          <p:nvPr/>
+        </p:nvSpPr>
+        <p:spPr>
+          <a:xfrm>
+            <a:off x="2054974" y="4184893"/>
+            <a:ext cx="3766706" cy="707886"/>
+          </a:xfrm>
+          <a:prstGeom prst="rect">
+            <a:avLst/>
+          </a:prstGeom>
+          <a:noFill/>
+        </p:spPr>
+        <p:txBody>
+          <a:bodyPr wrap="square">
+            <a:spAutoFit/>
+          </a:bodyPr>
+          <a:lstStyle/>
+          <a:p>
+            <a:r>
+              <a:rPr lang="ja-JP" altLang="en-US" sz="4000" dirty="0">
+                <a:latin typeface="せのびゴシック Bold" panose="02000600000000000000" pitchFamily="2" charset="-128"/>
+                <a:ea typeface="せのびゴシック Bold" panose="02000600000000000000" pitchFamily="2" charset="-128"/>
+              </a:rPr>
+              <a:t>プログラム言語</a:t>
+            </a:r>
+          </a:p>
+        </p:txBody>
+      </p:sp>
+      <p:sp>
+        <p:nvSpPr>
+          <p:cNvPr id="9" name="テキスト ボックス 8">
+            <a:extLst>
+              <a:ext uri="{FF2B5EF4-FFF2-40B4-BE49-F238E27FC236}">
+                <a16:creationId xmlns:a16="http://schemas.microsoft.com/office/drawing/2014/main" id="{9EE1E4DF-2003-E7E3-9951-76BD86F4D35D}"/>
+              </a:ext>
+            </a:extLst>
+          </p:cNvPr>
+          <p:cNvSpPr txBox="1"/>
+          <p:nvPr/>
+        </p:nvSpPr>
+        <p:spPr>
+          <a:xfrm>
+            <a:off x="2054974" y="2842662"/>
+            <a:ext cx="3766706" cy="707886"/>
+          </a:xfrm>
+          <a:prstGeom prst="rect">
+            <a:avLst/>
+          </a:prstGeom>
+          <a:noFill/>
+        </p:spPr>
+        <p:txBody>
+          <a:bodyPr wrap="square">
+            <a:spAutoFit/>
+          </a:bodyPr>
+          <a:lstStyle/>
+          <a:p>
+            <a:r>
+              <a:rPr lang="ja-JP" altLang="en-US" sz="4000" dirty="0">
+                <a:latin typeface="せのびゴシック Bold" panose="02000600000000000000" pitchFamily="2" charset="-128"/>
+                <a:ea typeface="せのびゴシック Bold" panose="02000600000000000000" pitchFamily="2" charset="-128"/>
+              </a:rPr>
+              <a:t>仕様</a:t>
+            </a:r>
+          </a:p>
+        </p:txBody>
+      </p:sp>
+      <p:sp>
+        <p:nvSpPr>
+          <p:cNvPr id="10" name="テキスト ボックス 9">
+            <a:extLst>
+              <a:ext uri="{FF2B5EF4-FFF2-40B4-BE49-F238E27FC236}">
+                <a16:creationId xmlns:a16="http://schemas.microsoft.com/office/drawing/2014/main" id="{7E378773-2BB9-02DC-16B7-86F4ABC5F918}"/>
+              </a:ext>
+            </a:extLst>
+          </p:cNvPr>
+          <p:cNvSpPr txBox="1"/>
+          <p:nvPr/>
+        </p:nvSpPr>
+        <p:spPr>
+          <a:xfrm>
+            <a:off x="2054974" y="2164698"/>
+            <a:ext cx="3766706" cy="707886"/>
+          </a:xfrm>
+          <a:prstGeom prst="rect">
+            <a:avLst/>
+          </a:prstGeom>
+          <a:noFill/>
+        </p:spPr>
+        <p:txBody>
+          <a:bodyPr wrap="square">
+            <a:spAutoFit/>
+          </a:bodyPr>
+          <a:lstStyle/>
+          <a:p>
+            <a:r>
+              <a:rPr lang="ja-JP" altLang="en-US" sz="4000" dirty="0">
+                <a:latin typeface="せのびゴシック Bold" panose="02000600000000000000" pitchFamily="2" charset="-128"/>
+                <a:ea typeface="せのびゴシック Bold" panose="02000600000000000000" pitchFamily="2" charset="-128"/>
+              </a:rPr>
+              <a:t>企画</a:t>
+            </a:r>
+            <a:r>
+              <a:rPr lang="en-US" altLang="ja-JP" sz="4000" dirty="0">
+                <a:latin typeface="せのびゴシック Bold" panose="02000600000000000000" pitchFamily="2" charset="-128"/>
+                <a:ea typeface="せのびゴシック Bold" panose="02000600000000000000" pitchFamily="2" charset="-128"/>
+              </a:rPr>
+              <a:t>               </a:t>
+            </a:r>
+            <a:endParaRPr lang="ja-JP" altLang="en-US" sz="4000" dirty="0">
+              <a:latin typeface="せのびゴシック Bold" panose="02000600000000000000" pitchFamily="2" charset="-128"/>
+              <a:ea typeface="せのびゴシック Bold" panose="02000600000000000000" pitchFamily="2" charset="-128"/>
+            </a:endParaRPr>
+          </a:p>
+        </p:txBody>
+      </p:sp>
+      <p:sp>
+        <p:nvSpPr>
+          <p:cNvPr id="11" name="テキスト ボックス 10">
+            <a:extLst>
+              <a:ext uri="{FF2B5EF4-FFF2-40B4-BE49-F238E27FC236}">
+                <a16:creationId xmlns:a16="http://schemas.microsoft.com/office/drawing/2014/main" id="{51259BAC-A43F-6B56-68E3-87646BD0FF60}"/>
+              </a:ext>
+            </a:extLst>
+          </p:cNvPr>
+          <p:cNvSpPr txBox="1"/>
+          <p:nvPr/>
+        </p:nvSpPr>
+        <p:spPr>
+          <a:xfrm>
+            <a:off x="2072655" y="4837564"/>
+            <a:ext cx="3766706" cy="707886"/>
+          </a:xfrm>
+          <a:prstGeom prst="rect">
+            <a:avLst/>
+          </a:prstGeom>
+          <a:noFill/>
+        </p:spPr>
+        <p:txBody>
+          <a:bodyPr wrap="square">
+            <a:spAutoFit/>
+          </a:bodyPr>
+          <a:lstStyle/>
+          <a:p>
+            <a:r>
+              <a:rPr lang="en-US" altLang="ja-JP" sz="4000" dirty="0">
+                <a:latin typeface="せのびゴシック Bold" panose="02000600000000000000" pitchFamily="2" charset="-128"/>
+                <a:ea typeface="せのびゴシック Bold" panose="02000600000000000000" pitchFamily="2" charset="-128"/>
+              </a:rPr>
+              <a:t>3D</a:t>
+            </a:r>
+            <a:r>
+              <a:rPr lang="ja-JP" altLang="en-US" sz="4000" dirty="0">
+                <a:latin typeface="せのびゴシック Bold" panose="02000600000000000000" pitchFamily="2" charset="-128"/>
+                <a:ea typeface="せのびゴシック Bold" panose="02000600000000000000" pitchFamily="2" charset="-128"/>
+              </a:rPr>
+              <a:t>素材</a:t>
+            </a:r>
+          </a:p>
+        </p:txBody>
+      </p:sp>
+      <p:sp>
+        <p:nvSpPr>
+          <p:cNvPr id="12" name="テキスト ボックス 11">
+            <a:extLst>
+              <a:ext uri="{FF2B5EF4-FFF2-40B4-BE49-F238E27FC236}">
+                <a16:creationId xmlns:a16="http://schemas.microsoft.com/office/drawing/2014/main" id="{D0B39DFE-B417-6C84-5DFC-E60E14105954}"/>
+              </a:ext>
+            </a:extLst>
+          </p:cNvPr>
+          <p:cNvSpPr txBox="1"/>
+          <p:nvPr/>
+        </p:nvSpPr>
+        <p:spPr>
+          <a:xfrm>
+            <a:off x="2072655" y="5441140"/>
+            <a:ext cx="3766706" cy="707886"/>
+          </a:xfrm>
+          <a:prstGeom prst="rect">
+            <a:avLst/>
+          </a:prstGeom>
+          <a:noFill/>
+        </p:spPr>
+        <p:txBody>
+          <a:bodyPr wrap="square">
+            <a:spAutoFit/>
+          </a:bodyPr>
+          <a:lstStyle/>
+          <a:p>
+            <a:r>
+              <a:rPr lang="en-US" altLang="ja-JP" sz="4000" dirty="0">
+                <a:latin typeface="せのびゴシック Bold" panose="02000600000000000000" pitchFamily="2" charset="-128"/>
+                <a:ea typeface="せのびゴシック Bold" panose="02000600000000000000" pitchFamily="2" charset="-128"/>
+              </a:rPr>
+              <a:t>2D</a:t>
+            </a:r>
+            <a:r>
+              <a:rPr lang="ja-JP" altLang="en-US" sz="4000" dirty="0">
+                <a:latin typeface="せのびゴシック Bold" panose="02000600000000000000" pitchFamily="2" charset="-128"/>
+                <a:ea typeface="せのびゴシック Bold" panose="02000600000000000000" pitchFamily="2" charset="-128"/>
+              </a:rPr>
+              <a:t>素材</a:t>
+            </a:r>
+          </a:p>
+        </p:txBody>
+      </p:sp>
+      <p:sp>
+        <p:nvSpPr>
+          <p:cNvPr id="19" name="テキスト ボックス 18">
+            <a:extLst>
+              <a:ext uri="{FF2B5EF4-FFF2-40B4-BE49-F238E27FC236}">
+                <a16:creationId xmlns:a16="http://schemas.microsoft.com/office/drawing/2014/main" id="{AA07C414-392D-D0BC-FD4B-D3FE16FCA788}"/>
+              </a:ext>
+            </a:extLst>
+          </p:cNvPr>
+          <p:cNvSpPr txBox="1"/>
+          <p:nvPr/>
+        </p:nvSpPr>
+        <p:spPr>
+          <a:xfrm>
+            <a:off x="6513366" y="3528738"/>
+            <a:ext cx="4251615" cy="707886"/>
+          </a:xfrm>
+          <a:prstGeom prst="rect">
+            <a:avLst/>
+          </a:prstGeom>
+          <a:noFill/>
+        </p:spPr>
+        <p:txBody>
+          <a:bodyPr wrap="square">
+            <a:spAutoFit/>
+          </a:bodyPr>
+          <a:lstStyle/>
+          <a:p>
+            <a:r>
+              <a:rPr lang="en-US" altLang="ja-JP" sz="4000" dirty="0" err="1">
+                <a:latin typeface="せのびゴシック Bold" panose="02000600000000000000" pitchFamily="2" charset="-128"/>
+                <a:ea typeface="せのびゴシック Bold" panose="02000600000000000000" pitchFamily="2" charset="-128"/>
+              </a:rPr>
+              <a:t>DxLib</a:t>
+            </a:r>
+            <a:r>
+              <a:rPr lang="ja-JP" altLang="en-US" sz="4000" dirty="0">
+                <a:latin typeface="せのびゴシック Bold" panose="02000600000000000000" pitchFamily="2" charset="-128"/>
+                <a:ea typeface="せのびゴシック Bold" panose="02000600000000000000" pitchFamily="2" charset="-128"/>
+              </a:rPr>
+              <a:t>ライブラリ</a:t>
+            </a:r>
+          </a:p>
+        </p:txBody>
+      </p:sp>
+      <p:sp>
+        <p:nvSpPr>
+          <p:cNvPr id="20" name="テキスト ボックス 19">
+            <a:extLst>
+              <a:ext uri="{FF2B5EF4-FFF2-40B4-BE49-F238E27FC236}">
+                <a16:creationId xmlns:a16="http://schemas.microsoft.com/office/drawing/2014/main" id="{B22F06D8-0FB7-E8F6-BA59-1DB53C90602C}"/>
+              </a:ext>
+            </a:extLst>
+          </p:cNvPr>
+          <p:cNvSpPr txBox="1"/>
+          <p:nvPr/>
+        </p:nvSpPr>
+        <p:spPr>
+          <a:xfrm>
+            <a:off x="6513367" y="4184893"/>
+            <a:ext cx="3766706" cy="707886"/>
+          </a:xfrm>
+          <a:prstGeom prst="rect">
+            <a:avLst/>
+          </a:prstGeom>
+          <a:noFill/>
+        </p:spPr>
+        <p:txBody>
+          <a:bodyPr wrap="square">
+            <a:spAutoFit/>
+          </a:bodyPr>
+          <a:lstStyle/>
+          <a:p>
+            <a:r>
+              <a:rPr lang="en-US" altLang="ja-JP" sz="4000" dirty="0">
+                <a:latin typeface="せのびゴシック Bold" panose="02000600000000000000" pitchFamily="2" charset="-128"/>
+                <a:ea typeface="せのびゴシック Bold" panose="02000600000000000000" pitchFamily="2" charset="-128"/>
+              </a:rPr>
+              <a:t>C++</a:t>
+            </a:r>
+            <a:endParaRPr lang="ja-JP" altLang="en-US" sz="4000" dirty="0">
+              <a:latin typeface="せのびゴシック Bold" panose="02000600000000000000" pitchFamily="2" charset="-128"/>
+              <a:ea typeface="せのびゴシック Bold" panose="02000600000000000000" pitchFamily="2" charset="-128"/>
+            </a:endParaRPr>
+          </a:p>
+        </p:txBody>
+      </p:sp>
+      <p:sp>
+        <p:nvSpPr>
+          <p:cNvPr id="21" name="テキスト ボックス 20">
+            <a:extLst>
+              <a:ext uri="{FF2B5EF4-FFF2-40B4-BE49-F238E27FC236}">
+                <a16:creationId xmlns:a16="http://schemas.microsoft.com/office/drawing/2014/main" id="{D47B8B5F-EA9C-F246-20DE-468BDB507541}"/>
+              </a:ext>
+            </a:extLst>
+          </p:cNvPr>
+          <p:cNvSpPr txBox="1"/>
+          <p:nvPr/>
+        </p:nvSpPr>
+        <p:spPr>
+          <a:xfrm>
+            <a:off x="6513367" y="2842662"/>
+            <a:ext cx="3766706" cy="707886"/>
+          </a:xfrm>
+          <a:prstGeom prst="rect">
+            <a:avLst/>
+          </a:prstGeom>
+          <a:noFill/>
+        </p:spPr>
+        <p:txBody>
+          <a:bodyPr wrap="square">
+            <a:spAutoFit/>
+          </a:bodyPr>
+          <a:lstStyle/>
+          <a:p>
+            <a:r>
+              <a:rPr lang="ja-JP" altLang="en-US" sz="4000" dirty="0">
+                <a:latin typeface="せのびゴシック Bold" panose="02000600000000000000" pitchFamily="2" charset="-128"/>
+                <a:ea typeface="せのびゴシック Bold" panose="02000600000000000000" pitchFamily="2" charset="-128"/>
+              </a:rPr>
+              <a:t>坂本</a:t>
+            </a:r>
+          </a:p>
+        </p:txBody>
+      </p:sp>
+      <p:sp>
+        <p:nvSpPr>
+          <p:cNvPr id="22" name="テキスト ボックス 21">
+            <a:extLst>
+              <a:ext uri="{FF2B5EF4-FFF2-40B4-BE49-F238E27FC236}">
+                <a16:creationId xmlns:a16="http://schemas.microsoft.com/office/drawing/2014/main" id="{9C2788FB-ABE4-65C5-A2D3-0AAC13CD30C7}"/>
+              </a:ext>
+            </a:extLst>
+          </p:cNvPr>
+          <p:cNvSpPr txBox="1"/>
+          <p:nvPr/>
+        </p:nvSpPr>
+        <p:spPr>
+          <a:xfrm>
+            <a:off x="6513367" y="2164698"/>
+            <a:ext cx="3766706" cy="707886"/>
+          </a:xfrm>
+          <a:prstGeom prst="rect">
+            <a:avLst/>
+          </a:prstGeom>
+          <a:noFill/>
+        </p:spPr>
+        <p:txBody>
+          <a:bodyPr wrap="square">
+            <a:spAutoFit/>
+          </a:bodyPr>
+          <a:lstStyle/>
+          <a:p>
+            <a:r>
+              <a:rPr lang="ja-JP" altLang="en-US" sz="4000" dirty="0">
+                <a:latin typeface="せのびゴシック Bold" panose="02000600000000000000" pitchFamily="2" charset="-128"/>
+                <a:ea typeface="せのびゴシック Bold" panose="02000600000000000000" pitchFamily="2" charset="-128"/>
+              </a:rPr>
+              <a:t>坂本</a:t>
+            </a:r>
+            <a:r>
+              <a:rPr lang="en-US" altLang="ja-JP" sz="4000" dirty="0">
+                <a:latin typeface="せのびゴシック Bold" panose="02000600000000000000" pitchFamily="2" charset="-128"/>
+                <a:ea typeface="せのびゴシック Bold" panose="02000600000000000000" pitchFamily="2" charset="-128"/>
+              </a:rPr>
+              <a:t>               </a:t>
+            </a:r>
+            <a:endParaRPr lang="ja-JP" altLang="en-US" sz="4000" dirty="0">
+              <a:latin typeface="せのびゴシック Bold" panose="02000600000000000000" pitchFamily="2" charset="-128"/>
+              <a:ea typeface="せのびゴシック Bold" panose="02000600000000000000" pitchFamily="2" charset="-128"/>
+            </a:endParaRPr>
+          </a:p>
+        </p:txBody>
+      </p:sp>
+      <p:sp>
+        <p:nvSpPr>
+          <p:cNvPr id="23" name="テキスト ボックス 22">
+            <a:extLst>
+              <a:ext uri="{FF2B5EF4-FFF2-40B4-BE49-F238E27FC236}">
+                <a16:creationId xmlns:a16="http://schemas.microsoft.com/office/drawing/2014/main" id="{156AEE33-4586-FFDD-0F12-3B8F84A2404D}"/>
+              </a:ext>
+            </a:extLst>
+          </p:cNvPr>
+          <p:cNvSpPr txBox="1"/>
+          <p:nvPr/>
+        </p:nvSpPr>
+        <p:spPr>
+          <a:xfrm>
+            <a:off x="6531048" y="4837564"/>
+            <a:ext cx="3766706" cy="707886"/>
+          </a:xfrm>
+          <a:prstGeom prst="rect">
+            <a:avLst/>
+          </a:prstGeom>
+          <a:noFill/>
+        </p:spPr>
+        <p:txBody>
+          <a:bodyPr wrap="square">
+            <a:spAutoFit/>
+          </a:bodyPr>
+          <a:lstStyle/>
+          <a:p>
+            <a:r>
+              <a:rPr lang="ja-JP" altLang="en-US" sz="4000" dirty="0">
+                <a:latin typeface="せのびゴシック Bold" panose="02000600000000000000" pitchFamily="2" charset="-128"/>
+                <a:ea typeface="せのびゴシック Bold" panose="02000600000000000000" pitchFamily="2" charset="-128"/>
+              </a:rPr>
+              <a:t>麻生</a:t>
+            </a:r>
+          </a:p>
+        </p:txBody>
+      </p:sp>
+      <p:sp>
+        <p:nvSpPr>
+          <p:cNvPr id="25" name="テキスト ボックス 24">
+            <a:extLst>
+              <a:ext uri="{FF2B5EF4-FFF2-40B4-BE49-F238E27FC236}">
+                <a16:creationId xmlns:a16="http://schemas.microsoft.com/office/drawing/2014/main" id="{C15B70B2-E2D5-F0D5-6ECA-C4ED32CD8749}"/>
+              </a:ext>
+            </a:extLst>
+          </p:cNvPr>
+          <p:cNvSpPr txBox="1"/>
+          <p:nvPr/>
+        </p:nvSpPr>
+        <p:spPr>
+          <a:xfrm>
+            <a:off x="6513367" y="5438504"/>
+            <a:ext cx="3766706" cy="707886"/>
+          </a:xfrm>
+          <a:prstGeom prst="rect">
+            <a:avLst/>
+          </a:prstGeom>
+          <a:noFill/>
+        </p:spPr>
+        <p:txBody>
+          <a:bodyPr wrap="square">
+            <a:spAutoFit/>
+          </a:bodyPr>
+          <a:lstStyle/>
+          <a:p>
+            <a:r>
+              <a:rPr lang="en-US" altLang="ja-JP" sz="4000" dirty="0">
+                <a:latin typeface="せのびゴシック Bold" panose="02000600000000000000" pitchFamily="2" charset="-128"/>
+                <a:ea typeface="せのびゴシック Bold" panose="02000600000000000000" pitchFamily="2" charset="-128"/>
+              </a:rPr>
+              <a:t>itch.io</a:t>
+            </a:r>
+            <a:endParaRPr lang="ja-JP" altLang="en-US" sz="4000" dirty="0">
+              <a:latin typeface="せのびゴシック Bold" panose="02000600000000000000" pitchFamily="2" charset="-128"/>
+              <a:ea typeface="せのびゴシック Bold" panose="02000600000000000000" pitchFamily="2" charset="-128"/>
+            </a:endParaRPr>
+          </a:p>
+        </p:txBody>
+      </p:sp>
+      <p:sp>
+        <p:nvSpPr>
+          <p:cNvPr id="26" name="テキスト ボックス 25">
+            <a:extLst>
+              <a:ext uri="{FF2B5EF4-FFF2-40B4-BE49-F238E27FC236}">
+                <a16:creationId xmlns:a16="http://schemas.microsoft.com/office/drawing/2014/main" id="{43F16C56-CF08-5758-C6F9-E53F0CDA21D3}"/>
+              </a:ext>
+            </a:extLst>
+          </p:cNvPr>
+          <p:cNvSpPr txBox="1"/>
+          <p:nvPr/>
+        </p:nvSpPr>
+        <p:spPr>
+          <a:xfrm>
+            <a:off x="5952921" y="3528738"/>
+            <a:ext cx="393842" cy="707886"/>
+          </a:xfrm>
+          <a:prstGeom prst="rect">
+            <a:avLst/>
+          </a:prstGeom>
+          <a:noFill/>
+        </p:spPr>
+        <p:txBody>
+          <a:bodyPr wrap="square">
+            <a:spAutoFit/>
+          </a:bodyPr>
+          <a:lstStyle/>
+          <a:p>
+            <a:r>
+              <a:rPr lang="en-US" altLang="ja-JP" sz="4000" dirty="0">
+                <a:latin typeface="せのびゴシック Bold" panose="02000600000000000000" pitchFamily="2" charset="-128"/>
+                <a:ea typeface="せのびゴシック Bold" panose="02000600000000000000" pitchFamily="2" charset="-128"/>
+              </a:rPr>
+              <a:t>:</a:t>
+            </a:r>
+            <a:endParaRPr lang="ja-JP" altLang="en-US" sz="4000" dirty="0">
+              <a:latin typeface="せのびゴシック Bold" panose="02000600000000000000" pitchFamily="2" charset="-128"/>
+              <a:ea typeface="せのびゴシック Bold" panose="02000600000000000000" pitchFamily="2" charset="-128"/>
+            </a:endParaRPr>
+          </a:p>
+        </p:txBody>
+      </p:sp>
+      <p:sp>
+        <p:nvSpPr>
+          <p:cNvPr id="27" name="テキスト ボックス 26">
+            <a:extLst>
+              <a:ext uri="{FF2B5EF4-FFF2-40B4-BE49-F238E27FC236}">
+                <a16:creationId xmlns:a16="http://schemas.microsoft.com/office/drawing/2014/main" id="{AA9D0583-EEB6-D42A-4F44-E57E2622F4CE}"/>
+              </a:ext>
+            </a:extLst>
+          </p:cNvPr>
+          <p:cNvSpPr txBox="1"/>
+          <p:nvPr/>
+        </p:nvSpPr>
+        <p:spPr>
+          <a:xfrm>
+            <a:off x="5952921" y="4184893"/>
+            <a:ext cx="393842" cy="707886"/>
+          </a:xfrm>
+          <a:prstGeom prst="rect">
+            <a:avLst/>
+          </a:prstGeom>
+          <a:noFill/>
+        </p:spPr>
+        <p:txBody>
+          <a:bodyPr wrap="square">
+            <a:spAutoFit/>
+          </a:bodyPr>
+          <a:lstStyle/>
+          <a:p>
+            <a:r>
+              <a:rPr lang="en-US" altLang="ja-JP" sz="4000" dirty="0">
+                <a:latin typeface="せのびゴシック Bold" panose="02000600000000000000" pitchFamily="2" charset="-128"/>
+                <a:ea typeface="せのびゴシック Bold" panose="02000600000000000000" pitchFamily="2" charset="-128"/>
+              </a:rPr>
+              <a:t>:</a:t>
+            </a:r>
+            <a:endParaRPr lang="ja-JP" altLang="en-US" sz="4000" dirty="0">
+              <a:latin typeface="せのびゴシック Bold" panose="02000600000000000000" pitchFamily="2" charset="-128"/>
+              <a:ea typeface="せのびゴシック Bold" panose="02000600000000000000" pitchFamily="2" charset="-128"/>
+            </a:endParaRPr>
+          </a:p>
+        </p:txBody>
+      </p:sp>
+      <p:sp>
+        <p:nvSpPr>
+          <p:cNvPr id="28" name="テキスト ボックス 27">
+            <a:extLst>
+              <a:ext uri="{FF2B5EF4-FFF2-40B4-BE49-F238E27FC236}">
+                <a16:creationId xmlns:a16="http://schemas.microsoft.com/office/drawing/2014/main" id="{CBEDF71B-124D-0DE9-1C4D-0F5A42449973}"/>
+              </a:ext>
+            </a:extLst>
+          </p:cNvPr>
+          <p:cNvSpPr txBox="1"/>
+          <p:nvPr/>
+        </p:nvSpPr>
+        <p:spPr>
+          <a:xfrm>
+            <a:off x="5952921" y="2842662"/>
+            <a:ext cx="393842" cy="707886"/>
+          </a:xfrm>
+          <a:prstGeom prst="rect">
+            <a:avLst/>
+          </a:prstGeom>
+          <a:noFill/>
+        </p:spPr>
+        <p:txBody>
+          <a:bodyPr wrap="square">
+            <a:spAutoFit/>
+          </a:bodyPr>
+          <a:lstStyle/>
+          <a:p>
+            <a:r>
+              <a:rPr lang="en-US" altLang="ja-JP" sz="4000" dirty="0">
+                <a:latin typeface="せのびゴシック Bold" panose="02000600000000000000" pitchFamily="2" charset="-128"/>
+                <a:ea typeface="せのびゴシック Bold" panose="02000600000000000000" pitchFamily="2" charset="-128"/>
+              </a:rPr>
+              <a:t>:</a:t>
+            </a:r>
+            <a:endParaRPr lang="ja-JP" altLang="en-US" sz="4000" dirty="0">
+              <a:latin typeface="せのびゴシック Bold" panose="02000600000000000000" pitchFamily="2" charset="-128"/>
+              <a:ea typeface="せのびゴシック Bold" panose="02000600000000000000" pitchFamily="2" charset="-128"/>
+            </a:endParaRPr>
+          </a:p>
+        </p:txBody>
+      </p:sp>
+      <p:sp>
+        <p:nvSpPr>
+          <p:cNvPr id="29" name="テキスト ボックス 28">
+            <a:extLst>
+              <a:ext uri="{FF2B5EF4-FFF2-40B4-BE49-F238E27FC236}">
+                <a16:creationId xmlns:a16="http://schemas.microsoft.com/office/drawing/2014/main" id="{3C1D10EC-979D-93D8-E685-524F260BB6EB}"/>
+              </a:ext>
+            </a:extLst>
+          </p:cNvPr>
+          <p:cNvSpPr txBox="1"/>
+          <p:nvPr/>
+        </p:nvSpPr>
+        <p:spPr>
+          <a:xfrm>
+            <a:off x="5952921" y="2164698"/>
+            <a:ext cx="393842" cy="707886"/>
+          </a:xfrm>
+          <a:prstGeom prst="rect">
+            <a:avLst/>
+          </a:prstGeom>
+          <a:noFill/>
+        </p:spPr>
+        <p:txBody>
+          <a:bodyPr wrap="square">
+            <a:spAutoFit/>
+          </a:bodyPr>
+          <a:lstStyle/>
+          <a:p>
+            <a:r>
+              <a:rPr lang="en-US" altLang="ja-JP" sz="4000" dirty="0">
+                <a:latin typeface="せのびゴシック Bold" panose="02000600000000000000" pitchFamily="2" charset="-128"/>
+                <a:ea typeface="せのびゴシック Bold" panose="02000600000000000000" pitchFamily="2" charset="-128"/>
+              </a:rPr>
+              <a:t>:               </a:t>
+            </a:r>
+            <a:endParaRPr lang="ja-JP" altLang="en-US" sz="4000" dirty="0">
+              <a:latin typeface="せのびゴシック Bold" panose="02000600000000000000" pitchFamily="2" charset="-128"/>
+              <a:ea typeface="せのびゴシック Bold" panose="02000600000000000000" pitchFamily="2" charset="-128"/>
+            </a:endParaRPr>
+          </a:p>
+        </p:txBody>
+      </p:sp>
+      <p:sp>
+        <p:nvSpPr>
+          <p:cNvPr id="30" name="テキスト ボックス 29">
+            <a:extLst>
+              <a:ext uri="{FF2B5EF4-FFF2-40B4-BE49-F238E27FC236}">
+                <a16:creationId xmlns:a16="http://schemas.microsoft.com/office/drawing/2014/main" id="{731D5FFE-ECA7-278F-73D8-B93B7DEC4228}"/>
+              </a:ext>
+            </a:extLst>
+          </p:cNvPr>
+          <p:cNvSpPr txBox="1"/>
+          <p:nvPr/>
+        </p:nvSpPr>
+        <p:spPr>
+          <a:xfrm>
+            <a:off x="5970602" y="4837564"/>
+            <a:ext cx="393842" cy="707886"/>
+          </a:xfrm>
+          <a:prstGeom prst="rect">
+            <a:avLst/>
+          </a:prstGeom>
+          <a:noFill/>
+        </p:spPr>
+        <p:txBody>
+          <a:bodyPr wrap="square">
+            <a:spAutoFit/>
+          </a:bodyPr>
+          <a:lstStyle/>
+          <a:p>
+            <a:r>
+              <a:rPr lang="en-US" altLang="ja-JP" sz="4000" dirty="0">
+                <a:latin typeface="せのびゴシック Bold" panose="02000600000000000000" pitchFamily="2" charset="-128"/>
+                <a:ea typeface="せのびゴシック Bold" panose="02000600000000000000" pitchFamily="2" charset="-128"/>
+              </a:rPr>
+              <a:t>:</a:t>
+            </a:r>
+            <a:endParaRPr lang="ja-JP" altLang="en-US" sz="4000" dirty="0">
+              <a:latin typeface="せのびゴシック Bold" panose="02000600000000000000" pitchFamily="2" charset="-128"/>
+              <a:ea typeface="せのびゴシック Bold" panose="02000600000000000000" pitchFamily="2" charset="-128"/>
+            </a:endParaRPr>
+          </a:p>
+        </p:txBody>
+      </p:sp>
+      <p:sp>
+        <p:nvSpPr>
+          <p:cNvPr id="31" name="テキスト ボックス 30">
+            <a:extLst>
+              <a:ext uri="{FF2B5EF4-FFF2-40B4-BE49-F238E27FC236}">
+                <a16:creationId xmlns:a16="http://schemas.microsoft.com/office/drawing/2014/main" id="{979B74A7-6317-DC23-0627-8127BF9F89CF}"/>
+              </a:ext>
+            </a:extLst>
+          </p:cNvPr>
+          <p:cNvSpPr txBox="1"/>
+          <p:nvPr/>
+        </p:nvSpPr>
+        <p:spPr>
+          <a:xfrm>
+            <a:off x="5970602" y="5441140"/>
+            <a:ext cx="393842" cy="707886"/>
+          </a:xfrm>
+          <a:prstGeom prst="rect">
+            <a:avLst/>
+          </a:prstGeom>
+          <a:noFill/>
+        </p:spPr>
+        <p:txBody>
+          <a:bodyPr wrap="square">
+            <a:spAutoFit/>
+          </a:bodyPr>
+          <a:lstStyle/>
+          <a:p>
+            <a:r>
+              <a:rPr lang="en-US" altLang="ja-JP" sz="4000" dirty="0">
+                <a:latin typeface="せのびゴシック Bold" panose="02000600000000000000" pitchFamily="2" charset="-128"/>
+                <a:ea typeface="せのびゴシック Bold" panose="02000600000000000000" pitchFamily="2" charset="-128"/>
+              </a:rPr>
+              <a:t>:</a:t>
+            </a:r>
+            <a:endParaRPr lang="ja-JP" altLang="en-US" sz="4000" dirty="0">
+              <a:latin typeface="せのびゴシック Bold" panose="02000600000000000000" pitchFamily="2" charset="-128"/>
+              <a:ea typeface="せのびゴシック Bold" panose="02000600000000000000" pitchFamily="2" charset="-128"/>
+            </a:endParaRPr>
+          </a:p>
+        </p:txBody>
+      </p:sp>
+    </p:spTree>
+    <p:extLst>
+      <p:ext uri="{BB962C8B-B14F-4D97-AF65-F5344CB8AC3E}">
+        <p14:creationId xmlns:p14="http://schemas.microsoft.com/office/powerpoint/2010/main" val="3171149409"/>
+      </p:ext>
+    </p:extLst>
+  </p:cSld>
+  <p:clrMapOvr>
+    <a:masterClrMapping/>
+  </p:clrMapOvr>
+</p:sld>
+</file>
+
+<file path=ppt/slides/slide9.xml><?xml version="1.0" encoding="utf-8"?>
+<p:sld xmlns:a="http://schemas.openxmlformats.org/drawingml/2006/main" xmlns:r="http://schemas.openxmlformats.org/officeDocument/2006/relationships" xmlns:p="http://schemas.openxmlformats.org/presentationml/2006/main">
+  <p:cSld>
+    <p:spTree>
+      <p:nvGrpSpPr>
+        <p:cNvPr id="1" name=""/>
+        <p:cNvGrpSpPr/>
+        <p:nvPr/>
+      </p:nvGrpSpPr>
+      <p:grpSpPr>
+        <a:xfrm>
+          <a:off x="0" y="0"/>
+          <a:ext cx="0" cy="0"/>
+          <a:chOff x="0" y="0"/>
+          <a:chExt cx="0" cy="0"/>
+        </a:xfrm>
+      </p:grpSpPr>
+      <p:pic>
+        <p:nvPicPr>
+          <p:cNvPr id="4" name="図 3" descr="図形, 四角形&#10;&#10;自動的に生成された説明">
+            <a:extLst>
+              <a:ext uri="{FF2B5EF4-FFF2-40B4-BE49-F238E27FC236}">
+                <a16:creationId xmlns:a16="http://schemas.microsoft.com/office/drawing/2014/main" id="{23DFEE59-8A8A-E8F5-3A2E-2D6B01AEEA37}"/>
+              </a:ext>
+            </a:extLst>
+          </p:cNvPr>
+          <p:cNvPicPr>
+            <a:picLocks noChangeAspect="1"/>
+          </p:cNvPicPr>
+          <p:nvPr/>
+        </p:nvPicPr>
+        <p:blipFill>
+          <a:blip r:embed="rId2">
+            <a:extLst>
+              <a:ext uri="{28A0092B-C50C-407E-A947-70E740481C1C}">
+                <a14:useLocalDpi xmlns:a14="http://schemas.microsoft.com/office/drawing/2010/main" val="0"/>
+              </a:ext>
+            </a:extLst>
+          </a:blip>
+          <a:stretch>
+            <a:fillRect/>
+          </a:stretch>
+        </p:blipFill>
+        <p:spPr>
+          <a:xfrm>
+            <a:off x="0" y="0"/>
+            <a:ext cx="12192000" cy="6858000"/>
+          </a:xfrm>
+          <a:prstGeom prst="rect">
+            <a:avLst/>
+          </a:prstGeom>
+        </p:spPr>
+      </p:pic>
+      <p:sp>
+        <p:nvSpPr>
+          <p:cNvPr id="5" name="テキスト ボックス 4">
+            <a:extLst>
+              <a:ext uri="{FF2B5EF4-FFF2-40B4-BE49-F238E27FC236}">
+                <a16:creationId xmlns:a16="http://schemas.microsoft.com/office/drawing/2014/main" id="{10927912-CC1F-BC65-C02F-CCA74FEB1646}"/>
+              </a:ext>
+            </a:extLst>
+          </p:cNvPr>
+          <p:cNvSpPr txBox="1"/>
+          <p:nvPr/>
+        </p:nvSpPr>
+        <p:spPr>
+          <a:xfrm>
+            <a:off x="4157007" y="2644170"/>
+            <a:ext cx="3877985" cy="1569660"/>
+          </a:xfrm>
+          <a:prstGeom prst="rect">
+            <a:avLst/>
+          </a:prstGeom>
+          <a:noFill/>
+        </p:spPr>
+        <p:txBody>
+          <a:bodyPr wrap="none" rtlCol="0">
+            <a:spAutoFit/>
+          </a:bodyPr>
+          <a:lstStyle/>
+          <a:p>
+            <a:r>
+              <a:rPr lang="ja-JP" altLang="en-US" sz="9600" dirty="0">
+                <a:latin typeface="せのびゴシック Bold" panose="02000600000000000000" pitchFamily="2" charset="-128"/>
+                <a:ea typeface="せのびゴシック Bold" panose="02000600000000000000" pitchFamily="2" charset="-128"/>
+              </a:rPr>
+              <a:t>おわり</a:t>
+            </a:r>
+            <a:endParaRPr kumimoji="1" lang="ja-JP" altLang="en-US" sz="9600" dirty="0">
+              <a:latin typeface="せのびゴシック Bold" panose="02000600000000000000" pitchFamily="2" charset="-128"/>
+              <a:ea typeface="せのびゴシック Bold" panose="02000600000000000000" pitchFamily="2" charset="-128"/>
+            </a:endParaRPr>
+          </a:p>
+        </p:txBody>
+      </p:sp>
+    </p:spTree>
+    <p:extLst>
+      <p:ext uri="{BB962C8B-B14F-4D97-AF65-F5344CB8AC3E}">
+        <p14:creationId xmlns:p14="http://schemas.microsoft.com/office/powerpoint/2010/main" val="194285178"/>
       </p:ext>
     </p:extLst>
   </p:cSld>
